--- a/doc/Rozpoznawanie dźwięku za pomocą MLP.pptx
+++ b/doc/Rozpoznawanie dźwięku za pomocą MLP.pptx
@@ -106,6 +106,22 @@
       </a:defRPr>
     </a:lvl9pPr>
   </p:defaultTextStyle>
+  <p:extLst>
+    <p:ext uri="{EFAFB233-063F-42B5-8137-9DF3F51BA10A}">
+      <p15:sldGuideLst xmlns:p15="http://schemas.microsoft.com/office/powerpoint/2012/main">
+        <p15:guide id="1" orient="horz" pos="2160">
+          <p15:clr>
+            <a:srgbClr val="A4A3A4"/>
+          </p15:clr>
+        </p15:guide>
+        <p15:guide id="2" pos="2880">
+          <p15:clr>
+            <a:srgbClr val="A4A3A4"/>
+          </p15:clr>
+        </p15:guide>
+      </p15:sldGuideLst>
+    </p:ext>
+  </p:extLst>
 </p:presentation>
 </file>
 
@@ -139,7 +155,7 @@
           <p:cNvPr id="7" name="image6.png">
             <a:extLst>
               <a:ext uri="{FF2B5EF4-FFF2-40B4-BE49-F238E27FC236}">
-                <a16:creationId xmlns="" xmlns:a16="http://schemas.microsoft.com/office/drawing/2014/main" id="{5A406649-E792-47B4-A9BF-064BABBBF6A4}"/>
+                <a16:creationId xmlns:a16="http://schemas.microsoft.com/office/drawing/2014/main" id="{5A406649-E792-47B4-A9BF-064BABBBF6A4}"/>
               </a:ext>
             </a:extLst>
           </p:cNvPr>
@@ -149,9 +165,7 @@
           <p:nvPr/>
         </p:nvPicPr>
         <p:blipFill>
-          <a:blip r:embed="rId2" cstate="print">
-            <a:extLst/>
-          </a:blip>
+          <a:blip r:embed="rId2" cstate="print"/>
           <a:stretch>
             <a:fillRect/>
           </a:stretch>
@@ -174,7 +188,7 @@
           <p:cNvPr id="11" name="image4.png">
             <a:extLst>
               <a:ext uri="{FF2B5EF4-FFF2-40B4-BE49-F238E27FC236}">
-                <a16:creationId xmlns="" xmlns:a16="http://schemas.microsoft.com/office/drawing/2014/main" id="{6A74313D-41E1-4A01-8C8A-EAEBAD82B8CB}"/>
+                <a16:creationId xmlns:a16="http://schemas.microsoft.com/office/drawing/2014/main" id="{6A74313D-41E1-4A01-8C8A-EAEBAD82B8CB}"/>
               </a:ext>
             </a:extLst>
           </p:cNvPr>
@@ -184,9 +198,7 @@
           <p:nvPr/>
         </p:nvPicPr>
         <p:blipFill>
-          <a:blip r:embed="rId3" cstate="print">
-            <a:extLst/>
-          </a:blip>
+          <a:blip r:embed="rId3" cstate="print"/>
           <a:stretch>
             <a:fillRect/>
           </a:stretch>
@@ -209,7 +221,7 @@
           <p:cNvPr id="12" name="image5.png">
             <a:extLst>
               <a:ext uri="{FF2B5EF4-FFF2-40B4-BE49-F238E27FC236}">
-                <a16:creationId xmlns="" xmlns:a16="http://schemas.microsoft.com/office/drawing/2014/main" id="{DBDB269D-8575-4836-BCDF-28DD1A792646}"/>
+                <a16:creationId xmlns:a16="http://schemas.microsoft.com/office/drawing/2014/main" id="{DBDB269D-8575-4836-BCDF-28DD1A792646}"/>
               </a:ext>
             </a:extLst>
           </p:cNvPr>
@@ -219,9 +231,7 @@
           <p:nvPr/>
         </p:nvPicPr>
         <p:blipFill>
-          <a:blip r:embed="rId4" cstate="print">
-            <a:extLst/>
-          </a:blip>
+          <a:blip r:embed="rId4" cstate="print"/>
           <a:stretch>
             <a:fillRect/>
           </a:stretch>
@@ -271,7 +281,7 @@
           </a:lstStyle>
           <a:p>
             <a:r>
-              <a:rPr lang="ru-RU" smtClean="0"/>
+              <a:rPr lang="ru-RU"/>
               <a:t>Образец заголовка</a:t>
             </a:r>
             <a:endParaRPr lang="en-US" dirty="0"/>
@@ -343,7 +353,7 @@
           </a:lstStyle>
           <a:p>
             <a:r>
-              <a:rPr lang="ru-RU" smtClean="0"/>
+              <a:rPr lang="ru-RU"/>
               <a:t>Образец подзаголовка</a:t>
             </a:r>
             <a:endParaRPr lang="en-US" dirty="0"/>
@@ -353,20 +363,13 @@
     </p:spTree>
     <p:extLst>
       <p:ext uri="{BB962C8B-B14F-4D97-AF65-F5344CB8AC3E}">
-        <p14:creationId xmlns="" xmlns:p14="http://schemas.microsoft.com/office/powerpoint/2010/main" val="1508859745"/>
+        <p14:creationId xmlns:p14="http://schemas.microsoft.com/office/powerpoint/2010/main" val="1508859745"/>
       </p:ext>
     </p:extLst>
   </p:cSld>
   <p:clrMapOvr>
     <a:masterClrMapping/>
   </p:clrMapOvr>
-  <p:timing>
-    <p:tnLst>
-      <p:par>
-        <p:cTn id="1" dur="indefinite" restart="never" nodeType="tmRoot"/>
-      </p:par>
-    </p:tnLst>
-  </p:timing>
 </p:sldLayout>
 </file>
 
@@ -404,7 +407,6 @@
           <a:p>
             <a:fld id="{E0A2B525-4DC4-4D80-9B28-8E8A85A06424}" type="datetimeFigureOut">
               <a:rPr lang="ru-RU" smtClean="0"/>
-              <a:pPr/>
               <a:t>27.01.2020</a:t>
             </a:fld>
             <a:endParaRPr lang="ru-RU"/>
@@ -447,7 +449,6 @@
           <a:p>
             <a:fld id="{E01011B8-8901-494C-ACF4-EF2A2E89E10E}" type="slidenum">
               <a:rPr lang="ru-RU" smtClean="0"/>
-              <a:pPr/>
               <a:t>‹#›</a:t>
             </a:fld>
             <a:endParaRPr lang="ru-RU"/>
@@ -481,20 +482,13 @@
     </p:spTree>
     <p:extLst>
       <p:ext uri="{BB962C8B-B14F-4D97-AF65-F5344CB8AC3E}">
-        <p14:creationId xmlns="" xmlns:p14="http://schemas.microsoft.com/office/powerpoint/2010/main" val="753366283"/>
+        <p14:creationId xmlns:p14="http://schemas.microsoft.com/office/powerpoint/2010/main" val="753366283"/>
       </p:ext>
     </p:extLst>
   </p:cSld>
   <p:clrMapOvr>
     <a:masterClrMapping/>
   </p:clrMapOvr>
-  <p:timing>
-    <p:tnLst>
-      <p:par>
-        <p:cTn id="1" dur="indefinite" restart="never" nodeType="tmRoot"/>
-      </p:par>
-    </p:tnLst>
-  </p:timing>
 </p:sldLayout>
 </file>
 
@@ -540,7 +534,7 @@
           </a:lstStyle>
           <a:p>
             <a:r>
-              <a:rPr lang="ru-RU" smtClean="0"/>
+              <a:rPr lang="ru-RU"/>
               <a:t>Образец заголовка</a:t>
             </a:r>
             <a:endParaRPr lang="en-US" dirty="0"/>
@@ -597,35 +591,35 @@
           <a:p>
             <a:pPr lvl="0"/>
             <a:r>
-              <a:rPr lang="ru-RU" smtClean="0"/>
+              <a:rPr lang="ru-RU"/>
               <a:t>Образец текста</a:t>
             </a:r>
           </a:p>
           <a:p>
             <a:pPr lvl="1"/>
             <a:r>
-              <a:rPr lang="ru-RU" smtClean="0"/>
+              <a:rPr lang="ru-RU"/>
               <a:t>Второй уровень</a:t>
             </a:r>
           </a:p>
           <a:p>
             <a:pPr lvl="2"/>
             <a:r>
-              <a:rPr lang="ru-RU" smtClean="0"/>
+              <a:rPr lang="ru-RU"/>
               <a:t>Третий уровень</a:t>
             </a:r>
           </a:p>
           <a:p>
             <a:pPr lvl="3"/>
             <a:r>
-              <a:rPr lang="ru-RU" smtClean="0"/>
+              <a:rPr lang="ru-RU"/>
               <a:t>Четвертый уровень</a:t>
             </a:r>
           </a:p>
           <a:p>
             <a:pPr lvl="4"/>
             <a:r>
-              <a:rPr lang="ru-RU" smtClean="0"/>
+              <a:rPr lang="ru-RU"/>
               <a:t>Пятый уровень</a:t>
             </a:r>
             <a:endParaRPr lang="en-US" dirty="0"/>
@@ -691,7 +685,7 @@
           <a:p>
             <a:pPr lvl="0"/>
             <a:r>
-              <a:rPr lang="ru-RU" smtClean="0"/>
+              <a:rPr lang="ru-RU"/>
               <a:t>Образец текста</a:t>
             </a:r>
           </a:p>
@@ -714,7 +708,6 @@
           <a:p>
             <a:fld id="{E0A2B525-4DC4-4D80-9B28-8E8A85A06424}" type="datetimeFigureOut">
               <a:rPr lang="ru-RU" smtClean="0"/>
-              <a:pPr/>
               <a:t>27.01.2020</a:t>
             </a:fld>
             <a:endParaRPr lang="ru-RU"/>
@@ -757,7 +750,6 @@
           <a:p>
             <a:fld id="{E01011B8-8901-494C-ACF4-EF2A2E89E10E}" type="slidenum">
               <a:rPr lang="ru-RU" smtClean="0"/>
-              <a:pPr/>
               <a:t>‹#›</a:t>
             </a:fld>
             <a:endParaRPr lang="ru-RU"/>
@@ -791,20 +783,13 @@
     </p:spTree>
     <p:extLst>
       <p:ext uri="{BB962C8B-B14F-4D97-AF65-F5344CB8AC3E}">
-        <p14:creationId xmlns="" xmlns:p14="http://schemas.microsoft.com/office/powerpoint/2010/main" val="1688890367"/>
+        <p14:creationId xmlns:p14="http://schemas.microsoft.com/office/powerpoint/2010/main" val="1688890367"/>
       </p:ext>
     </p:extLst>
   </p:cSld>
   <p:clrMapOvr>
     <a:masterClrMapping/>
   </p:clrMapOvr>
-  <p:timing>
-    <p:tnLst>
-      <p:par>
-        <p:cTn id="1" dur="indefinite" restart="never" nodeType="tmRoot"/>
-      </p:par>
-    </p:tnLst>
-  </p:timing>
 </p:sldLayout>
 </file>
 
@@ -850,7 +835,7 @@
           </a:lstStyle>
           <a:p>
             <a:r>
-              <a:rPr lang="ru-RU" smtClean="0"/>
+              <a:rPr lang="ru-RU"/>
               <a:t>Образец заголовка</a:t>
             </a:r>
             <a:endParaRPr lang="en-US" dirty="0"/>
@@ -915,7 +900,7 @@
           </a:lstStyle>
           <a:p>
             <a:r>
-              <a:rPr lang="ru-RU" smtClean="0"/>
+              <a:rPr lang="ru-RU"/>
               <a:t>Вставка рисунка</a:t>
             </a:r>
             <a:endParaRPr lang="en-US" dirty="0"/>
@@ -981,7 +966,7 @@
           <a:p>
             <a:pPr lvl="0"/>
             <a:r>
-              <a:rPr lang="ru-RU" smtClean="0"/>
+              <a:rPr lang="ru-RU"/>
               <a:t>Образец текста</a:t>
             </a:r>
           </a:p>
@@ -1004,7 +989,6 @@
           <a:p>
             <a:fld id="{E0A2B525-4DC4-4D80-9B28-8E8A85A06424}" type="datetimeFigureOut">
               <a:rPr lang="ru-RU" smtClean="0"/>
-              <a:pPr/>
               <a:t>27.01.2020</a:t>
             </a:fld>
             <a:endParaRPr lang="ru-RU"/>
@@ -1047,7 +1031,6 @@
           <a:p>
             <a:fld id="{E01011B8-8901-494C-ACF4-EF2A2E89E10E}" type="slidenum">
               <a:rPr lang="ru-RU" smtClean="0"/>
-              <a:pPr/>
               <a:t>‹#›</a:t>
             </a:fld>
             <a:endParaRPr lang="ru-RU"/>
@@ -1081,20 +1064,13 @@
     </p:spTree>
     <p:extLst>
       <p:ext uri="{BB962C8B-B14F-4D97-AF65-F5344CB8AC3E}">
-        <p14:creationId xmlns="" xmlns:p14="http://schemas.microsoft.com/office/powerpoint/2010/main" val="186999930"/>
+        <p14:creationId xmlns:p14="http://schemas.microsoft.com/office/powerpoint/2010/main" val="186999930"/>
       </p:ext>
     </p:extLst>
   </p:cSld>
   <p:clrMapOvr>
     <a:masterClrMapping/>
   </p:clrMapOvr>
-  <p:timing>
-    <p:tnLst>
-      <p:par>
-        <p:cTn id="1" dur="indefinite" restart="never" nodeType="tmRoot"/>
-      </p:par>
-    </p:tnLst>
-  </p:timing>
 </p:sldLayout>
 </file>
 
@@ -1131,7 +1107,7 @@
           <a:lstStyle/>
           <a:p>
             <a:r>
-              <a:rPr lang="ru-RU" smtClean="0"/>
+              <a:rPr lang="ru-RU"/>
               <a:t>Образец заголовка</a:t>
             </a:r>
             <a:endParaRPr lang="en-US" dirty="0"/>
@@ -1155,35 +1131,35 @@
           <a:p>
             <a:pPr lvl="0"/>
             <a:r>
-              <a:rPr lang="ru-RU" smtClean="0"/>
+              <a:rPr lang="ru-RU"/>
               <a:t>Образец текста</a:t>
             </a:r>
           </a:p>
           <a:p>
             <a:pPr lvl="1"/>
             <a:r>
-              <a:rPr lang="ru-RU" smtClean="0"/>
+              <a:rPr lang="ru-RU"/>
               <a:t>Второй уровень</a:t>
             </a:r>
           </a:p>
           <a:p>
             <a:pPr lvl="2"/>
             <a:r>
-              <a:rPr lang="ru-RU" smtClean="0"/>
+              <a:rPr lang="ru-RU"/>
               <a:t>Третий уровень</a:t>
             </a:r>
           </a:p>
           <a:p>
             <a:pPr lvl="3"/>
             <a:r>
-              <a:rPr lang="ru-RU" smtClean="0"/>
+              <a:rPr lang="ru-RU"/>
               <a:t>Четвертый уровень</a:t>
             </a:r>
           </a:p>
           <a:p>
             <a:pPr lvl="4"/>
             <a:r>
-              <a:rPr lang="ru-RU" smtClean="0"/>
+              <a:rPr lang="ru-RU"/>
               <a:t>Пятый уровень</a:t>
             </a:r>
             <a:endParaRPr lang="en-US" dirty="0"/>
@@ -1212,7 +1188,6 @@
           <a:p>
             <a:fld id="{E0A2B525-4DC4-4D80-9B28-8E8A85A06424}" type="datetimeFigureOut">
               <a:rPr lang="ru-RU" smtClean="0"/>
-              <a:pPr/>
               <a:t>27.01.2020</a:t>
             </a:fld>
             <a:endParaRPr lang="ru-RU"/>
@@ -1269,7 +1244,6 @@
           <a:p>
             <a:fld id="{E01011B8-8901-494C-ACF4-EF2A2E89E10E}" type="slidenum">
               <a:rPr lang="ru-RU" smtClean="0"/>
-              <a:pPr/>
               <a:t>‹#›</a:t>
             </a:fld>
             <a:endParaRPr lang="ru-RU"/>
@@ -1303,20 +1277,13 @@
     </p:spTree>
     <p:extLst>
       <p:ext uri="{BB962C8B-B14F-4D97-AF65-F5344CB8AC3E}">
-        <p14:creationId xmlns="" xmlns:p14="http://schemas.microsoft.com/office/powerpoint/2010/main" val="1646513699"/>
+        <p14:creationId xmlns:p14="http://schemas.microsoft.com/office/powerpoint/2010/main" val="1646513699"/>
       </p:ext>
     </p:extLst>
   </p:cSld>
   <p:clrMapOvr>
     <a:masterClrMapping/>
   </p:clrMapOvr>
-  <p:timing>
-    <p:tnLst>
-      <p:par>
-        <p:cTn id="1" dur="indefinite" restart="never" nodeType="tmRoot"/>
-      </p:par>
-    </p:tnLst>
-  </p:timing>
 </p:sldLayout>
 </file>
 
@@ -1358,7 +1325,7 @@
           <a:lstStyle/>
           <a:p>
             <a:r>
-              <a:rPr lang="ru-RU" smtClean="0"/>
+              <a:rPr lang="ru-RU"/>
               <a:t>Образец заголовка</a:t>
             </a:r>
             <a:endParaRPr lang="en-US" dirty="0"/>
@@ -1387,35 +1354,35 @@
           <a:p>
             <a:pPr lvl="0"/>
             <a:r>
-              <a:rPr lang="ru-RU" smtClean="0"/>
+              <a:rPr lang="ru-RU"/>
               <a:t>Образец текста</a:t>
             </a:r>
           </a:p>
           <a:p>
             <a:pPr lvl="1"/>
             <a:r>
-              <a:rPr lang="ru-RU" smtClean="0"/>
+              <a:rPr lang="ru-RU"/>
               <a:t>Второй уровень</a:t>
             </a:r>
           </a:p>
           <a:p>
             <a:pPr lvl="2"/>
             <a:r>
-              <a:rPr lang="ru-RU" smtClean="0"/>
+              <a:rPr lang="ru-RU"/>
               <a:t>Третий уровень</a:t>
             </a:r>
           </a:p>
           <a:p>
             <a:pPr lvl="3"/>
             <a:r>
-              <a:rPr lang="ru-RU" smtClean="0"/>
+              <a:rPr lang="ru-RU"/>
               <a:t>Четвертый уровень</a:t>
             </a:r>
           </a:p>
           <a:p>
             <a:pPr lvl="4"/>
             <a:r>
-              <a:rPr lang="ru-RU" smtClean="0"/>
+              <a:rPr lang="ru-RU"/>
               <a:t>Пятый уровень</a:t>
             </a:r>
             <a:endParaRPr lang="en-US" dirty="0"/>
@@ -1444,7 +1411,6 @@
           <a:p>
             <a:fld id="{E0A2B525-4DC4-4D80-9B28-8E8A85A06424}" type="datetimeFigureOut">
               <a:rPr lang="ru-RU" smtClean="0"/>
-              <a:pPr/>
               <a:t>27.01.2020</a:t>
             </a:fld>
             <a:endParaRPr lang="ru-RU"/>
@@ -1497,7 +1463,6 @@
           <a:p>
             <a:fld id="{E01011B8-8901-494C-ACF4-EF2A2E89E10E}" type="slidenum">
               <a:rPr lang="ru-RU" smtClean="0"/>
-              <a:pPr/>
               <a:t>‹#›</a:t>
             </a:fld>
             <a:endParaRPr lang="ru-RU"/>
@@ -1531,20 +1496,13 @@
     </p:spTree>
     <p:extLst>
       <p:ext uri="{BB962C8B-B14F-4D97-AF65-F5344CB8AC3E}">
-        <p14:creationId xmlns="" xmlns:p14="http://schemas.microsoft.com/office/powerpoint/2010/main" val="128710346"/>
+        <p14:creationId xmlns:p14="http://schemas.microsoft.com/office/powerpoint/2010/main" val="128710346"/>
       </p:ext>
     </p:extLst>
   </p:cSld>
   <p:clrMapOvr>
     <a:masterClrMapping/>
   </p:clrMapOvr>
-  <p:timing>
-    <p:tnLst>
-      <p:par>
-        <p:cTn id="1" dur="indefinite" restart="never" nodeType="tmRoot"/>
-      </p:par>
-    </p:tnLst>
-  </p:timing>
 </p:sldLayout>
 </file>
 
@@ -1574,9 +1532,7 @@
           <p:nvPr/>
         </p:nvPicPr>
         <p:blipFill rotWithShape="1">
-          <a:blip r:embed="rId2" cstate="print">
-            <a:extLst/>
-          </a:blip>
+          <a:blip r:embed="rId2" cstate="print"/>
           <a:srcRect l="14557" t="-172" r="14806" b="172"/>
           <a:stretch/>
         </p:blipFill>
@@ -1652,7 +1608,6 @@
           <a:p>
             <a:fld id="{E0A2B525-4DC4-4D80-9B28-8E8A85A06424}" type="datetimeFigureOut">
               <a:rPr lang="ru-RU" smtClean="0"/>
-              <a:pPr/>
               <a:t>27.01.2020</a:t>
             </a:fld>
             <a:endParaRPr lang="ru-RU"/>
@@ -1715,7 +1670,7 @@
               </a:spcBef>
             </a:pPr>
             <a:r>
-              <a:rPr lang="ru-RU" smtClean="0"/>
+              <a:rPr lang="ru-RU"/>
               <a:t>Образец текста</a:t>
             </a:r>
           </a:p>
@@ -1726,7 +1681,7 @@
               </a:spcBef>
             </a:pPr>
             <a:r>
-              <a:rPr lang="ru-RU" smtClean="0"/>
+              <a:rPr lang="ru-RU"/>
               <a:t>Второй уровень</a:t>
             </a:r>
           </a:p>
@@ -1737,7 +1692,7 @@
               </a:spcBef>
             </a:pPr>
             <a:r>
-              <a:rPr lang="ru-RU" smtClean="0"/>
+              <a:rPr lang="ru-RU"/>
               <a:t>Третий уровень</a:t>
             </a:r>
           </a:p>
@@ -1748,7 +1703,7 @@
               </a:spcBef>
             </a:pPr>
             <a:r>
-              <a:rPr lang="ru-RU" smtClean="0"/>
+              <a:rPr lang="ru-RU"/>
               <a:t>Четвертый уровень</a:t>
             </a:r>
           </a:p>
@@ -1781,20 +1736,13 @@
     </p:spTree>
     <p:extLst>
       <p:ext uri="{BB962C8B-B14F-4D97-AF65-F5344CB8AC3E}">
-        <p14:creationId xmlns="" xmlns:p14="http://schemas.microsoft.com/office/powerpoint/2010/main" val="4042724759"/>
+        <p14:creationId xmlns:p14="http://schemas.microsoft.com/office/powerpoint/2010/main" val="4042724759"/>
       </p:ext>
     </p:extLst>
   </p:cSld>
   <p:clrMapOvr>
     <a:masterClrMapping/>
   </p:clrMapOvr>
-  <p:timing>
-    <p:tnLst>
-      <p:par>
-        <p:cTn id="1" dur="indefinite" restart="never" nodeType="tmRoot"/>
-      </p:par>
-    </p:tnLst>
-  </p:timing>
 </p:sldLayout>
 </file>
 
@@ -1827,7 +1775,7 @@
           <a:blip r:embed="rId2" cstate="print">
             <a:extLst>
               <a:ext uri="{28A0092B-C50C-407E-A947-70E740481C1C}">
-                <a14:useLocalDpi xmlns="" xmlns:a14="http://schemas.microsoft.com/office/drawing/2010/main" val="0"/>
+                <a14:useLocalDpi xmlns:a14="http://schemas.microsoft.com/office/drawing/2010/main" val="0"/>
               </a:ext>
             </a:extLst>
           </a:blip>
@@ -1907,7 +1855,6 @@
           <a:p>
             <a:fld id="{E0A2B525-4DC4-4D80-9B28-8E8A85A06424}" type="datetimeFigureOut">
               <a:rPr lang="ru-RU" smtClean="0"/>
-              <a:pPr/>
               <a:t>27.01.2020</a:t>
             </a:fld>
             <a:endParaRPr lang="ru-RU"/>
@@ -1970,7 +1917,7 @@
               </a:spcBef>
             </a:pPr>
             <a:r>
-              <a:rPr lang="ru-RU" smtClean="0"/>
+              <a:rPr lang="ru-RU"/>
               <a:t>Образец текста</a:t>
             </a:r>
           </a:p>
@@ -1981,7 +1928,7 @@
               </a:spcBef>
             </a:pPr>
             <a:r>
-              <a:rPr lang="ru-RU" smtClean="0"/>
+              <a:rPr lang="ru-RU"/>
               <a:t>Второй уровень</a:t>
             </a:r>
           </a:p>
@@ -1992,7 +1939,7 @@
               </a:spcBef>
             </a:pPr>
             <a:r>
-              <a:rPr lang="ru-RU" smtClean="0"/>
+              <a:rPr lang="ru-RU"/>
               <a:t>Третий уровень</a:t>
             </a:r>
           </a:p>
@@ -2003,7 +1950,7 @@
               </a:spcBef>
             </a:pPr>
             <a:r>
-              <a:rPr lang="ru-RU" smtClean="0"/>
+              <a:rPr lang="ru-RU"/>
               <a:t>Четвертый уровень</a:t>
             </a:r>
           </a:p>
@@ -2036,20 +1983,13 @@
     </p:spTree>
     <p:extLst>
       <p:ext uri="{BB962C8B-B14F-4D97-AF65-F5344CB8AC3E}">
-        <p14:creationId xmlns="" xmlns:p14="http://schemas.microsoft.com/office/powerpoint/2010/main" val="4091376097"/>
+        <p14:creationId xmlns:p14="http://schemas.microsoft.com/office/powerpoint/2010/main" val="4091376097"/>
       </p:ext>
     </p:extLst>
   </p:cSld>
   <p:clrMapOvr>
     <a:masterClrMapping/>
   </p:clrMapOvr>
-  <p:timing>
-    <p:tnLst>
-      <p:par>
-        <p:cTn id="1" dur="indefinite" restart="never" nodeType="tmRoot"/>
-      </p:par>
-    </p:tnLst>
-  </p:timing>
 </p:sldLayout>
 </file>
 
@@ -2082,7 +2022,7 @@
           <a:blip r:embed="rId2" cstate="print">
             <a:extLst>
               <a:ext uri="{28A0092B-C50C-407E-A947-70E740481C1C}">
-                <a14:useLocalDpi xmlns="" xmlns:a14="http://schemas.microsoft.com/office/drawing/2010/main" val="0"/>
+                <a14:useLocalDpi xmlns:a14="http://schemas.microsoft.com/office/drawing/2010/main" val="0"/>
               </a:ext>
             </a:extLst>
           </a:blip>
@@ -2162,7 +2102,6 @@
           <a:p>
             <a:fld id="{E0A2B525-4DC4-4D80-9B28-8E8A85A06424}" type="datetimeFigureOut">
               <a:rPr lang="ru-RU" smtClean="0"/>
-              <a:pPr/>
               <a:t>27.01.2020</a:t>
             </a:fld>
             <a:endParaRPr lang="ru-RU"/>
@@ -2225,7 +2164,7 @@
               </a:spcBef>
             </a:pPr>
             <a:r>
-              <a:rPr lang="ru-RU" smtClean="0"/>
+              <a:rPr lang="ru-RU"/>
               <a:t>Образец текста</a:t>
             </a:r>
           </a:p>
@@ -2236,7 +2175,7 @@
               </a:spcBef>
             </a:pPr>
             <a:r>
-              <a:rPr lang="ru-RU" smtClean="0"/>
+              <a:rPr lang="ru-RU"/>
               <a:t>Второй уровень</a:t>
             </a:r>
           </a:p>
@@ -2247,7 +2186,7 @@
               </a:spcBef>
             </a:pPr>
             <a:r>
-              <a:rPr lang="ru-RU" smtClean="0"/>
+              <a:rPr lang="ru-RU"/>
               <a:t>Третий уровень</a:t>
             </a:r>
           </a:p>
@@ -2258,7 +2197,7 @@
               </a:spcBef>
             </a:pPr>
             <a:r>
-              <a:rPr lang="ru-RU" smtClean="0"/>
+              <a:rPr lang="ru-RU"/>
               <a:t>Четвертый уровень</a:t>
             </a:r>
           </a:p>
@@ -2291,20 +2230,13 @@
     </p:spTree>
     <p:extLst>
       <p:ext uri="{BB962C8B-B14F-4D97-AF65-F5344CB8AC3E}">
-        <p14:creationId xmlns="" xmlns:p14="http://schemas.microsoft.com/office/powerpoint/2010/main" val="3337830424"/>
+        <p14:creationId xmlns:p14="http://schemas.microsoft.com/office/powerpoint/2010/main" val="3337830424"/>
       </p:ext>
     </p:extLst>
   </p:cSld>
   <p:clrMapOvr>
     <a:masterClrMapping/>
   </p:clrMapOvr>
-  <p:timing>
-    <p:tnLst>
-      <p:par>
-        <p:cTn id="1" dur="indefinite" restart="never" nodeType="tmRoot"/>
-      </p:par>
-    </p:tnLst>
-  </p:timing>
 </p:sldLayout>
 </file>
 
@@ -2337,7 +2269,7 @@
           <a:blip r:embed="rId2" cstate="print">
             <a:extLst>
               <a:ext uri="{28A0092B-C50C-407E-A947-70E740481C1C}">
-                <a14:useLocalDpi xmlns="" xmlns:a14="http://schemas.microsoft.com/office/drawing/2010/main" val="0"/>
+                <a14:useLocalDpi xmlns:a14="http://schemas.microsoft.com/office/drawing/2010/main" val="0"/>
               </a:ext>
             </a:extLst>
           </a:blip>
@@ -2417,7 +2349,6 @@
           <a:p>
             <a:fld id="{E0A2B525-4DC4-4D80-9B28-8E8A85A06424}" type="datetimeFigureOut">
               <a:rPr lang="ru-RU" smtClean="0"/>
-              <a:pPr/>
               <a:t>27.01.2020</a:t>
             </a:fld>
             <a:endParaRPr lang="ru-RU"/>
@@ -2480,7 +2411,7 @@
               </a:spcBef>
             </a:pPr>
             <a:r>
-              <a:rPr lang="ru-RU" smtClean="0"/>
+              <a:rPr lang="ru-RU"/>
               <a:t>Образец текста</a:t>
             </a:r>
           </a:p>
@@ -2491,7 +2422,7 @@
               </a:spcBef>
             </a:pPr>
             <a:r>
-              <a:rPr lang="ru-RU" smtClean="0"/>
+              <a:rPr lang="ru-RU"/>
               <a:t>Второй уровень</a:t>
             </a:r>
           </a:p>
@@ -2502,7 +2433,7 @@
               </a:spcBef>
             </a:pPr>
             <a:r>
-              <a:rPr lang="ru-RU" smtClean="0"/>
+              <a:rPr lang="ru-RU"/>
               <a:t>Третий уровень</a:t>
             </a:r>
           </a:p>
@@ -2513,7 +2444,7 @@
               </a:spcBef>
             </a:pPr>
             <a:r>
-              <a:rPr lang="ru-RU" smtClean="0"/>
+              <a:rPr lang="ru-RU"/>
               <a:t>Четвертый уровень</a:t>
             </a:r>
           </a:p>
@@ -2546,20 +2477,13 @@
     </p:spTree>
     <p:extLst>
       <p:ext uri="{BB962C8B-B14F-4D97-AF65-F5344CB8AC3E}">
-        <p14:creationId xmlns="" xmlns:p14="http://schemas.microsoft.com/office/powerpoint/2010/main" val="1267952272"/>
+        <p14:creationId xmlns:p14="http://schemas.microsoft.com/office/powerpoint/2010/main" val="1267952272"/>
       </p:ext>
     </p:extLst>
   </p:cSld>
   <p:clrMapOvr>
     <a:masterClrMapping/>
   </p:clrMapOvr>
-  <p:timing>
-    <p:tnLst>
-      <p:par>
-        <p:cTn id="1" dur="indefinite" restart="never" nodeType="tmRoot"/>
-      </p:par>
-    </p:tnLst>
-  </p:timing>
 </p:sldLayout>
 </file>
 
@@ -2592,7 +2516,7 @@
           <a:blip r:embed="rId2" cstate="print">
             <a:extLst>
               <a:ext uri="{28A0092B-C50C-407E-A947-70E740481C1C}">
-                <a14:useLocalDpi xmlns="" xmlns:a14="http://schemas.microsoft.com/office/drawing/2010/main" val="0"/>
+                <a14:useLocalDpi xmlns:a14="http://schemas.microsoft.com/office/drawing/2010/main" val="0"/>
               </a:ext>
             </a:extLst>
           </a:blip>
@@ -2672,7 +2596,6 @@
           <a:p>
             <a:fld id="{E0A2B525-4DC4-4D80-9B28-8E8A85A06424}" type="datetimeFigureOut">
               <a:rPr lang="ru-RU" smtClean="0"/>
-              <a:pPr/>
               <a:t>27.01.2020</a:t>
             </a:fld>
             <a:endParaRPr lang="ru-RU"/>
@@ -2735,7 +2658,7 @@
               </a:spcBef>
             </a:pPr>
             <a:r>
-              <a:rPr lang="ru-RU" smtClean="0"/>
+              <a:rPr lang="ru-RU"/>
               <a:t>Образец текста</a:t>
             </a:r>
           </a:p>
@@ -2746,7 +2669,7 @@
               </a:spcBef>
             </a:pPr>
             <a:r>
-              <a:rPr lang="ru-RU" smtClean="0"/>
+              <a:rPr lang="ru-RU"/>
               <a:t>Второй уровень</a:t>
             </a:r>
           </a:p>
@@ -2757,7 +2680,7 @@
               </a:spcBef>
             </a:pPr>
             <a:r>
-              <a:rPr lang="ru-RU" smtClean="0"/>
+              <a:rPr lang="ru-RU"/>
               <a:t>Третий уровень</a:t>
             </a:r>
           </a:p>
@@ -2768,7 +2691,7 @@
               </a:spcBef>
             </a:pPr>
             <a:r>
-              <a:rPr lang="ru-RU" smtClean="0"/>
+              <a:rPr lang="ru-RU"/>
               <a:t>Четвертый уровень</a:t>
             </a:r>
           </a:p>
@@ -2801,20 +2724,13 @@
     </p:spTree>
     <p:extLst>
       <p:ext uri="{BB962C8B-B14F-4D97-AF65-F5344CB8AC3E}">
-        <p14:creationId xmlns="" xmlns:p14="http://schemas.microsoft.com/office/powerpoint/2010/main" val="2222010789"/>
+        <p14:creationId xmlns:p14="http://schemas.microsoft.com/office/powerpoint/2010/main" val="2222010789"/>
       </p:ext>
     </p:extLst>
   </p:cSld>
   <p:clrMapOvr>
     <a:masterClrMapping/>
   </p:clrMapOvr>
-  <p:timing>
-    <p:tnLst>
-      <p:par>
-        <p:cTn id="1" dur="indefinite" restart="never" nodeType="tmRoot"/>
-      </p:par>
-    </p:tnLst>
-  </p:timing>
 </p:sldLayout>
 </file>
 
@@ -2875,7 +2791,7 @@
           <a:lstStyle/>
           <a:p>
             <a:r>
-              <a:rPr lang="ru-RU" smtClean="0"/>
+              <a:rPr lang="ru-RU"/>
               <a:t>Образец заголовка</a:t>
             </a:r>
             <a:endParaRPr lang="en-US" dirty="0"/>
@@ -2899,35 +2815,35 @@
           <a:p>
             <a:pPr lvl="0"/>
             <a:r>
-              <a:rPr lang="ru-RU" smtClean="0"/>
+              <a:rPr lang="ru-RU"/>
               <a:t>Образец текста</a:t>
             </a:r>
           </a:p>
           <a:p>
             <a:pPr lvl="1"/>
             <a:r>
-              <a:rPr lang="ru-RU" smtClean="0"/>
+              <a:rPr lang="ru-RU"/>
               <a:t>Второй уровень</a:t>
             </a:r>
           </a:p>
           <a:p>
             <a:pPr lvl="2"/>
             <a:r>
-              <a:rPr lang="ru-RU" smtClean="0"/>
+              <a:rPr lang="ru-RU"/>
               <a:t>Третий уровень</a:t>
             </a:r>
           </a:p>
           <a:p>
             <a:pPr lvl="3"/>
             <a:r>
-              <a:rPr lang="ru-RU" smtClean="0"/>
+              <a:rPr lang="ru-RU"/>
               <a:t>Четвертый уровень</a:t>
             </a:r>
           </a:p>
           <a:p>
             <a:pPr lvl="4"/>
             <a:r>
-              <a:rPr lang="ru-RU" smtClean="0"/>
+              <a:rPr lang="ru-RU"/>
               <a:t>Пятый уровень</a:t>
             </a:r>
             <a:endParaRPr lang="en-US" dirty="0"/>
@@ -2951,7 +2867,6 @@
           <a:p>
             <a:fld id="{E0A2B525-4DC4-4D80-9B28-8E8A85A06424}" type="datetimeFigureOut">
               <a:rPr lang="ru-RU" smtClean="0"/>
-              <a:pPr/>
               <a:t>27.01.2020</a:t>
             </a:fld>
             <a:endParaRPr lang="ru-RU"/>
@@ -3015,7 +2930,6 @@
           <a:p>
             <a:fld id="{E01011B8-8901-494C-ACF4-EF2A2E89E10E}" type="slidenum">
               <a:rPr lang="ru-RU" smtClean="0"/>
-              <a:pPr/>
               <a:t>‹#›</a:t>
             </a:fld>
             <a:endParaRPr lang="ru-RU"/>
@@ -3025,20 +2939,13 @@
     </p:spTree>
     <p:extLst>
       <p:ext uri="{BB962C8B-B14F-4D97-AF65-F5344CB8AC3E}">
-        <p14:creationId xmlns="" xmlns:p14="http://schemas.microsoft.com/office/powerpoint/2010/main" val="152915371"/>
+        <p14:creationId xmlns:p14="http://schemas.microsoft.com/office/powerpoint/2010/main" val="152915371"/>
       </p:ext>
     </p:extLst>
   </p:cSld>
   <p:clrMapOvr>
     <a:masterClrMapping/>
   </p:clrMapOvr>
-  <p:timing>
-    <p:tnLst>
-      <p:par>
-        <p:cTn id="1" dur="indefinite" restart="never" nodeType="tmRoot"/>
-      </p:par>
-    </p:tnLst>
-  </p:timing>
 </p:sldLayout>
 </file>
 
@@ -3147,7 +3054,7 @@
           </a:lstStyle>
           <a:p>
             <a:r>
-              <a:rPr lang="ru-RU" smtClean="0"/>
+              <a:rPr lang="ru-RU"/>
               <a:t>Образец заголовка</a:t>
             </a:r>
             <a:endParaRPr lang="en-US" dirty="0"/>
@@ -3219,7 +3126,7 @@
           </a:lstStyle>
           <a:p>
             <a:r>
-              <a:rPr lang="ru-RU" smtClean="0"/>
+              <a:rPr lang="ru-RU"/>
               <a:t>Образец подзаголовка</a:t>
             </a:r>
             <a:endParaRPr lang="en-US" dirty="0"/>
@@ -3253,20 +3160,13 @@
     </p:spTree>
     <p:extLst>
       <p:ext uri="{BB962C8B-B14F-4D97-AF65-F5344CB8AC3E}">
-        <p14:creationId xmlns="" xmlns:p14="http://schemas.microsoft.com/office/powerpoint/2010/main" val="2781355781"/>
+        <p14:creationId xmlns:p14="http://schemas.microsoft.com/office/powerpoint/2010/main" val="2781355781"/>
       </p:ext>
     </p:extLst>
   </p:cSld>
   <p:clrMapOvr>
     <a:masterClrMapping/>
   </p:clrMapOvr>
-  <p:timing>
-    <p:tnLst>
-      <p:par>
-        <p:cTn id="1" dur="indefinite" restart="never" nodeType="tmRoot"/>
-      </p:par>
-    </p:tnLst>
-  </p:timing>
 </p:sldLayout>
 </file>
 
@@ -3327,7 +3227,7 @@
           <a:lstStyle/>
           <a:p>
             <a:r>
-              <a:rPr lang="ru-RU" smtClean="0"/>
+              <a:rPr lang="ru-RU"/>
               <a:t>Образец заголовка</a:t>
             </a:r>
             <a:endParaRPr lang="en-US" dirty="0"/>
@@ -3351,35 +3251,35 @@
           <a:p>
             <a:pPr lvl="0"/>
             <a:r>
-              <a:rPr lang="ru-RU" smtClean="0"/>
+              <a:rPr lang="ru-RU"/>
               <a:t>Образец текста</a:t>
             </a:r>
           </a:p>
           <a:p>
             <a:pPr lvl="1"/>
             <a:r>
-              <a:rPr lang="ru-RU" smtClean="0"/>
+              <a:rPr lang="ru-RU"/>
               <a:t>Второй уровень</a:t>
             </a:r>
           </a:p>
           <a:p>
             <a:pPr lvl="2"/>
             <a:r>
-              <a:rPr lang="ru-RU" smtClean="0"/>
+              <a:rPr lang="ru-RU"/>
               <a:t>Третий уровень</a:t>
             </a:r>
           </a:p>
           <a:p>
             <a:pPr lvl="3"/>
             <a:r>
-              <a:rPr lang="ru-RU" smtClean="0"/>
+              <a:rPr lang="ru-RU"/>
               <a:t>Четвертый уровень</a:t>
             </a:r>
           </a:p>
           <a:p>
             <a:pPr lvl="4"/>
             <a:r>
-              <a:rPr lang="ru-RU" smtClean="0"/>
+              <a:rPr lang="ru-RU"/>
               <a:t>Пятый уровень</a:t>
             </a:r>
             <a:endParaRPr lang="en-US" dirty="0"/>
@@ -3404,7 +3304,7 @@
             <a:fld id="{FA74725E-9BBD-400D-9BC6-C17F4312B59B}" type="datetime1">
               <a:rPr lang="pl-PL" smtClean="0"/>
               <a:pPr/>
-              <a:t>2020-01-27</a:t>
+              <a:t>27.01.2020</a:t>
             </a:fld>
             <a:endParaRPr lang="pl-PL"/>
           </a:p>
@@ -3477,20 +3377,13 @@
     </p:spTree>
     <p:extLst>
       <p:ext uri="{BB962C8B-B14F-4D97-AF65-F5344CB8AC3E}">
-        <p14:creationId xmlns="" xmlns:p14="http://schemas.microsoft.com/office/powerpoint/2010/main" val="474565923"/>
+        <p14:creationId xmlns:p14="http://schemas.microsoft.com/office/powerpoint/2010/main" val="474565923"/>
       </p:ext>
     </p:extLst>
   </p:cSld>
   <p:clrMapOvr>
     <a:masterClrMapping/>
   </p:clrMapOvr>
-  <p:timing>
-    <p:tnLst>
-      <p:par>
-        <p:cTn id="1" dur="indefinite" restart="never" nodeType="tmRoot"/>
-      </p:par>
-    </p:tnLst>
-  </p:timing>
 </p:sldLayout>
 </file>
 
@@ -3599,7 +3492,7 @@
           </a:lstStyle>
           <a:p>
             <a:r>
-              <a:rPr lang="ru-RU" smtClean="0"/>
+              <a:rPr lang="ru-RU"/>
               <a:t>Образец заголовка</a:t>
             </a:r>
             <a:endParaRPr lang="en-US" dirty="0"/>
@@ -3671,7 +3564,7 @@
           </a:lstStyle>
           <a:p>
             <a:r>
-              <a:rPr lang="ru-RU" smtClean="0"/>
+              <a:rPr lang="ru-RU"/>
               <a:t>Образец подзаголовка</a:t>
             </a:r>
             <a:endParaRPr lang="en-US" dirty="0"/>
@@ -3705,20 +3598,13 @@
     </p:spTree>
     <p:extLst>
       <p:ext uri="{BB962C8B-B14F-4D97-AF65-F5344CB8AC3E}">
-        <p14:creationId xmlns="" xmlns:p14="http://schemas.microsoft.com/office/powerpoint/2010/main" val="340198608"/>
+        <p14:creationId xmlns:p14="http://schemas.microsoft.com/office/powerpoint/2010/main" val="340198608"/>
       </p:ext>
     </p:extLst>
   </p:cSld>
   <p:clrMapOvr>
     <a:overrideClrMapping bg1="lt1" tx1="dk1" bg2="lt2" tx2="dk2" accent1="accent1" accent2="accent2" accent3="accent3" accent4="accent4" accent5="accent5" accent6="accent6" hlink="hlink" folHlink="folHlink"/>
   </p:clrMapOvr>
-  <p:timing>
-    <p:tnLst>
-      <p:par>
-        <p:cTn id="1" dur="indefinite" restart="never" nodeType="tmRoot"/>
-      </p:par>
-    </p:tnLst>
-  </p:timing>
 </p:sldLayout>
 </file>
 
@@ -3766,7 +3652,7 @@
           </a:lstStyle>
           <a:p>
             <a:r>
-              <a:rPr lang="ru-RU" smtClean="0"/>
+              <a:rPr lang="ru-RU"/>
               <a:t>Образец заголовка</a:t>
             </a:r>
             <a:endParaRPr lang="en-US" dirty="0"/>
@@ -3888,7 +3774,7 @@
           <a:p>
             <a:pPr lvl="0"/>
             <a:r>
-              <a:rPr lang="ru-RU" smtClean="0"/>
+              <a:rPr lang="ru-RU"/>
               <a:t>Образец текста</a:t>
             </a:r>
           </a:p>
@@ -3945,20 +3831,13 @@
     </p:spTree>
     <p:extLst>
       <p:ext uri="{BB962C8B-B14F-4D97-AF65-F5344CB8AC3E}">
-        <p14:creationId xmlns="" xmlns:p14="http://schemas.microsoft.com/office/powerpoint/2010/main" val="3169390267"/>
+        <p14:creationId xmlns:p14="http://schemas.microsoft.com/office/powerpoint/2010/main" val="3169390267"/>
       </p:ext>
     </p:extLst>
   </p:cSld>
   <p:clrMapOvr>
     <a:masterClrMapping/>
   </p:clrMapOvr>
-  <p:timing>
-    <p:tnLst>
-      <p:par>
-        <p:cTn id="1" dur="indefinite" restart="never" nodeType="tmRoot"/>
-      </p:par>
-    </p:tnLst>
-  </p:timing>
 </p:sldLayout>
 </file>
 
@@ -4003,7 +3882,7 @@
           <a:lstStyle/>
           <a:p>
             <a:r>
-              <a:rPr lang="ru-RU" smtClean="0"/>
+              <a:rPr lang="ru-RU"/>
               <a:t>Образец заголовка</a:t>
             </a:r>
             <a:endParaRPr lang="en-US" dirty="0"/>
@@ -4040,35 +3919,35 @@
           <a:p>
             <a:pPr lvl="0"/>
             <a:r>
-              <a:rPr lang="ru-RU" smtClean="0"/>
+              <a:rPr lang="ru-RU"/>
               <a:t>Образец текста</a:t>
             </a:r>
           </a:p>
           <a:p>
             <a:pPr lvl="1"/>
             <a:r>
-              <a:rPr lang="ru-RU" smtClean="0"/>
+              <a:rPr lang="ru-RU"/>
               <a:t>Второй уровень</a:t>
             </a:r>
           </a:p>
           <a:p>
             <a:pPr lvl="2"/>
             <a:r>
-              <a:rPr lang="ru-RU" smtClean="0"/>
+              <a:rPr lang="ru-RU"/>
               <a:t>Третий уровень</a:t>
             </a:r>
           </a:p>
           <a:p>
             <a:pPr lvl="3"/>
             <a:r>
-              <a:rPr lang="ru-RU" smtClean="0"/>
+              <a:rPr lang="ru-RU"/>
               <a:t>Четвертый уровень</a:t>
             </a:r>
           </a:p>
           <a:p>
             <a:pPr lvl="4"/>
             <a:r>
-              <a:rPr lang="ru-RU" smtClean="0"/>
+              <a:rPr lang="ru-RU"/>
               <a:t>Пятый уровень</a:t>
             </a:r>
             <a:endParaRPr lang="en-US" dirty="0"/>
@@ -4098,7 +3977,7 @@
             <a:fld id="{F317DF22-5C92-4FF1-A01C-A0CD364556D9}" type="datetime1">
               <a:rPr lang="pl-PL" smtClean="0"/>
               <a:pPr/>
-              <a:t>2020-01-27</a:t>
+              <a:t>27.01.2020</a:t>
             </a:fld>
             <a:endParaRPr lang="pl-PL"/>
           </a:p>
@@ -4133,7 +4012,7 @@
           <p:cNvPr id="10" name="image7.png">
             <a:extLst>
               <a:ext uri="{FF2B5EF4-FFF2-40B4-BE49-F238E27FC236}">
-                <a16:creationId xmlns="" xmlns:a16="http://schemas.microsoft.com/office/drawing/2014/main" id="{8F638F12-3CB3-453E-B9E9-400A619287F9}"/>
+                <a16:creationId xmlns:a16="http://schemas.microsoft.com/office/drawing/2014/main" id="{8F638F12-3CB3-453E-B9E9-400A619287F9}"/>
               </a:ext>
             </a:extLst>
           </p:cNvPr>
@@ -4143,9 +4022,7 @@
           <p:nvPr userDrawn="1"/>
         </p:nvPicPr>
         <p:blipFill>
-          <a:blip r:embed="rId2" cstate="print">
-            <a:extLst/>
-          </a:blip>
+          <a:blip r:embed="rId2" cstate="print"/>
           <a:stretch>
             <a:fillRect/>
           </a:stretch>
@@ -4214,20 +4091,13 @@
     </p:spTree>
     <p:extLst>
       <p:ext uri="{BB962C8B-B14F-4D97-AF65-F5344CB8AC3E}">
-        <p14:creationId xmlns="" xmlns:p14="http://schemas.microsoft.com/office/powerpoint/2010/main" val="21210863"/>
+        <p14:creationId xmlns:p14="http://schemas.microsoft.com/office/powerpoint/2010/main" val="21210863"/>
       </p:ext>
     </p:extLst>
   </p:cSld>
   <p:clrMapOvr>
     <a:masterClrMapping/>
   </p:clrMapOvr>
-  <p:timing>
-    <p:tnLst>
-      <p:par>
-        <p:cTn id="1" dur="indefinite" restart="never" nodeType="tmRoot"/>
-      </p:par>
-    </p:tnLst>
-  </p:timing>
   <p:hf hdr="0" ftr="0" dt="0"/>
 </p:sldLayout>
 </file>
@@ -4265,7 +4135,7 @@
           <a:lstStyle/>
           <a:p>
             <a:r>
-              <a:rPr lang="ru-RU" smtClean="0"/>
+              <a:rPr lang="ru-RU"/>
               <a:t>Образец заголовка</a:t>
             </a:r>
             <a:endParaRPr lang="en-US" dirty="0"/>
@@ -4294,35 +4164,35 @@
           <a:p>
             <a:pPr lvl="0"/>
             <a:r>
-              <a:rPr lang="ru-RU" smtClean="0"/>
+              <a:rPr lang="ru-RU"/>
               <a:t>Образец текста</a:t>
             </a:r>
           </a:p>
           <a:p>
             <a:pPr lvl="1"/>
             <a:r>
-              <a:rPr lang="ru-RU" smtClean="0"/>
+              <a:rPr lang="ru-RU"/>
               <a:t>Второй уровень</a:t>
             </a:r>
           </a:p>
           <a:p>
             <a:pPr lvl="2"/>
             <a:r>
-              <a:rPr lang="ru-RU" smtClean="0"/>
+              <a:rPr lang="ru-RU"/>
               <a:t>Третий уровень</a:t>
             </a:r>
           </a:p>
           <a:p>
             <a:pPr lvl="3"/>
             <a:r>
-              <a:rPr lang="ru-RU" smtClean="0"/>
+              <a:rPr lang="ru-RU"/>
               <a:t>Четвертый уровень</a:t>
             </a:r>
           </a:p>
           <a:p>
             <a:pPr lvl="4"/>
             <a:r>
-              <a:rPr lang="ru-RU" smtClean="0"/>
+              <a:rPr lang="ru-RU"/>
               <a:t>Пятый уровень</a:t>
             </a:r>
             <a:endParaRPr lang="en-US" dirty="0"/>
@@ -4351,35 +4221,35 @@
           <a:p>
             <a:pPr lvl="0"/>
             <a:r>
-              <a:rPr lang="ru-RU" smtClean="0"/>
+              <a:rPr lang="ru-RU"/>
               <a:t>Образец текста</a:t>
             </a:r>
           </a:p>
           <a:p>
             <a:pPr lvl="1"/>
             <a:r>
-              <a:rPr lang="ru-RU" smtClean="0"/>
+              <a:rPr lang="ru-RU"/>
               <a:t>Второй уровень</a:t>
             </a:r>
           </a:p>
           <a:p>
             <a:pPr lvl="2"/>
             <a:r>
-              <a:rPr lang="ru-RU" smtClean="0"/>
+              <a:rPr lang="ru-RU"/>
               <a:t>Третий уровень</a:t>
             </a:r>
           </a:p>
           <a:p>
             <a:pPr lvl="3"/>
             <a:r>
-              <a:rPr lang="ru-RU" smtClean="0"/>
+              <a:rPr lang="ru-RU"/>
               <a:t>Четвертый уровень</a:t>
             </a:r>
           </a:p>
           <a:p>
             <a:pPr lvl="4"/>
             <a:r>
-              <a:rPr lang="ru-RU" smtClean="0"/>
+              <a:rPr lang="ru-RU"/>
               <a:t>Пятый уровень</a:t>
             </a:r>
             <a:endParaRPr lang="en-US" dirty="0"/>
@@ -4404,7 +4274,7 @@
             <a:fld id="{034BFD8B-8FC8-4F4A-B5F7-5717190F435F}" type="datetime1">
               <a:rPr lang="pl-PL" smtClean="0"/>
               <a:pPr/>
-              <a:t>2020-01-27</a:t>
+              <a:t>27.01.2020</a:t>
             </a:fld>
             <a:endParaRPr lang="pl-PL"/>
           </a:p>
@@ -4485,20 +4355,13 @@
     </p:spTree>
     <p:extLst>
       <p:ext uri="{BB962C8B-B14F-4D97-AF65-F5344CB8AC3E}">
-        <p14:creationId xmlns="" xmlns:p14="http://schemas.microsoft.com/office/powerpoint/2010/main" val="4248738930"/>
+        <p14:creationId xmlns:p14="http://schemas.microsoft.com/office/powerpoint/2010/main" val="4248738930"/>
       </p:ext>
     </p:extLst>
   </p:cSld>
   <p:clrMapOvr>
     <a:masterClrMapping/>
   </p:clrMapOvr>
-  <p:timing>
-    <p:tnLst>
-      <p:par>
-        <p:cTn id="1" dur="indefinite" restart="never" nodeType="tmRoot"/>
-      </p:par>
-    </p:tnLst>
-  </p:timing>
 </p:sldLayout>
 </file>
 
@@ -4540,7 +4403,7 @@
           <a:lstStyle/>
           <a:p>
             <a:r>
-              <a:rPr lang="ru-RU" smtClean="0"/>
+              <a:rPr lang="ru-RU"/>
               <a:t>Образец заголовка</a:t>
             </a:r>
             <a:endParaRPr lang="en-US" dirty="0"/>
@@ -4606,7 +4469,7 @@
           <a:p>
             <a:pPr lvl="0"/>
             <a:r>
-              <a:rPr lang="ru-RU" smtClean="0"/>
+              <a:rPr lang="ru-RU"/>
               <a:t>Образец текста</a:t>
             </a:r>
           </a:p>
@@ -4634,35 +4497,35 @@
           <a:p>
             <a:pPr lvl="0"/>
             <a:r>
-              <a:rPr lang="ru-RU" smtClean="0"/>
+              <a:rPr lang="ru-RU"/>
               <a:t>Образец текста</a:t>
             </a:r>
           </a:p>
           <a:p>
             <a:pPr lvl="1"/>
             <a:r>
-              <a:rPr lang="ru-RU" smtClean="0"/>
+              <a:rPr lang="ru-RU"/>
               <a:t>Второй уровень</a:t>
             </a:r>
           </a:p>
           <a:p>
             <a:pPr lvl="2"/>
             <a:r>
-              <a:rPr lang="ru-RU" smtClean="0"/>
+              <a:rPr lang="ru-RU"/>
               <a:t>Третий уровень</a:t>
             </a:r>
           </a:p>
           <a:p>
             <a:pPr lvl="3"/>
             <a:r>
-              <a:rPr lang="ru-RU" smtClean="0"/>
+              <a:rPr lang="ru-RU"/>
               <a:t>Четвертый уровень</a:t>
             </a:r>
           </a:p>
           <a:p>
             <a:pPr lvl="4"/>
             <a:r>
-              <a:rPr lang="ru-RU" smtClean="0"/>
+              <a:rPr lang="ru-RU"/>
               <a:t>Пятый уровень</a:t>
             </a:r>
             <a:endParaRPr lang="en-US" dirty="0"/>
@@ -4728,7 +4591,7 @@
           <a:p>
             <a:pPr lvl="0"/>
             <a:r>
-              <a:rPr lang="ru-RU" smtClean="0"/>
+              <a:rPr lang="ru-RU"/>
               <a:t>Образец текста</a:t>
             </a:r>
           </a:p>
@@ -4756,35 +4619,35 @@
           <a:p>
             <a:pPr lvl="0"/>
             <a:r>
-              <a:rPr lang="ru-RU" smtClean="0"/>
+              <a:rPr lang="ru-RU"/>
               <a:t>Образец текста</a:t>
             </a:r>
           </a:p>
           <a:p>
             <a:pPr lvl="1"/>
             <a:r>
-              <a:rPr lang="ru-RU" smtClean="0"/>
+              <a:rPr lang="ru-RU"/>
               <a:t>Второй уровень</a:t>
             </a:r>
           </a:p>
           <a:p>
             <a:pPr lvl="2"/>
             <a:r>
-              <a:rPr lang="ru-RU" smtClean="0"/>
+              <a:rPr lang="ru-RU"/>
               <a:t>Третий уровень</a:t>
             </a:r>
           </a:p>
           <a:p>
             <a:pPr lvl="3"/>
             <a:r>
-              <a:rPr lang="ru-RU" smtClean="0"/>
+              <a:rPr lang="ru-RU"/>
               <a:t>Четвертый уровень</a:t>
             </a:r>
           </a:p>
           <a:p>
             <a:pPr lvl="4"/>
             <a:r>
-              <a:rPr lang="ru-RU" smtClean="0"/>
+              <a:rPr lang="ru-RU"/>
               <a:t>Пятый уровень</a:t>
             </a:r>
             <a:endParaRPr lang="en-US" dirty="0"/>
@@ -4809,7 +4672,7 @@
             <a:fld id="{66AE723E-EAE5-4335-92DD-06D87F82E55F}" type="datetime1">
               <a:rPr lang="pl-PL" smtClean="0"/>
               <a:pPr/>
-              <a:t>2020-01-27</a:t>
+              <a:t>27.01.2020</a:t>
             </a:fld>
             <a:endParaRPr lang="pl-PL"/>
           </a:p>
@@ -4885,20 +4748,13 @@
     </p:spTree>
     <p:extLst>
       <p:ext uri="{BB962C8B-B14F-4D97-AF65-F5344CB8AC3E}">
-        <p14:creationId xmlns="" xmlns:p14="http://schemas.microsoft.com/office/powerpoint/2010/main" val="450556213"/>
+        <p14:creationId xmlns:p14="http://schemas.microsoft.com/office/powerpoint/2010/main" val="450556213"/>
       </p:ext>
     </p:extLst>
   </p:cSld>
   <p:clrMapOvr>
     <a:masterClrMapping/>
   </p:clrMapOvr>
-  <p:timing>
-    <p:tnLst>
-      <p:par>
-        <p:cTn id="1" dur="indefinite" restart="never" nodeType="tmRoot"/>
-      </p:par>
-    </p:tnLst>
-  </p:timing>
 </p:sldLayout>
 </file>
 
@@ -4935,7 +4791,7 @@
           <a:lstStyle/>
           <a:p>
             <a:r>
-              <a:rPr lang="ru-RU" smtClean="0"/>
+              <a:rPr lang="ru-RU"/>
               <a:t>Образец заголовка</a:t>
             </a:r>
             <a:endParaRPr lang="en-US" dirty="0"/>
@@ -4960,7 +4816,7 @@
             <a:fld id="{38D5FE76-9559-491F-B605-0D9B04EE9DE6}" type="datetime1">
               <a:rPr lang="pl-PL" smtClean="0"/>
               <a:pPr/>
-              <a:t>2020-01-27</a:t>
+              <a:t>27.01.2020</a:t>
             </a:fld>
             <a:endParaRPr lang="pl-PL"/>
           </a:p>
@@ -5014,14 +4870,12 @@
           <p:cNvPr id="8" name="Table 93">
             <a:extLst>
               <a:ext uri="{FF2B5EF4-FFF2-40B4-BE49-F238E27FC236}">
-                <a16:creationId xmlns="" xmlns:a16="http://schemas.microsoft.com/office/drawing/2014/main" id="{63861C41-A286-4CBE-9EBF-DBE851D12C0E}"/>
+                <a16:creationId xmlns:a16="http://schemas.microsoft.com/office/drawing/2014/main" id="{63861C41-A286-4CBE-9EBF-DBE851D12C0E}"/>
               </a:ext>
             </a:extLst>
           </p:cNvPr>
           <p:cNvGraphicFramePr/>
-          <p:nvPr userDrawn="1">
-            <p:extLst/>
-          </p:nvPr>
+          <p:nvPr userDrawn="1"/>
         </p:nvGraphicFramePr>
         <p:xfrm>
           <a:off x="2002036" y="1828802"/>
@@ -5035,28 +4889,28 @@
                 <a:gridCol w="1284685">
                   <a:extLst>
                     <a:ext uri="{9D8B030D-6E8A-4147-A177-3AD203B41FA5}">
-                      <a16:colId xmlns="" xmlns:a16="http://schemas.microsoft.com/office/drawing/2014/main" val="20000"/>
+                      <a16:colId xmlns:a16="http://schemas.microsoft.com/office/drawing/2014/main" val="20000"/>
                     </a:ext>
                   </a:extLst>
                 </a:gridCol>
                 <a:gridCol w="1284685">
                   <a:extLst>
                     <a:ext uri="{9D8B030D-6E8A-4147-A177-3AD203B41FA5}">
-                      <a16:colId xmlns="" xmlns:a16="http://schemas.microsoft.com/office/drawing/2014/main" val="20001"/>
+                      <a16:colId xmlns:a16="http://schemas.microsoft.com/office/drawing/2014/main" val="20001"/>
                     </a:ext>
                   </a:extLst>
                 </a:gridCol>
                 <a:gridCol w="1284685">
                   <a:extLst>
                     <a:ext uri="{9D8B030D-6E8A-4147-A177-3AD203B41FA5}">
-                      <a16:colId xmlns="" xmlns:a16="http://schemas.microsoft.com/office/drawing/2014/main" val="20002"/>
+                      <a16:colId xmlns:a16="http://schemas.microsoft.com/office/drawing/2014/main" val="20002"/>
                     </a:ext>
                   </a:extLst>
                 </a:gridCol>
                 <a:gridCol w="1284685">
                   <a:extLst>
                     <a:ext uri="{9D8B030D-6E8A-4147-A177-3AD203B41FA5}">
-                      <a16:colId xmlns="" xmlns:a16="http://schemas.microsoft.com/office/drawing/2014/main" val="20003"/>
+                      <a16:colId xmlns:a16="http://schemas.microsoft.com/office/drawing/2014/main" val="20003"/>
                     </a:ext>
                   </a:extLst>
                 </a:gridCol>
@@ -5352,7 +5206,7 @@
                 </a:tc>
                 <a:extLst>
                   <a:ext uri="{0D108BD9-81ED-4DB2-BD59-A6C34878D82A}">
-                    <a16:rowId xmlns="" xmlns:a16="http://schemas.microsoft.com/office/drawing/2014/main" val="10000"/>
+                    <a16:rowId xmlns:a16="http://schemas.microsoft.com/office/drawing/2014/main" val="10000"/>
                   </a:ext>
                 </a:extLst>
               </a:tr>
@@ -5619,7 +5473,7 @@
                 </a:tc>
                 <a:extLst>
                   <a:ext uri="{0D108BD9-81ED-4DB2-BD59-A6C34878D82A}">
-                    <a16:rowId xmlns="" xmlns:a16="http://schemas.microsoft.com/office/drawing/2014/main" val="10001"/>
+                    <a16:rowId xmlns:a16="http://schemas.microsoft.com/office/drawing/2014/main" val="10001"/>
                   </a:ext>
                 </a:extLst>
               </a:tr>
@@ -5886,7 +5740,7 @@
                 </a:tc>
                 <a:extLst>
                   <a:ext uri="{0D108BD9-81ED-4DB2-BD59-A6C34878D82A}">
-                    <a16:rowId xmlns="" xmlns:a16="http://schemas.microsoft.com/office/drawing/2014/main" val="10002"/>
+                    <a16:rowId xmlns:a16="http://schemas.microsoft.com/office/drawing/2014/main" val="10002"/>
                   </a:ext>
                 </a:extLst>
               </a:tr>
@@ -6153,7 +6007,7 @@
                 </a:tc>
                 <a:extLst>
                   <a:ext uri="{0D108BD9-81ED-4DB2-BD59-A6C34878D82A}">
-                    <a16:rowId xmlns="" xmlns:a16="http://schemas.microsoft.com/office/drawing/2014/main" val="10003"/>
+                    <a16:rowId xmlns:a16="http://schemas.microsoft.com/office/drawing/2014/main" val="10003"/>
                   </a:ext>
                 </a:extLst>
               </a:tr>
@@ -6420,7 +6274,7 @@
                 </a:tc>
                 <a:extLst>
                   <a:ext uri="{0D108BD9-81ED-4DB2-BD59-A6C34878D82A}">
-                    <a16:rowId xmlns="" xmlns:a16="http://schemas.microsoft.com/office/drawing/2014/main" val="10004"/>
+                    <a16:rowId xmlns:a16="http://schemas.microsoft.com/office/drawing/2014/main" val="10004"/>
                   </a:ext>
                 </a:extLst>
               </a:tr>
@@ -6455,20 +6309,13 @@
     </p:spTree>
     <p:extLst>
       <p:ext uri="{BB962C8B-B14F-4D97-AF65-F5344CB8AC3E}">
-        <p14:creationId xmlns="" xmlns:p14="http://schemas.microsoft.com/office/powerpoint/2010/main" val="2198356140"/>
+        <p14:creationId xmlns:p14="http://schemas.microsoft.com/office/powerpoint/2010/main" val="2198356140"/>
       </p:ext>
     </p:extLst>
   </p:cSld>
   <p:clrMapOvr>
     <a:masterClrMapping/>
   </p:clrMapOvr>
-  <p:timing>
-    <p:tnLst>
-      <p:par>
-        <p:cTn id="1" dur="indefinite" restart="never" nodeType="tmRoot"/>
-      </p:par>
-    </p:tnLst>
-  </p:timing>
 </p:sldLayout>
 </file>
 
@@ -6505,7 +6352,7 @@
           <a:lstStyle/>
           <a:p>
             <a:r>
-              <a:rPr lang="ru-RU" smtClean="0"/>
+              <a:rPr lang="ru-RU"/>
               <a:t>Образец заголовка</a:t>
             </a:r>
             <a:endParaRPr lang="en-US" dirty="0"/>
@@ -6530,7 +6377,7 @@
             <a:fld id="{CF03277E-5176-4437-BE75-1B9436FABD5E}" type="datetime1">
               <a:rPr lang="pl-PL" smtClean="0"/>
               <a:pPr/>
-              <a:t>2020-01-27</a:t>
+              <a:t>27.01.2020</a:t>
             </a:fld>
             <a:endParaRPr lang="pl-PL"/>
           </a:p>
@@ -6606,20 +6453,13 @@
     </p:spTree>
     <p:extLst>
       <p:ext uri="{BB962C8B-B14F-4D97-AF65-F5344CB8AC3E}">
-        <p14:creationId xmlns="" xmlns:p14="http://schemas.microsoft.com/office/powerpoint/2010/main" val="2110611794"/>
+        <p14:creationId xmlns:p14="http://schemas.microsoft.com/office/powerpoint/2010/main" val="2110611794"/>
       </p:ext>
     </p:extLst>
   </p:cSld>
   <p:clrMapOvr>
     <a:masterClrMapping/>
   </p:clrMapOvr>
-  <p:timing>
-    <p:tnLst>
-      <p:par>
-        <p:cTn id="1" dur="indefinite" restart="never" nodeType="tmRoot"/>
-      </p:par>
-    </p:tnLst>
-  </p:timing>
 </p:sldLayout>
 </file>
 
@@ -6658,7 +6498,7 @@
             <a:fld id="{86CDFF25-1611-478C-925A-E740B0D667B2}" type="datetime1">
               <a:rPr lang="pl-PL" smtClean="0"/>
               <a:pPr/>
-              <a:t>2020-01-27</a:t>
+              <a:t>27.01.2020</a:t>
             </a:fld>
             <a:endParaRPr lang="pl-PL"/>
           </a:p>
@@ -6734,20 +6574,13 @@
     </p:spTree>
     <p:extLst>
       <p:ext uri="{BB962C8B-B14F-4D97-AF65-F5344CB8AC3E}">
-        <p14:creationId xmlns="" xmlns:p14="http://schemas.microsoft.com/office/powerpoint/2010/main" val="4233766534"/>
+        <p14:creationId xmlns:p14="http://schemas.microsoft.com/office/powerpoint/2010/main" val="4233766534"/>
       </p:ext>
     </p:extLst>
   </p:cSld>
   <p:clrMapOvr>
     <a:masterClrMapping/>
   </p:clrMapOvr>
-  <p:timing>
-    <p:tnLst>
-      <p:par>
-        <p:cTn id="1" dur="indefinite" restart="never" nodeType="tmRoot"/>
-      </p:par>
-    </p:tnLst>
-  </p:timing>
 </p:sldLayout>
 </file>
 
@@ -6781,7 +6614,7 @@
           <p:cNvPr id="8" name="image4.png">
             <a:extLst>
               <a:ext uri="{FF2B5EF4-FFF2-40B4-BE49-F238E27FC236}">
-                <a16:creationId xmlns="" xmlns:a16="http://schemas.microsoft.com/office/drawing/2014/main" id="{6A74313D-41E1-4A01-8C8A-EAEBAD82B8CB}"/>
+                <a16:creationId xmlns:a16="http://schemas.microsoft.com/office/drawing/2014/main" id="{6A74313D-41E1-4A01-8C8A-EAEBAD82B8CB}"/>
               </a:ext>
             </a:extLst>
           </p:cNvPr>
@@ -6791,9 +6624,7 @@
           <p:nvPr/>
         </p:nvPicPr>
         <p:blipFill>
-          <a:blip r:embed="rId2" cstate="print">
-            <a:extLst/>
-          </a:blip>
+          <a:blip r:embed="rId2" cstate="print"/>
           <a:stretch>
             <a:fillRect/>
           </a:stretch>
@@ -6816,7 +6647,7 @@
           <p:cNvPr id="12" name="image5.png">
             <a:extLst>
               <a:ext uri="{FF2B5EF4-FFF2-40B4-BE49-F238E27FC236}">
-                <a16:creationId xmlns="" xmlns:a16="http://schemas.microsoft.com/office/drawing/2014/main" id="{DBDB269D-8575-4836-BCDF-28DD1A792646}"/>
+                <a16:creationId xmlns:a16="http://schemas.microsoft.com/office/drawing/2014/main" id="{DBDB269D-8575-4836-BCDF-28DD1A792646}"/>
               </a:ext>
             </a:extLst>
           </p:cNvPr>
@@ -6826,9 +6657,7 @@
           <p:nvPr/>
         </p:nvPicPr>
         <p:blipFill>
-          <a:blip r:embed="rId3" cstate="print">
-            <a:extLst/>
-          </a:blip>
+          <a:blip r:embed="rId3" cstate="print"/>
           <a:stretch>
             <a:fillRect/>
           </a:stretch>
@@ -6878,7 +6707,7 @@
           </a:lstStyle>
           <a:p>
             <a:r>
-              <a:rPr lang="ru-RU" smtClean="0"/>
+              <a:rPr lang="ru-RU"/>
               <a:t>Образец заголовка</a:t>
             </a:r>
             <a:endParaRPr lang="en-US" dirty="0"/>
@@ -6950,7 +6779,7 @@
           </a:lstStyle>
           <a:p>
             <a:r>
-              <a:rPr lang="ru-RU" smtClean="0"/>
+              <a:rPr lang="ru-RU"/>
               <a:t>Образец подзаголовка</a:t>
             </a:r>
             <a:endParaRPr lang="en-US" dirty="0"/>
@@ -6984,20 +6813,13 @@
     </p:spTree>
     <p:extLst>
       <p:ext uri="{BB962C8B-B14F-4D97-AF65-F5344CB8AC3E}">
-        <p14:creationId xmlns="" xmlns:p14="http://schemas.microsoft.com/office/powerpoint/2010/main" val="1203733597"/>
+        <p14:creationId xmlns:p14="http://schemas.microsoft.com/office/powerpoint/2010/main" val="1203733597"/>
       </p:ext>
     </p:extLst>
   </p:cSld>
   <p:clrMapOvr>
     <a:overrideClrMapping bg1="lt1" tx1="dk1" bg2="lt2" tx2="dk2" accent1="accent1" accent2="accent2" accent3="accent3" accent4="accent4" accent5="accent5" accent6="accent6" hlink="hlink" folHlink="folHlink"/>
   </p:clrMapOvr>
-  <p:timing>
-    <p:tnLst>
-      <p:par>
-        <p:cTn id="1" dur="indefinite" restart="never" nodeType="tmRoot"/>
-      </p:par>
-    </p:tnLst>
-  </p:timing>
 </p:sldLayout>
 </file>
 
@@ -7043,7 +6865,7 @@
           </a:lstStyle>
           <a:p>
             <a:r>
-              <a:rPr lang="ru-RU" smtClean="0"/>
+              <a:rPr lang="ru-RU"/>
               <a:t>Образец заголовка</a:t>
             </a:r>
             <a:endParaRPr lang="en-US" dirty="0"/>
@@ -7100,35 +6922,35 @@
           <a:p>
             <a:pPr lvl="0"/>
             <a:r>
-              <a:rPr lang="ru-RU" smtClean="0"/>
+              <a:rPr lang="ru-RU"/>
               <a:t>Образец текста</a:t>
             </a:r>
           </a:p>
           <a:p>
             <a:pPr lvl="1"/>
             <a:r>
-              <a:rPr lang="ru-RU" smtClean="0"/>
+              <a:rPr lang="ru-RU"/>
               <a:t>Второй уровень</a:t>
             </a:r>
           </a:p>
           <a:p>
             <a:pPr lvl="2"/>
             <a:r>
-              <a:rPr lang="ru-RU" smtClean="0"/>
+              <a:rPr lang="ru-RU"/>
               <a:t>Третий уровень</a:t>
             </a:r>
           </a:p>
           <a:p>
             <a:pPr lvl="3"/>
             <a:r>
-              <a:rPr lang="ru-RU" smtClean="0"/>
+              <a:rPr lang="ru-RU"/>
               <a:t>Четвертый уровень</a:t>
             </a:r>
           </a:p>
           <a:p>
             <a:pPr lvl="4"/>
             <a:r>
-              <a:rPr lang="ru-RU" smtClean="0"/>
+              <a:rPr lang="ru-RU"/>
               <a:t>Пятый уровень</a:t>
             </a:r>
             <a:endParaRPr lang="en-US" dirty="0"/>
@@ -7194,7 +7016,7 @@
           <a:p>
             <a:pPr lvl="0"/>
             <a:r>
-              <a:rPr lang="ru-RU" smtClean="0"/>
+              <a:rPr lang="ru-RU"/>
               <a:t>Образец текста</a:t>
             </a:r>
           </a:p>
@@ -7218,7 +7040,7 @@
             <a:fld id="{60276E08-4478-416B-B2F0-E483D383A9AC}" type="datetime1">
               <a:rPr lang="pl-PL" smtClean="0"/>
               <a:pPr/>
-              <a:t>2020-01-27</a:t>
+              <a:t>27.01.2020</a:t>
             </a:fld>
             <a:endParaRPr lang="pl-PL"/>
           </a:p>
@@ -7294,20 +7116,13 @@
     </p:spTree>
     <p:extLst>
       <p:ext uri="{BB962C8B-B14F-4D97-AF65-F5344CB8AC3E}">
-        <p14:creationId xmlns="" xmlns:p14="http://schemas.microsoft.com/office/powerpoint/2010/main" val="4076054971"/>
+        <p14:creationId xmlns:p14="http://schemas.microsoft.com/office/powerpoint/2010/main" val="4076054971"/>
       </p:ext>
     </p:extLst>
   </p:cSld>
   <p:clrMapOvr>
     <a:masterClrMapping/>
   </p:clrMapOvr>
-  <p:timing>
-    <p:tnLst>
-      <p:par>
-        <p:cTn id="1" dur="indefinite" restart="never" nodeType="tmRoot"/>
-      </p:par>
-    </p:tnLst>
-  </p:timing>
 </p:sldLayout>
 </file>
 
@@ -7353,7 +7168,7 @@
           </a:lstStyle>
           <a:p>
             <a:r>
-              <a:rPr lang="ru-RU" smtClean="0"/>
+              <a:rPr lang="ru-RU"/>
               <a:t>Образец заголовка</a:t>
             </a:r>
             <a:endParaRPr lang="en-US" dirty="0"/>
@@ -7418,7 +7233,7 @@
           </a:lstStyle>
           <a:p>
             <a:r>
-              <a:rPr lang="ru-RU" smtClean="0"/>
+              <a:rPr lang="ru-RU"/>
               <a:t>Вставка рисунка</a:t>
             </a:r>
             <a:endParaRPr lang="en-US" dirty="0"/>
@@ -7484,7 +7299,7 @@
           <a:p>
             <a:pPr lvl="0"/>
             <a:r>
-              <a:rPr lang="ru-RU" smtClean="0"/>
+              <a:rPr lang="ru-RU"/>
               <a:t>Образец текста</a:t>
             </a:r>
           </a:p>
@@ -7508,7 +7323,7 @@
             <a:fld id="{0CD773E7-2378-4EFB-8159-99C69053EDF7}" type="datetime1">
               <a:rPr lang="pl-PL" smtClean="0"/>
               <a:pPr/>
-              <a:t>2020-01-27</a:t>
+              <a:t>27.01.2020</a:t>
             </a:fld>
             <a:endParaRPr lang="pl-PL"/>
           </a:p>
@@ -7584,20 +7399,13 @@
     </p:spTree>
     <p:extLst>
       <p:ext uri="{BB962C8B-B14F-4D97-AF65-F5344CB8AC3E}">
-        <p14:creationId xmlns="" xmlns:p14="http://schemas.microsoft.com/office/powerpoint/2010/main" val="3193339812"/>
+        <p14:creationId xmlns:p14="http://schemas.microsoft.com/office/powerpoint/2010/main" val="3193339812"/>
       </p:ext>
     </p:extLst>
   </p:cSld>
   <p:clrMapOvr>
     <a:masterClrMapping/>
   </p:clrMapOvr>
-  <p:timing>
-    <p:tnLst>
-      <p:par>
-        <p:cTn id="1" dur="indefinite" restart="never" nodeType="tmRoot"/>
-      </p:par>
-    </p:tnLst>
-  </p:timing>
 </p:sldLayout>
 </file>
 
@@ -7658,7 +7466,7 @@
           <a:lstStyle/>
           <a:p>
             <a:r>
-              <a:rPr lang="ru-RU" smtClean="0"/>
+              <a:rPr lang="ru-RU"/>
               <a:t>Образец заголовка</a:t>
             </a:r>
             <a:endParaRPr lang="en-US" dirty="0"/>
@@ -7682,35 +7490,35 @@
           <a:p>
             <a:pPr lvl="0"/>
             <a:r>
-              <a:rPr lang="ru-RU" smtClean="0"/>
+              <a:rPr lang="ru-RU"/>
               <a:t>Образец текста</a:t>
             </a:r>
           </a:p>
           <a:p>
             <a:pPr lvl="1"/>
             <a:r>
-              <a:rPr lang="ru-RU" smtClean="0"/>
+              <a:rPr lang="ru-RU"/>
               <a:t>Второй уровень</a:t>
             </a:r>
           </a:p>
           <a:p>
             <a:pPr lvl="2"/>
             <a:r>
-              <a:rPr lang="ru-RU" smtClean="0"/>
+              <a:rPr lang="ru-RU"/>
               <a:t>Третий уровень</a:t>
             </a:r>
           </a:p>
           <a:p>
             <a:pPr lvl="3"/>
             <a:r>
-              <a:rPr lang="ru-RU" smtClean="0"/>
+              <a:rPr lang="ru-RU"/>
               <a:t>Четвертый уровень</a:t>
             </a:r>
           </a:p>
           <a:p>
             <a:pPr lvl="4"/>
             <a:r>
-              <a:rPr lang="ru-RU" smtClean="0"/>
+              <a:rPr lang="ru-RU"/>
               <a:t>Пятый уровень</a:t>
             </a:r>
             <a:endParaRPr lang="en-US" dirty="0"/>
@@ -7740,7 +7548,7 @@
             <a:fld id="{19EA7272-7C86-4C61-A8D1-42B38A9F41FA}" type="datetime1">
               <a:rPr lang="pl-PL" smtClean="0"/>
               <a:pPr/>
-              <a:t>2020-01-27</a:t>
+              <a:t>27.01.2020</a:t>
             </a:fld>
             <a:endParaRPr lang="pl-PL" dirty="0"/>
           </a:p>
@@ -7806,20 +7614,13 @@
     </p:spTree>
     <p:extLst>
       <p:ext uri="{BB962C8B-B14F-4D97-AF65-F5344CB8AC3E}">
-        <p14:creationId xmlns="" xmlns:p14="http://schemas.microsoft.com/office/powerpoint/2010/main" val="681566747"/>
+        <p14:creationId xmlns:p14="http://schemas.microsoft.com/office/powerpoint/2010/main" val="681566747"/>
       </p:ext>
     </p:extLst>
   </p:cSld>
   <p:clrMapOvr>
     <a:masterClrMapping/>
   </p:clrMapOvr>
-  <p:timing>
-    <p:tnLst>
-      <p:par>
-        <p:cTn id="1" dur="indefinite" restart="never" nodeType="tmRoot"/>
-      </p:par>
-    </p:tnLst>
-  </p:timing>
 </p:sldLayout>
 </file>
 
@@ -7885,7 +7686,7 @@
           <a:lstStyle/>
           <a:p>
             <a:r>
-              <a:rPr lang="ru-RU" smtClean="0"/>
+              <a:rPr lang="ru-RU"/>
               <a:t>Образец заголовка</a:t>
             </a:r>
             <a:endParaRPr lang="en-US" dirty="0"/>
@@ -7914,35 +7715,35 @@
           <a:p>
             <a:pPr lvl="0"/>
             <a:r>
-              <a:rPr lang="ru-RU" smtClean="0"/>
+              <a:rPr lang="ru-RU"/>
               <a:t>Образец текста</a:t>
             </a:r>
           </a:p>
           <a:p>
             <a:pPr lvl="1"/>
             <a:r>
-              <a:rPr lang="ru-RU" smtClean="0"/>
+              <a:rPr lang="ru-RU"/>
               <a:t>Второй уровень</a:t>
             </a:r>
           </a:p>
           <a:p>
             <a:pPr lvl="2"/>
             <a:r>
-              <a:rPr lang="ru-RU" smtClean="0"/>
+              <a:rPr lang="ru-RU"/>
               <a:t>Третий уровень</a:t>
             </a:r>
           </a:p>
           <a:p>
             <a:pPr lvl="3"/>
             <a:r>
-              <a:rPr lang="ru-RU" smtClean="0"/>
+              <a:rPr lang="ru-RU"/>
               <a:t>Четвертый уровень</a:t>
             </a:r>
           </a:p>
           <a:p>
             <a:pPr lvl="4"/>
             <a:r>
-              <a:rPr lang="ru-RU" smtClean="0"/>
+              <a:rPr lang="ru-RU"/>
               <a:t>Пятый уровень</a:t>
             </a:r>
             <a:endParaRPr lang="en-US" dirty="0"/>
@@ -7972,7 +7773,7 @@
             <a:fld id="{346FA071-7161-4BEC-938E-7B7DA67F8CEF}" type="datetime1">
               <a:rPr lang="pl-PL" smtClean="0"/>
               <a:pPr/>
-              <a:t>2020-01-27</a:t>
+              <a:t>27.01.2020</a:t>
             </a:fld>
             <a:endParaRPr lang="pl-PL" dirty="0"/>
           </a:p>
@@ -8034,20 +7835,13 @@
     </p:spTree>
     <p:extLst>
       <p:ext uri="{BB962C8B-B14F-4D97-AF65-F5344CB8AC3E}">
-        <p14:creationId xmlns="" xmlns:p14="http://schemas.microsoft.com/office/powerpoint/2010/main" val="3356747349"/>
+        <p14:creationId xmlns:p14="http://schemas.microsoft.com/office/powerpoint/2010/main" val="3356747349"/>
       </p:ext>
     </p:extLst>
   </p:cSld>
   <p:clrMapOvr>
     <a:masterClrMapping/>
   </p:clrMapOvr>
-  <p:timing>
-    <p:tnLst>
-      <p:par>
-        <p:cTn id="1" dur="indefinite" restart="never" nodeType="tmRoot"/>
-      </p:par>
-    </p:tnLst>
-  </p:timing>
 </p:sldLayout>
 </file>
 
@@ -8077,9 +7871,7 @@
           <p:nvPr userDrawn="1"/>
         </p:nvPicPr>
         <p:blipFill rotWithShape="1">
-          <a:blip r:embed="rId2" cstate="print">
-            <a:extLst/>
-          </a:blip>
+          <a:blip r:embed="rId2" cstate="print"/>
           <a:srcRect l="14557" t="-172" r="14806" b="172"/>
           <a:stretch/>
         </p:blipFill>
@@ -8156,7 +7948,7 @@
             <a:fld id="{D535FD4E-F1C3-4B4E-BCF3-0BBE06B1D104}" type="datetime1">
               <a:rPr lang="pl-PL" smtClean="0"/>
               <a:pPr/>
-              <a:t>2020-01-27</a:t>
+              <a:t>27.01.2020</a:t>
             </a:fld>
             <a:endParaRPr lang="pl-PL"/>
           </a:p>
@@ -8218,7 +8010,7 @@
               </a:spcBef>
             </a:pPr>
             <a:r>
-              <a:rPr lang="ru-RU" dirty="0" smtClean="0"/>
+              <a:rPr lang="ru-RU" dirty="0"/>
               <a:t>Образец текста</a:t>
             </a:r>
           </a:p>
@@ -8229,7 +8021,7 @@
               </a:spcBef>
             </a:pPr>
             <a:r>
-              <a:rPr lang="ru-RU" dirty="0" smtClean="0"/>
+              <a:rPr lang="ru-RU" dirty="0"/>
               <a:t>Второй уровень</a:t>
             </a:r>
           </a:p>
@@ -8240,7 +8032,7 @@
               </a:spcBef>
             </a:pPr>
             <a:r>
-              <a:rPr lang="ru-RU" dirty="0" smtClean="0"/>
+              <a:rPr lang="ru-RU" dirty="0"/>
               <a:t>Третий уровень</a:t>
             </a:r>
           </a:p>
@@ -8251,7 +8043,7 @@
               </a:spcBef>
             </a:pPr>
             <a:r>
-              <a:rPr lang="ru-RU" dirty="0" smtClean="0"/>
+              <a:rPr lang="ru-RU" dirty="0"/>
               <a:t>Четвертый уровень</a:t>
             </a:r>
           </a:p>
@@ -8284,20 +8076,13 @@
     </p:spTree>
     <p:extLst>
       <p:ext uri="{BB962C8B-B14F-4D97-AF65-F5344CB8AC3E}">
-        <p14:creationId xmlns="" xmlns:p14="http://schemas.microsoft.com/office/powerpoint/2010/main" val="2434793487"/>
+        <p14:creationId xmlns:p14="http://schemas.microsoft.com/office/powerpoint/2010/main" val="2434793487"/>
       </p:ext>
     </p:extLst>
   </p:cSld>
   <p:clrMapOvr>
     <a:masterClrMapping/>
   </p:clrMapOvr>
-  <p:timing>
-    <p:tnLst>
-      <p:par>
-        <p:cTn id="1" dur="indefinite" restart="never" nodeType="tmRoot"/>
-      </p:par>
-    </p:tnLst>
-  </p:timing>
 </p:sldLayout>
 </file>
 
@@ -8330,7 +8115,7 @@
           <a:blip r:embed="rId2" cstate="print">
             <a:extLst>
               <a:ext uri="{28A0092B-C50C-407E-A947-70E740481C1C}">
-                <a14:useLocalDpi xmlns="" xmlns:a14="http://schemas.microsoft.com/office/drawing/2010/main" val="0"/>
+                <a14:useLocalDpi xmlns:a14="http://schemas.microsoft.com/office/drawing/2010/main" val="0"/>
               </a:ext>
             </a:extLst>
           </a:blip>
@@ -8411,7 +8196,7 @@
             <a:fld id="{D319A22D-69A8-4F72-9A6F-9452D918D22C}" type="datetime1">
               <a:rPr lang="pl-PL" smtClean="0"/>
               <a:pPr/>
-              <a:t>2020-01-27</a:t>
+              <a:t>27.01.2020</a:t>
             </a:fld>
             <a:endParaRPr lang="pl-PL"/>
           </a:p>
@@ -8473,7 +8258,7 @@
               </a:spcBef>
             </a:pPr>
             <a:r>
-              <a:rPr lang="ru-RU" dirty="0" smtClean="0"/>
+              <a:rPr lang="ru-RU" dirty="0"/>
               <a:t>Образец текста</a:t>
             </a:r>
           </a:p>
@@ -8484,7 +8269,7 @@
               </a:spcBef>
             </a:pPr>
             <a:r>
-              <a:rPr lang="ru-RU" dirty="0" smtClean="0"/>
+              <a:rPr lang="ru-RU" dirty="0"/>
               <a:t>Второй уровень</a:t>
             </a:r>
           </a:p>
@@ -8495,7 +8280,7 @@
               </a:spcBef>
             </a:pPr>
             <a:r>
-              <a:rPr lang="ru-RU" dirty="0" smtClean="0"/>
+              <a:rPr lang="ru-RU" dirty="0"/>
               <a:t>Третий уровень</a:t>
             </a:r>
           </a:p>
@@ -8506,7 +8291,7 @@
               </a:spcBef>
             </a:pPr>
             <a:r>
-              <a:rPr lang="ru-RU" dirty="0" smtClean="0"/>
+              <a:rPr lang="ru-RU" dirty="0"/>
               <a:t>Четвертый уровень</a:t>
             </a:r>
           </a:p>
@@ -8539,20 +8324,13 @@
     </p:spTree>
     <p:extLst>
       <p:ext uri="{BB962C8B-B14F-4D97-AF65-F5344CB8AC3E}">
-        <p14:creationId xmlns="" xmlns:p14="http://schemas.microsoft.com/office/powerpoint/2010/main" val="3440502811"/>
+        <p14:creationId xmlns:p14="http://schemas.microsoft.com/office/powerpoint/2010/main" val="3440502811"/>
       </p:ext>
     </p:extLst>
   </p:cSld>
   <p:clrMapOvr>
     <a:masterClrMapping/>
   </p:clrMapOvr>
-  <p:timing>
-    <p:tnLst>
-      <p:par>
-        <p:cTn id="1" dur="indefinite" restart="never" nodeType="tmRoot"/>
-      </p:par>
-    </p:tnLst>
-  </p:timing>
 </p:sldLayout>
 </file>
 
@@ -8585,7 +8363,7 @@
           <a:blip r:embed="rId2" cstate="print">
             <a:extLst>
               <a:ext uri="{28A0092B-C50C-407E-A947-70E740481C1C}">
-                <a14:useLocalDpi xmlns="" xmlns:a14="http://schemas.microsoft.com/office/drawing/2010/main" val="0"/>
+                <a14:useLocalDpi xmlns:a14="http://schemas.microsoft.com/office/drawing/2010/main" val="0"/>
               </a:ext>
             </a:extLst>
           </a:blip>
@@ -8666,7 +8444,7 @@
             <a:fld id="{658DBF10-0C31-4D0E-A3AE-23BBC08849A0}" type="datetime1">
               <a:rPr lang="pl-PL" smtClean="0"/>
               <a:pPr/>
-              <a:t>2020-01-27</a:t>
+              <a:t>27.01.2020</a:t>
             </a:fld>
             <a:endParaRPr lang="pl-PL"/>
           </a:p>
@@ -8728,7 +8506,7 @@
               </a:spcBef>
             </a:pPr>
             <a:r>
-              <a:rPr lang="ru-RU" dirty="0" smtClean="0"/>
+              <a:rPr lang="ru-RU" dirty="0"/>
               <a:t>Образец текста</a:t>
             </a:r>
           </a:p>
@@ -8739,7 +8517,7 @@
               </a:spcBef>
             </a:pPr>
             <a:r>
-              <a:rPr lang="ru-RU" dirty="0" smtClean="0"/>
+              <a:rPr lang="ru-RU" dirty="0"/>
               <a:t>Второй уровень</a:t>
             </a:r>
           </a:p>
@@ -8750,7 +8528,7 @@
               </a:spcBef>
             </a:pPr>
             <a:r>
-              <a:rPr lang="ru-RU" dirty="0" smtClean="0"/>
+              <a:rPr lang="ru-RU" dirty="0"/>
               <a:t>Третий уровень</a:t>
             </a:r>
           </a:p>
@@ -8761,7 +8539,7 @@
               </a:spcBef>
             </a:pPr>
             <a:r>
-              <a:rPr lang="ru-RU" dirty="0" smtClean="0"/>
+              <a:rPr lang="ru-RU" dirty="0"/>
               <a:t>Четвертый уровень</a:t>
             </a:r>
           </a:p>
@@ -8794,20 +8572,13 @@
     </p:spTree>
     <p:extLst>
       <p:ext uri="{BB962C8B-B14F-4D97-AF65-F5344CB8AC3E}">
-        <p14:creationId xmlns="" xmlns:p14="http://schemas.microsoft.com/office/powerpoint/2010/main" val="2564545236"/>
+        <p14:creationId xmlns:p14="http://schemas.microsoft.com/office/powerpoint/2010/main" val="2564545236"/>
       </p:ext>
     </p:extLst>
   </p:cSld>
   <p:clrMapOvr>
     <a:masterClrMapping/>
   </p:clrMapOvr>
-  <p:timing>
-    <p:tnLst>
-      <p:par>
-        <p:cTn id="1" dur="indefinite" restart="never" nodeType="tmRoot"/>
-      </p:par>
-    </p:tnLst>
-  </p:timing>
 </p:sldLayout>
 </file>
 
@@ -8840,7 +8611,7 @@
           <a:blip r:embed="rId2" cstate="print">
             <a:extLst>
               <a:ext uri="{28A0092B-C50C-407E-A947-70E740481C1C}">
-                <a14:useLocalDpi xmlns="" xmlns:a14="http://schemas.microsoft.com/office/drawing/2010/main" val="0"/>
+                <a14:useLocalDpi xmlns:a14="http://schemas.microsoft.com/office/drawing/2010/main" val="0"/>
               </a:ext>
             </a:extLst>
           </a:blip>
@@ -8921,7 +8692,7 @@
             <a:fld id="{D97F7A4A-4302-472B-B494-B11FE5488642}" type="datetime1">
               <a:rPr lang="pl-PL" smtClean="0"/>
               <a:pPr/>
-              <a:t>2020-01-27</a:t>
+              <a:t>27.01.2020</a:t>
             </a:fld>
             <a:endParaRPr lang="pl-PL"/>
           </a:p>
@@ -8983,7 +8754,7 @@
               </a:spcBef>
             </a:pPr>
             <a:r>
-              <a:rPr lang="ru-RU" dirty="0" smtClean="0"/>
+              <a:rPr lang="ru-RU" dirty="0"/>
               <a:t>Образец текста</a:t>
             </a:r>
           </a:p>
@@ -8994,7 +8765,7 @@
               </a:spcBef>
             </a:pPr>
             <a:r>
-              <a:rPr lang="ru-RU" dirty="0" smtClean="0"/>
+              <a:rPr lang="ru-RU" dirty="0"/>
               <a:t>Второй уровень</a:t>
             </a:r>
           </a:p>
@@ -9005,7 +8776,7 @@
               </a:spcBef>
             </a:pPr>
             <a:r>
-              <a:rPr lang="ru-RU" dirty="0" smtClean="0"/>
+              <a:rPr lang="ru-RU" dirty="0"/>
               <a:t>Третий уровень</a:t>
             </a:r>
           </a:p>
@@ -9016,7 +8787,7 @@
               </a:spcBef>
             </a:pPr>
             <a:r>
-              <a:rPr lang="ru-RU" dirty="0" smtClean="0"/>
+              <a:rPr lang="ru-RU" dirty="0"/>
               <a:t>Четвертый уровень</a:t>
             </a:r>
           </a:p>
@@ -9049,20 +8820,13 @@
     </p:spTree>
     <p:extLst>
       <p:ext uri="{BB962C8B-B14F-4D97-AF65-F5344CB8AC3E}">
-        <p14:creationId xmlns="" xmlns:p14="http://schemas.microsoft.com/office/powerpoint/2010/main" val="1853485433"/>
+        <p14:creationId xmlns:p14="http://schemas.microsoft.com/office/powerpoint/2010/main" val="1853485433"/>
       </p:ext>
     </p:extLst>
   </p:cSld>
   <p:clrMapOvr>
     <a:masterClrMapping/>
   </p:clrMapOvr>
-  <p:timing>
-    <p:tnLst>
-      <p:par>
-        <p:cTn id="1" dur="indefinite" restart="never" nodeType="tmRoot"/>
-      </p:par>
-    </p:tnLst>
-  </p:timing>
 </p:sldLayout>
 </file>
 
@@ -9095,7 +8859,7 @@
           <a:blip r:embed="rId2" cstate="print">
             <a:extLst>
               <a:ext uri="{28A0092B-C50C-407E-A947-70E740481C1C}">
-                <a14:useLocalDpi xmlns="" xmlns:a14="http://schemas.microsoft.com/office/drawing/2010/main" val="0"/>
+                <a14:useLocalDpi xmlns:a14="http://schemas.microsoft.com/office/drawing/2010/main" val="0"/>
               </a:ext>
             </a:extLst>
           </a:blip>
@@ -9176,7 +8940,7 @@
             <a:fld id="{51968386-BB2C-47E0-AF1D-B94F15444D88}" type="datetime1">
               <a:rPr lang="pl-PL" smtClean="0"/>
               <a:pPr/>
-              <a:t>2020-01-27</a:t>
+              <a:t>27.01.2020</a:t>
             </a:fld>
             <a:endParaRPr lang="pl-PL"/>
           </a:p>
@@ -9238,7 +9002,7 @@
               </a:spcBef>
             </a:pPr>
             <a:r>
-              <a:rPr lang="ru-RU" dirty="0" smtClean="0"/>
+              <a:rPr lang="ru-RU" dirty="0"/>
               <a:t>Образец текста</a:t>
             </a:r>
           </a:p>
@@ -9249,7 +9013,7 @@
               </a:spcBef>
             </a:pPr>
             <a:r>
-              <a:rPr lang="ru-RU" dirty="0" smtClean="0"/>
+              <a:rPr lang="ru-RU" dirty="0"/>
               <a:t>Второй уровень</a:t>
             </a:r>
           </a:p>
@@ -9260,7 +9024,7 @@
               </a:spcBef>
             </a:pPr>
             <a:r>
-              <a:rPr lang="ru-RU" dirty="0" smtClean="0"/>
+              <a:rPr lang="ru-RU" dirty="0"/>
               <a:t>Третий уровень</a:t>
             </a:r>
           </a:p>
@@ -9271,7 +9035,7 @@
               </a:spcBef>
             </a:pPr>
             <a:r>
-              <a:rPr lang="ru-RU" dirty="0" smtClean="0"/>
+              <a:rPr lang="ru-RU" dirty="0"/>
               <a:t>Четвертый уровень</a:t>
             </a:r>
           </a:p>
@@ -9304,20 +9068,13 @@
     </p:spTree>
     <p:extLst>
       <p:ext uri="{BB962C8B-B14F-4D97-AF65-F5344CB8AC3E}">
-        <p14:creationId xmlns="" xmlns:p14="http://schemas.microsoft.com/office/powerpoint/2010/main" val="978355709"/>
+        <p14:creationId xmlns:p14="http://schemas.microsoft.com/office/powerpoint/2010/main" val="978355709"/>
       </p:ext>
     </p:extLst>
   </p:cSld>
   <p:clrMapOvr>
     <a:masterClrMapping/>
   </p:clrMapOvr>
-  <p:timing>
-    <p:tnLst>
-      <p:par>
-        <p:cTn id="1" dur="indefinite" restart="never" nodeType="tmRoot"/>
-      </p:par>
-    </p:tnLst>
-  </p:timing>
 </p:sldLayout>
 </file>
 
@@ -9365,7 +9122,7 @@
           </a:lstStyle>
           <a:p>
             <a:r>
-              <a:rPr lang="ru-RU" smtClean="0"/>
+              <a:rPr lang="ru-RU"/>
               <a:t>Образец заголовка</a:t>
             </a:r>
             <a:endParaRPr lang="en-US" dirty="0"/>
@@ -9487,7 +9244,7 @@
           <a:p>
             <a:pPr lvl="0"/>
             <a:r>
-              <a:rPr lang="ru-RU" smtClean="0"/>
+              <a:rPr lang="ru-RU"/>
               <a:t>Образец текста</a:t>
             </a:r>
           </a:p>
@@ -9544,20 +9301,13 @@
     </p:spTree>
     <p:extLst>
       <p:ext uri="{BB962C8B-B14F-4D97-AF65-F5344CB8AC3E}">
-        <p14:creationId xmlns="" xmlns:p14="http://schemas.microsoft.com/office/powerpoint/2010/main" val="945174436"/>
+        <p14:creationId xmlns:p14="http://schemas.microsoft.com/office/powerpoint/2010/main" val="945174436"/>
       </p:ext>
     </p:extLst>
   </p:cSld>
   <p:clrMapOvr>
     <a:masterClrMapping/>
   </p:clrMapOvr>
-  <p:timing>
-    <p:tnLst>
-      <p:par>
-        <p:cTn id="1" dur="indefinite" restart="never" nodeType="tmRoot"/>
-      </p:par>
-    </p:tnLst>
-  </p:timing>
 </p:sldLayout>
 </file>
 
@@ -9602,7 +9352,7 @@
           <a:lstStyle/>
           <a:p>
             <a:r>
-              <a:rPr lang="ru-RU" smtClean="0"/>
+              <a:rPr lang="ru-RU"/>
               <a:t>Образец заголовка</a:t>
             </a:r>
             <a:endParaRPr lang="en-US" dirty="0"/>
@@ -9639,35 +9389,35 @@
           <a:p>
             <a:pPr lvl="0"/>
             <a:r>
-              <a:rPr lang="ru-RU" smtClean="0"/>
+              <a:rPr lang="ru-RU"/>
               <a:t>Образец текста</a:t>
             </a:r>
           </a:p>
           <a:p>
             <a:pPr lvl="1"/>
             <a:r>
-              <a:rPr lang="ru-RU" smtClean="0"/>
+              <a:rPr lang="ru-RU"/>
               <a:t>Второй уровень</a:t>
             </a:r>
           </a:p>
           <a:p>
             <a:pPr lvl="2"/>
             <a:r>
-              <a:rPr lang="ru-RU" smtClean="0"/>
+              <a:rPr lang="ru-RU"/>
               <a:t>Третий уровень</a:t>
             </a:r>
           </a:p>
           <a:p>
             <a:pPr lvl="3"/>
             <a:r>
-              <a:rPr lang="ru-RU" smtClean="0"/>
+              <a:rPr lang="ru-RU"/>
               <a:t>Четвертый уровень</a:t>
             </a:r>
           </a:p>
           <a:p>
             <a:pPr lvl="4"/>
             <a:r>
-              <a:rPr lang="ru-RU" smtClean="0"/>
+              <a:rPr lang="ru-RU"/>
               <a:t>Пятый уровень</a:t>
             </a:r>
             <a:endParaRPr lang="en-US" dirty="0"/>
@@ -9696,7 +9446,6 @@
           <a:p>
             <a:fld id="{E0A2B525-4DC4-4D80-9B28-8E8A85A06424}" type="datetimeFigureOut">
               <a:rPr lang="ru-RU" smtClean="0"/>
-              <a:pPr/>
               <a:t>27.01.2020</a:t>
             </a:fld>
             <a:endParaRPr lang="ru-RU"/>
@@ -9732,7 +9481,7 @@
           <p:cNvPr id="10" name="image7.png">
             <a:extLst>
               <a:ext uri="{FF2B5EF4-FFF2-40B4-BE49-F238E27FC236}">
-                <a16:creationId xmlns="" xmlns:a16="http://schemas.microsoft.com/office/drawing/2014/main" id="{8F638F12-3CB3-453E-B9E9-400A619287F9}"/>
+                <a16:creationId xmlns:a16="http://schemas.microsoft.com/office/drawing/2014/main" id="{8F638F12-3CB3-453E-B9E9-400A619287F9}"/>
               </a:ext>
             </a:extLst>
           </p:cNvPr>
@@ -9742,9 +9491,7 @@
           <p:nvPr/>
         </p:nvPicPr>
         <p:blipFill>
-          <a:blip r:embed="rId2" cstate="print">
-            <a:extLst/>
-          </a:blip>
+          <a:blip r:embed="rId2" cstate="print"/>
           <a:stretch>
             <a:fillRect/>
           </a:stretch>
@@ -9779,7 +9526,6 @@
           <a:p>
             <a:fld id="{E01011B8-8901-494C-ACF4-EF2A2E89E10E}" type="slidenum">
               <a:rPr lang="ru-RU" smtClean="0"/>
-              <a:pPr/>
               <a:t>‹#›</a:t>
             </a:fld>
             <a:endParaRPr lang="ru-RU"/>
@@ -9813,20 +9559,13 @@
     </p:spTree>
     <p:extLst>
       <p:ext uri="{BB962C8B-B14F-4D97-AF65-F5344CB8AC3E}">
-        <p14:creationId xmlns="" xmlns:p14="http://schemas.microsoft.com/office/powerpoint/2010/main" val="191039158"/>
+        <p14:creationId xmlns:p14="http://schemas.microsoft.com/office/powerpoint/2010/main" val="191039158"/>
       </p:ext>
     </p:extLst>
   </p:cSld>
   <p:clrMapOvr>
     <a:masterClrMapping/>
   </p:clrMapOvr>
-  <p:timing>
-    <p:tnLst>
-      <p:par>
-        <p:cTn id="1" dur="indefinite" restart="never" nodeType="tmRoot"/>
-      </p:par>
-    </p:tnLst>
-  </p:timing>
 </p:sldLayout>
 </file>
 
@@ -9863,7 +9602,7 @@
           <a:lstStyle/>
           <a:p>
             <a:r>
-              <a:rPr lang="ru-RU" smtClean="0"/>
+              <a:rPr lang="ru-RU"/>
               <a:t>Образец заголовка</a:t>
             </a:r>
             <a:endParaRPr lang="en-US" dirty="0"/>
@@ -9892,35 +9631,35 @@
           <a:p>
             <a:pPr lvl="0"/>
             <a:r>
-              <a:rPr lang="ru-RU" smtClean="0"/>
+              <a:rPr lang="ru-RU"/>
               <a:t>Образец текста</a:t>
             </a:r>
           </a:p>
           <a:p>
             <a:pPr lvl="1"/>
             <a:r>
-              <a:rPr lang="ru-RU" smtClean="0"/>
+              <a:rPr lang="ru-RU"/>
               <a:t>Второй уровень</a:t>
             </a:r>
           </a:p>
           <a:p>
             <a:pPr lvl="2"/>
             <a:r>
-              <a:rPr lang="ru-RU" smtClean="0"/>
+              <a:rPr lang="ru-RU"/>
               <a:t>Третий уровень</a:t>
             </a:r>
           </a:p>
           <a:p>
             <a:pPr lvl="3"/>
             <a:r>
-              <a:rPr lang="ru-RU" smtClean="0"/>
+              <a:rPr lang="ru-RU"/>
               <a:t>Четвертый уровень</a:t>
             </a:r>
           </a:p>
           <a:p>
             <a:pPr lvl="4"/>
             <a:r>
-              <a:rPr lang="ru-RU" smtClean="0"/>
+              <a:rPr lang="ru-RU"/>
               <a:t>Пятый уровень</a:t>
             </a:r>
             <a:endParaRPr lang="en-US" dirty="0"/>
@@ -9949,35 +9688,35 @@
           <a:p>
             <a:pPr lvl="0"/>
             <a:r>
-              <a:rPr lang="ru-RU" smtClean="0"/>
+              <a:rPr lang="ru-RU"/>
               <a:t>Образец текста</a:t>
             </a:r>
           </a:p>
           <a:p>
             <a:pPr lvl="1"/>
             <a:r>
-              <a:rPr lang="ru-RU" smtClean="0"/>
+              <a:rPr lang="ru-RU"/>
               <a:t>Второй уровень</a:t>
             </a:r>
           </a:p>
           <a:p>
             <a:pPr lvl="2"/>
             <a:r>
-              <a:rPr lang="ru-RU" smtClean="0"/>
+              <a:rPr lang="ru-RU"/>
               <a:t>Третий уровень</a:t>
             </a:r>
           </a:p>
           <a:p>
             <a:pPr lvl="3"/>
             <a:r>
-              <a:rPr lang="ru-RU" smtClean="0"/>
+              <a:rPr lang="ru-RU"/>
               <a:t>Четвертый уровень</a:t>
             </a:r>
           </a:p>
           <a:p>
             <a:pPr lvl="4"/>
             <a:r>
-              <a:rPr lang="ru-RU" smtClean="0"/>
+              <a:rPr lang="ru-RU"/>
               <a:t>Пятый уровень</a:t>
             </a:r>
             <a:endParaRPr lang="en-US" dirty="0"/>
@@ -10001,7 +9740,6 @@
           <a:p>
             <a:fld id="{E0A2B525-4DC4-4D80-9B28-8E8A85A06424}" type="datetimeFigureOut">
               <a:rPr lang="ru-RU" smtClean="0"/>
-              <a:pPr/>
               <a:t>27.01.2020</a:t>
             </a:fld>
             <a:endParaRPr lang="ru-RU"/>
@@ -10044,7 +9782,6 @@
           <a:p>
             <a:fld id="{E01011B8-8901-494C-ACF4-EF2A2E89E10E}" type="slidenum">
               <a:rPr lang="ru-RU" smtClean="0"/>
-              <a:pPr/>
               <a:t>‹#›</a:t>
             </a:fld>
             <a:endParaRPr lang="ru-RU"/>
@@ -10078,20 +9815,13 @@
     </p:spTree>
     <p:extLst>
       <p:ext uri="{BB962C8B-B14F-4D97-AF65-F5344CB8AC3E}">
-        <p14:creationId xmlns="" xmlns:p14="http://schemas.microsoft.com/office/powerpoint/2010/main" val="1114069287"/>
+        <p14:creationId xmlns:p14="http://schemas.microsoft.com/office/powerpoint/2010/main" val="1114069287"/>
       </p:ext>
     </p:extLst>
   </p:cSld>
   <p:clrMapOvr>
     <a:masterClrMapping/>
   </p:clrMapOvr>
-  <p:timing>
-    <p:tnLst>
-      <p:par>
-        <p:cTn id="1" dur="indefinite" restart="never" nodeType="tmRoot"/>
-      </p:par>
-    </p:tnLst>
-  </p:timing>
 </p:sldLayout>
 </file>
 
@@ -10133,7 +9863,7 @@
           <a:lstStyle/>
           <a:p>
             <a:r>
-              <a:rPr lang="ru-RU" smtClean="0"/>
+              <a:rPr lang="ru-RU"/>
               <a:t>Образец заголовка</a:t>
             </a:r>
             <a:endParaRPr lang="en-US" dirty="0"/>
@@ -10199,7 +9929,7 @@
           <a:p>
             <a:pPr lvl="0"/>
             <a:r>
-              <a:rPr lang="ru-RU" smtClean="0"/>
+              <a:rPr lang="ru-RU"/>
               <a:t>Образец текста</a:t>
             </a:r>
           </a:p>
@@ -10227,35 +9957,35 @@
           <a:p>
             <a:pPr lvl="0"/>
             <a:r>
-              <a:rPr lang="ru-RU" smtClean="0"/>
+              <a:rPr lang="ru-RU"/>
               <a:t>Образец текста</a:t>
             </a:r>
           </a:p>
           <a:p>
             <a:pPr lvl="1"/>
             <a:r>
-              <a:rPr lang="ru-RU" smtClean="0"/>
+              <a:rPr lang="ru-RU"/>
               <a:t>Второй уровень</a:t>
             </a:r>
           </a:p>
           <a:p>
             <a:pPr lvl="2"/>
             <a:r>
-              <a:rPr lang="ru-RU" smtClean="0"/>
+              <a:rPr lang="ru-RU"/>
               <a:t>Третий уровень</a:t>
             </a:r>
           </a:p>
           <a:p>
             <a:pPr lvl="3"/>
             <a:r>
-              <a:rPr lang="ru-RU" smtClean="0"/>
+              <a:rPr lang="ru-RU"/>
               <a:t>Четвертый уровень</a:t>
             </a:r>
           </a:p>
           <a:p>
             <a:pPr lvl="4"/>
             <a:r>
-              <a:rPr lang="ru-RU" smtClean="0"/>
+              <a:rPr lang="ru-RU"/>
               <a:t>Пятый уровень</a:t>
             </a:r>
             <a:endParaRPr lang="en-US" dirty="0"/>
@@ -10321,7 +10051,7 @@
           <a:p>
             <a:pPr lvl="0"/>
             <a:r>
-              <a:rPr lang="ru-RU" smtClean="0"/>
+              <a:rPr lang="ru-RU"/>
               <a:t>Образец текста</a:t>
             </a:r>
           </a:p>
@@ -10349,35 +10079,35 @@
           <a:p>
             <a:pPr lvl="0"/>
             <a:r>
-              <a:rPr lang="ru-RU" smtClean="0"/>
+              <a:rPr lang="ru-RU"/>
               <a:t>Образец текста</a:t>
             </a:r>
           </a:p>
           <a:p>
             <a:pPr lvl="1"/>
             <a:r>
-              <a:rPr lang="ru-RU" smtClean="0"/>
+              <a:rPr lang="ru-RU"/>
               <a:t>Второй уровень</a:t>
             </a:r>
           </a:p>
           <a:p>
             <a:pPr lvl="2"/>
             <a:r>
-              <a:rPr lang="ru-RU" smtClean="0"/>
+              <a:rPr lang="ru-RU"/>
               <a:t>Третий уровень</a:t>
             </a:r>
           </a:p>
           <a:p>
             <a:pPr lvl="3"/>
             <a:r>
-              <a:rPr lang="ru-RU" smtClean="0"/>
+              <a:rPr lang="ru-RU"/>
               <a:t>Четвертый уровень</a:t>
             </a:r>
           </a:p>
           <a:p>
             <a:pPr lvl="4"/>
             <a:r>
-              <a:rPr lang="ru-RU" smtClean="0"/>
+              <a:rPr lang="ru-RU"/>
               <a:t>Пятый уровень</a:t>
             </a:r>
             <a:endParaRPr lang="en-US" dirty="0"/>
@@ -10401,7 +10131,6 @@
           <a:p>
             <a:fld id="{E0A2B525-4DC4-4D80-9B28-8E8A85A06424}" type="datetimeFigureOut">
               <a:rPr lang="ru-RU" smtClean="0"/>
-              <a:pPr/>
               <a:t>27.01.2020</a:t>
             </a:fld>
             <a:endParaRPr lang="ru-RU"/>
@@ -10444,7 +10173,6 @@
           <a:p>
             <a:fld id="{E01011B8-8901-494C-ACF4-EF2A2E89E10E}" type="slidenum">
               <a:rPr lang="ru-RU" smtClean="0"/>
-              <a:pPr/>
               <a:t>‹#›</a:t>
             </a:fld>
             <a:endParaRPr lang="ru-RU"/>
@@ -10478,20 +10206,13 @@
     </p:spTree>
     <p:extLst>
       <p:ext uri="{BB962C8B-B14F-4D97-AF65-F5344CB8AC3E}">
-        <p14:creationId xmlns="" xmlns:p14="http://schemas.microsoft.com/office/powerpoint/2010/main" val="782806702"/>
+        <p14:creationId xmlns:p14="http://schemas.microsoft.com/office/powerpoint/2010/main" val="782806702"/>
       </p:ext>
     </p:extLst>
   </p:cSld>
   <p:clrMapOvr>
     <a:masterClrMapping/>
   </p:clrMapOvr>
-  <p:timing>
-    <p:tnLst>
-      <p:par>
-        <p:cTn id="1" dur="indefinite" restart="never" nodeType="tmRoot"/>
-      </p:par>
-    </p:tnLst>
-  </p:timing>
 </p:sldLayout>
 </file>
 
@@ -10528,7 +10249,7 @@
           <a:lstStyle/>
           <a:p>
             <a:r>
-              <a:rPr lang="ru-RU" smtClean="0"/>
+              <a:rPr lang="ru-RU"/>
               <a:t>Образец заголовка</a:t>
             </a:r>
             <a:endParaRPr lang="en-US" dirty="0"/>
@@ -10552,7 +10273,6 @@
           <a:p>
             <a:fld id="{E0A2B525-4DC4-4D80-9B28-8E8A85A06424}" type="datetimeFigureOut">
               <a:rPr lang="ru-RU" smtClean="0"/>
-              <a:pPr/>
               <a:t>27.01.2020</a:t>
             </a:fld>
             <a:endParaRPr lang="ru-RU"/>
@@ -10595,7 +10315,6 @@
           <a:p>
             <a:fld id="{E01011B8-8901-494C-ACF4-EF2A2E89E10E}" type="slidenum">
               <a:rPr lang="ru-RU" smtClean="0"/>
-              <a:pPr/>
               <a:t>‹#›</a:t>
             </a:fld>
             <a:endParaRPr lang="ru-RU"/>
@@ -10607,7 +10326,7 @@
           <p:cNvPr id="8" name="Table 93">
             <a:extLst>
               <a:ext uri="{FF2B5EF4-FFF2-40B4-BE49-F238E27FC236}">
-                <a16:creationId xmlns="" xmlns:a16="http://schemas.microsoft.com/office/drawing/2014/main" id="{63861C41-A286-4CBE-9EBF-DBE851D12C0E}"/>
+                <a16:creationId xmlns:a16="http://schemas.microsoft.com/office/drawing/2014/main" id="{63861C41-A286-4CBE-9EBF-DBE851D12C0E}"/>
               </a:ext>
             </a:extLst>
           </p:cNvPr>
@@ -10615,7 +10334,7 @@
           <p:nvPr>
             <p:extLst>
               <p:ext uri="{D42A27DB-BD31-4B8C-83A1-F6EECF244321}">
-                <p14:modId xmlns="" xmlns:p14="http://schemas.microsoft.com/office/powerpoint/2010/main" val="2213085898"/>
+                <p14:modId xmlns:p14="http://schemas.microsoft.com/office/powerpoint/2010/main" val="2213085898"/>
               </p:ext>
             </p:extLst>
           </p:nvPr>
@@ -10632,28 +10351,28 @@
                 <a:gridCol w="1284685">
                   <a:extLst>
                     <a:ext uri="{9D8B030D-6E8A-4147-A177-3AD203B41FA5}">
-                      <a16:colId xmlns="" xmlns:a16="http://schemas.microsoft.com/office/drawing/2014/main" val="20000"/>
+                      <a16:colId xmlns:a16="http://schemas.microsoft.com/office/drawing/2014/main" val="20000"/>
                     </a:ext>
                   </a:extLst>
                 </a:gridCol>
                 <a:gridCol w="1284685">
                   <a:extLst>
                     <a:ext uri="{9D8B030D-6E8A-4147-A177-3AD203B41FA5}">
-                      <a16:colId xmlns="" xmlns:a16="http://schemas.microsoft.com/office/drawing/2014/main" val="20001"/>
+                      <a16:colId xmlns:a16="http://schemas.microsoft.com/office/drawing/2014/main" val="20001"/>
                     </a:ext>
                   </a:extLst>
                 </a:gridCol>
                 <a:gridCol w="1284685">
                   <a:extLst>
                     <a:ext uri="{9D8B030D-6E8A-4147-A177-3AD203B41FA5}">
-                      <a16:colId xmlns="" xmlns:a16="http://schemas.microsoft.com/office/drawing/2014/main" val="20002"/>
+                      <a16:colId xmlns:a16="http://schemas.microsoft.com/office/drawing/2014/main" val="20002"/>
                     </a:ext>
                   </a:extLst>
                 </a:gridCol>
                 <a:gridCol w="1284685">
                   <a:extLst>
                     <a:ext uri="{9D8B030D-6E8A-4147-A177-3AD203B41FA5}">
-                      <a16:colId xmlns="" xmlns:a16="http://schemas.microsoft.com/office/drawing/2014/main" val="20003"/>
+                      <a16:colId xmlns:a16="http://schemas.microsoft.com/office/drawing/2014/main" val="20003"/>
                     </a:ext>
                   </a:extLst>
                 </a:gridCol>
@@ -10949,7 +10668,7 @@
                 </a:tc>
                 <a:extLst>
                   <a:ext uri="{0D108BD9-81ED-4DB2-BD59-A6C34878D82A}">
-                    <a16:rowId xmlns="" xmlns:a16="http://schemas.microsoft.com/office/drawing/2014/main" val="10000"/>
+                    <a16:rowId xmlns:a16="http://schemas.microsoft.com/office/drawing/2014/main" val="10000"/>
                   </a:ext>
                 </a:extLst>
               </a:tr>
@@ -11216,7 +10935,7 @@
                 </a:tc>
                 <a:extLst>
                   <a:ext uri="{0D108BD9-81ED-4DB2-BD59-A6C34878D82A}">
-                    <a16:rowId xmlns="" xmlns:a16="http://schemas.microsoft.com/office/drawing/2014/main" val="10001"/>
+                    <a16:rowId xmlns:a16="http://schemas.microsoft.com/office/drawing/2014/main" val="10001"/>
                   </a:ext>
                 </a:extLst>
               </a:tr>
@@ -11483,7 +11202,7 @@
                 </a:tc>
                 <a:extLst>
                   <a:ext uri="{0D108BD9-81ED-4DB2-BD59-A6C34878D82A}">
-                    <a16:rowId xmlns="" xmlns:a16="http://schemas.microsoft.com/office/drawing/2014/main" val="10002"/>
+                    <a16:rowId xmlns:a16="http://schemas.microsoft.com/office/drawing/2014/main" val="10002"/>
                   </a:ext>
                 </a:extLst>
               </a:tr>
@@ -11750,7 +11469,7 @@
                 </a:tc>
                 <a:extLst>
                   <a:ext uri="{0D108BD9-81ED-4DB2-BD59-A6C34878D82A}">
-                    <a16:rowId xmlns="" xmlns:a16="http://schemas.microsoft.com/office/drawing/2014/main" val="10003"/>
+                    <a16:rowId xmlns:a16="http://schemas.microsoft.com/office/drawing/2014/main" val="10003"/>
                   </a:ext>
                 </a:extLst>
               </a:tr>
@@ -12017,7 +11736,7 @@
                 </a:tc>
                 <a:extLst>
                   <a:ext uri="{0D108BD9-81ED-4DB2-BD59-A6C34878D82A}">
-                    <a16:rowId xmlns="" xmlns:a16="http://schemas.microsoft.com/office/drawing/2014/main" val="10004"/>
+                    <a16:rowId xmlns:a16="http://schemas.microsoft.com/office/drawing/2014/main" val="10004"/>
                   </a:ext>
                 </a:extLst>
               </a:tr>
@@ -12052,20 +11771,13 @@
     </p:spTree>
     <p:extLst>
       <p:ext uri="{BB962C8B-B14F-4D97-AF65-F5344CB8AC3E}">
-        <p14:creationId xmlns="" xmlns:p14="http://schemas.microsoft.com/office/powerpoint/2010/main" val="2137495512"/>
+        <p14:creationId xmlns:p14="http://schemas.microsoft.com/office/powerpoint/2010/main" val="2137495512"/>
       </p:ext>
     </p:extLst>
   </p:cSld>
   <p:clrMapOvr>
     <a:masterClrMapping/>
   </p:clrMapOvr>
-  <p:timing>
-    <p:tnLst>
-      <p:par>
-        <p:cTn id="1" dur="indefinite" restart="never" nodeType="tmRoot"/>
-      </p:par>
-    </p:tnLst>
-  </p:timing>
 </p:sldLayout>
 </file>
 
@@ -12102,7 +11814,7 @@
           <a:lstStyle/>
           <a:p>
             <a:r>
-              <a:rPr lang="ru-RU" smtClean="0"/>
+              <a:rPr lang="ru-RU"/>
               <a:t>Образец заголовка</a:t>
             </a:r>
             <a:endParaRPr lang="en-US" dirty="0"/>
@@ -12126,7 +11838,6 @@
           <a:p>
             <a:fld id="{E0A2B525-4DC4-4D80-9B28-8E8A85A06424}" type="datetimeFigureOut">
               <a:rPr lang="ru-RU" smtClean="0"/>
-              <a:pPr/>
               <a:t>27.01.2020</a:t>
             </a:fld>
             <a:endParaRPr lang="ru-RU"/>
@@ -12169,7 +11880,6 @@
           <a:p>
             <a:fld id="{E01011B8-8901-494C-ACF4-EF2A2E89E10E}" type="slidenum">
               <a:rPr lang="ru-RU" smtClean="0"/>
-              <a:pPr/>
               <a:t>‹#›</a:t>
             </a:fld>
             <a:endParaRPr lang="ru-RU"/>
@@ -12203,20 +11913,13 @@
     </p:spTree>
     <p:extLst>
       <p:ext uri="{BB962C8B-B14F-4D97-AF65-F5344CB8AC3E}">
-        <p14:creationId xmlns="" xmlns:p14="http://schemas.microsoft.com/office/powerpoint/2010/main" val="2193504907"/>
+        <p14:creationId xmlns:p14="http://schemas.microsoft.com/office/powerpoint/2010/main" val="2193504907"/>
       </p:ext>
     </p:extLst>
   </p:cSld>
   <p:clrMapOvr>
     <a:masterClrMapping/>
   </p:clrMapOvr>
-  <p:timing>
-    <p:tnLst>
-      <p:par>
-        <p:cTn id="1" dur="indefinite" restart="never" nodeType="tmRoot"/>
-      </p:par>
-    </p:tnLst>
-  </p:timing>
 </p:sldLayout>
 </file>
 
@@ -12356,7 +12059,6 @@
           <a:p>
             <a:fld id="{E0A2B525-4DC4-4D80-9B28-8E8A85A06424}" type="datetimeFigureOut">
               <a:rPr lang="ru-RU" smtClean="0"/>
-              <a:pPr/>
               <a:t>27.01.2020</a:t>
             </a:fld>
             <a:endParaRPr lang="ru-RU"/>
@@ -12399,7 +12101,6 @@
           <a:p>
             <a:fld id="{E01011B8-8901-494C-ACF4-EF2A2E89E10E}" type="slidenum">
               <a:rPr lang="ru-RU" smtClean="0"/>
-              <a:pPr/>
               <a:t>‹#›</a:t>
             </a:fld>
             <a:endParaRPr lang="ru-RU"/>
@@ -12445,7 +12146,7 @@
     </p:spTree>
     <p:extLst>
       <p:ext uri="{BB962C8B-B14F-4D97-AF65-F5344CB8AC3E}">
-        <p14:creationId xmlns="" xmlns:p14="http://schemas.microsoft.com/office/powerpoint/2010/main" val="3685614989"/>
+        <p14:creationId xmlns:p14="http://schemas.microsoft.com/office/powerpoint/2010/main" val="3685614989"/>
       </p:ext>
     </p:extLst>
   </p:cSld>
@@ -12471,13 +12172,6 @@
     <p:sldLayoutId id="2147483678" r:id="rId18"/>
     <p:sldLayoutId id="2147483679" r:id="rId19"/>
   </p:sldLayoutIdLst>
-  <p:timing>
-    <p:tnLst>
-      <p:par>
-        <p:cTn id="1" dur="indefinite" restart="never" nodeType="tmRoot"/>
-      </p:par>
-    </p:tnLst>
-  </p:timing>
   <p:txStyles>
     <p:titleStyle>
       <a:lvl1pPr algn="l" defTabSz="914309" rtl="0" eaLnBrk="1" latinLnBrk="0" hangingPunct="1">
@@ -12898,7 +12592,7 @@
             <a:fld id="{9187ACAA-BA05-403C-B094-06E99B1B296A}" type="datetime1">
               <a:rPr lang="pl-PL" smtClean="0"/>
               <a:pPr/>
-              <a:t>2020-01-27</a:t>
+              <a:t>27.01.2020</a:t>
             </a:fld>
             <a:endParaRPr lang="pl-PL"/>
           </a:p>
@@ -12986,7 +12680,7 @@
     </p:spTree>
     <p:extLst>
       <p:ext uri="{BB962C8B-B14F-4D97-AF65-F5344CB8AC3E}">
-        <p14:creationId xmlns="" xmlns:p14="http://schemas.microsoft.com/office/powerpoint/2010/main" val="3931751818"/>
+        <p14:creationId xmlns:p14="http://schemas.microsoft.com/office/powerpoint/2010/main" val="3931751818"/>
       </p:ext>
     </p:extLst>
   </p:cSld>
@@ -13012,13 +12706,6 @@
     <p:sldLayoutId id="2147483698" r:id="rId18"/>
     <p:sldLayoutId id="2147483699" r:id="rId19"/>
   </p:sldLayoutIdLst>
-  <p:timing>
-    <p:tnLst>
-      <p:par>
-        <p:cTn id="1" dur="indefinite" restart="never" nodeType="tmRoot"/>
-      </p:par>
-    </p:tnLst>
-  </p:timing>
   <p:hf sldNum="0" hdr="0" ftr="0" dt="0"/>
   <p:txStyles>
     <p:titleStyle>
@@ -13336,12 +13023,8 @@
           <a:lstStyle/>
           <a:p>
             <a:r>
-              <a:rPr lang="pl-PL" dirty="0" smtClean="0"/>
-              <a:t>Rozpoznawanie dźwięku za pomocą </a:t>
-            </a:r>
-            <a:r>
-              <a:rPr lang="pl-PL" dirty="0" smtClean="0"/>
-              <a:t>MLP</a:t>
+              <a:rPr lang="pl-PL" dirty="0"/>
+              <a:t>Rozpoznawanie dźwięku za pomocą MLP</a:t>
             </a:r>
             <a:endParaRPr lang="ru-RU" dirty="0"/>
           </a:p>
@@ -13363,28 +13046,14 @@
           <a:lstStyle/>
           <a:p>
             <a:r>
-              <a:rPr lang="pl-PL" dirty="0" smtClean="0"/>
-              <a:t>inż. Tomasz Bałdyga,</a:t>
-            </a:r>
-          </a:p>
-          <a:p>
-            <a:r>
-              <a:rPr lang="pl-PL" dirty="0" smtClean="0"/>
-              <a:t>inż. Oleksii </a:t>
-            </a:r>
-            <a:r>
-              <a:rPr lang="pl-PL" dirty="0" smtClean="0"/>
-              <a:t>Kosobutskyi</a:t>
-            </a:r>
-          </a:p>
-          <a:p>
-            <a:r>
-              <a:rPr lang="pl-PL" dirty="0" smtClean="0"/>
-              <a:t>31</a:t>
-            </a:r>
-            <a:r>
-              <a:rPr lang="pl-PL" dirty="0" smtClean="0"/>
-              <a:t>.01.2020</a:t>
+              <a:rPr lang="pl-PL" dirty="0"/>
+              <a:t>Oleksii Kosobutskyi</a:t>
+            </a:r>
+          </a:p>
+          <a:p>
+            <a:r>
+              <a:rPr lang="pl-PL" dirty="0"/>
+              <a:t>27.01.2020</a:t>
             </a:r>
             <a:endParaRPr lang="ru-RU" dirty="0"/>
           </a:p>
@@ -13748,7 +13417,7 @@
   <a:extraClrSchemeLst/>
   <a:extLst>
     <a:ext uri="{05A4C25C-085E-4340-85A3-A5531E510DB2}">
-      <thm15:themeFamily xmlns="" xmlns:thm15="http://schemas.microsoft.com/office/thememl/2012/main" name="Prezentacja2" id="{AF77654C-7985-4C0A-AE90-D1732C9A6E9E}" vid="{ACED2FCA-EB2A-46EB-A8D5-7E5CA93A5F09}"/>
+      <thm15:themeFamily xmlns:thm15="http://schemas.microsoft.com/office/thememl/2012/main" name="Prezentacja2" id="{AF77654C-7985-4C0A-AE90-D1732C9A6E9E}" vid="{ACED2FCA-EB2A-46EB-A8D5-7E5CA93A5F09}"/>
     </a:ext>
   </a:extLst>
 </a:theme>
@@ -14009,7 +13678,7 @@
   <a:extraClrSchemeLst/>
   <a:extLst>
     <a:ext uri="{05A4C25C-085E-4340-85A3-A5531E510DB2}">
-      <thm15:themeFamily xmlns="" xmlns:thm15="http://schemas.microsoft.com/office/thememl/2012/main" name="Prezentacja2" id="{AF77654C-7985-4C0A-AE90-D1732C9A6E9E}" vid="{F610396C-B832-45C1-8145-0A8B0EF479C2}"/>
+      <thm15:themeFamily xmlns:thm15="http://schemas.microsoft.com/office/thememl/2012/main" name="Prezentacja2" id="{AF77654C-7985-4C0A-AE90-D1732C9A6E9E}" vid="{F610396C-B832-45C1-8145-0A8B0EF479C2}"/>
     </a:ext>
   </a:extLst>
 </a:theme>

--- a/doc/Rozpoznawanie dźwięku za pomocą MLP.pptx
+++ b/doc/Rozpoznawanie dźwięku za pomocą MLP.pptx
@@ -8,6 +8,8 @@
   <p:sldIdLst>
     <p:sldId id="256" r:id="rId3"/>
     <p:sldId id="257" r:id="rId4"/>
+    <p:sldId id="259" r:id="rId5"/>
+    <p:sldId id="258" r:id="rId6"/>
   </p:sldIdLst>
   <p:sldSz cx="9144000" cy="6858000" type="screen4x3"/>
   <p:notesSz cx="6858000" cy="9144000"/>
@@ -123,6 +125,2948 @@
     </p:ext>
   </p:extLst>
 </p:presentation>
+</file>
+
+<file path=ppt/diagrams/colors1.xml><?xml version="1.0" encoding="utf-8"?>
+<dgm:colorsDef xmlns:dgm="http://schemas.openxmlformats.org/drawingml/2006/diagram" xmlns:a="http://schemas.openxmlformats.org/drawingml/2006/main" uniqueId="urn:microsoft.com/office/officeart/2005/8/colors/accent1_2">
+  <dgm:title val=""/>
+  <dgm:desc val=""/>
+  <dgm:catLst>
+    <dgm:cat type="accent1" pri="11200"/>
+  </dgm:catLst>
+  <dgm:styleLbl name="node0">
+    <dgm:fillClrLst meth="repeat">
+      <a:schemeClr val="accent1"/>
+    </dgm:fillClrLst>
+    <dgm:linClrLst meth="repeat">
+      <a:schemeClr val="lt1"/>
+    </dgm:linClrLst>
+    <dgm:effectClrLst/>
+    <dgm:txLinClrLst/>
+    <dgm:txFillClrLst/>
+    <dgm:txEffectClrLst/>
+  </dgm:styleLbl>
+  <dgm:styleLbl name="alignNode1">
+    <dgm:fillClrLst meth="repeat">
+      <a:schemeClr val="accent1"/>
+    </dgm:fillClrLst>
+    <dgm:linClrLst meth="repeat">
+      <a:schemeClr val="accent1"/>
+    </dgm:linClrLst>
+    <dgm:effectClrLst/>
+    <dgm:txLinClrLst/>
+    <dgm:txFillClrLst/>
+    <dgm:txEffectClrLst/>
+  </dgm:styleLbl>
+  <dgm:styleLbl name="node1">
+    <dgm:fillClrLst meth="repeat">
+      <a:schemeClr val="accent1"/>
+    </dgm:fillClrLst>
+    <dgm:linClrLst meth="repeat">
+      <a:schemeClr val="lt1"/>
+    </dgm:linClrLst>
+    <dgm:effectClrLst/>
+    <dgm:txLinClrLst/>
+    <dgm:txFillClrLst/>
+    <dgm:txEffectClrLst/>
+  </dgm:styleLbl>
+  <dgm:styleLbl name="lnNode1">
+    <dgm:fillClrLst meth="repeat">
+      <a:schemeClr val="accent1"/>
+    </dgm:fillClrLst>
+    <dgm:linClrLst meth="repeat">
+      <a:schemeClr val="lt1"/>
+    </dgm:linClrLst>
+    <dgm:effectClrLst/>
+    <dgm:txLinClrLst/>
+    <dgm:txFillClrLst/>
+    <dgm:txEffectClrLst/>
+  </dgm:styleLbl>
+  <dgm:styleLbl name="vennNode1">
+    <dgm:fillClrLst meth="repeat">
+      <a:schemeClr val="accent1">
+        <a:alpha val="50000"/>
+      </a:schemeClr>
+    </dgm:fillClrLst>
+    <dgm:linClrLst meth="repeat">
+      <a:schemeClr val="lt1"/>
+    </dgm:linClrLst>
+    <dgm:effectClrLst/>
+    <dgm:txLinClrLst/>
+    <dgm:txFillClrLst/>
+    <dgm:txEffectClrLst/>
+  </dgm:styleLbl>
+  <dgm:styleLbl name="node2">
+    <dgm:fillClrLst meth="repeat">
+      <a:schemeClr val="accent1"/>
+    </dgm:fillClrLst>
+    <dgm:linClrLst meth="repeat">
+      <a:schemeClr val="lt1"/>
+    </dgm:linClrLst>
+    <dgm:effectClrLst/>
+    <dgm:txLinClrLst/>
+    <dgm:txFillClrLst/>
+    <dgm:txEffectClrLst/>
+  </dgm:styleLbl>
+  <dgm:styleLbl name="node3">
+    <dgm:fillClrLst meth="repeat">
+      <a:schemeClr val="accent1"/>
+    </dgm:fillClrLst>
+    <dgm:linClrLst meth="repeat">
+      <a:schemeClr val="lt1"/>
+    </dgm:linClrLst>
+    <dgm:effectClrLst/>
+    <dgm:txLinClrLst/>
+    <dgm:txFillClrLst/>
+    <dgm:txEffectClrLst/>
+  </dgm:styleLbl>
+  <dgm:styleLbl name="node4">
+    <dgm:fillClrLst meth="repeat">
+      <a:schemeClr val="accent1"/>
+    </dgm:fillClrLst>
+    <dgm:linClrLst meth="repeat">
+      <a:schemeClr val="lt1"/>
+    </dgm:linClrLst>
+    <dgm:effectClrLst/>
+    <dgm:txLinClrLst/>
+    <dgm:txFillClrLst/>
+    <dgm:txEffectClrLst/>
+  </dgm:styleLbl>
+  <dgm:styleLbl name="fgImgPlace1">
+    <dgm:fillClrLst meth="repeat">
+      <a:schemeClr val="accent1">
+        <a:tint val="50000"/>
+      </a:schemeClr>
+    </dgm:fillClrLst>
+    <dgm:linClrLst meth="repeat">
+      <a:schemeClr val="lt1"/>
+    </dgm:linClrLst>
+    <dgm:effectClrLst/>
+    <dgm:txLinClrLst/>
+    <dgm:txFillClrLst meth="repeat">
+      <a:schemeClr val="lt1"/>
+    </dgm:txFillClrLst>
+    <dgm:txEffectClrLst/>
+  </dgm:styleLbl>
+  <dgm:styleLbl name="alignImgPlace1">
+    <dgm:fillClrLst meth="repeat">
+      <a:schemeClr val="accent1">
+        <a:tint val="50000"/>
+      </a:schemeClr>
+    </dgm:fillClrLst>
+    <dgm:linClrLst meth="repeat">
+      <a:schemeClr val="lt1"/>
+    </dgm:linClrLst>
+    <dgm:effectClrLst/>
+    <dgm:txLinClrLst/>
+    <dgm:txFillClrLst meth="repeat">
+      <a:schemeClr val="lt1"/>
+    </dgm:txFillClrLst>
+    <dgm:txEffectClrLst/>
+  </dgm:styleLbl>
+  <dgm:styleLbl name="bgImgPlace1">
+    <dgm:fillClrLst meth="repeat">
+      <a:schemeClr val="accent1">
+        <a:tint val="50000"/>
+      </a:schemeClr>
+    </dgm:fillClrLst>
+    <dgm:linClrLst meth="repeat">
+      <a:schemeClr val="lt1"/>
+    </dgm:linClrLst>
+    <dgm:effectClrLst/>
+    <dgm:txLinClrLst/>
+    <dgm:txFillClrLst meth="repeat">
+      <a:schemeClr val="lt1"/>
+    </dgm:txFillClrLst>
+    <dgm:txEffectClrLst/>
+  </dgm:styleLbl>
+  <dgm:styleLbl name="sibTrans2D1">
+    <dgm:fillClrLst meth="repeat">
+      <a:schemeClr val="accent1">
+        <a:tint val="60000"/>
+      </a:schemeClr>
+    </dgm:fillClrLst>
+    <dgm:linClrLst meth="repeat">
+      <a:schemeClr val="accent1">
+        <a:tint val="60000"/>
+      </a:schemeClr>
+    </dgm:linClrLst>
+    <dgm:effectClrLst/>
+    <dgm:txLinClrLst/>
+    <dgm:txFillClrLst/>
+    <dgm:txEffectClrLst/>
+  </dgm:styleLbl>
+  <dgm:styleLbl name="fgSibTrans2D1">
+    <dgm:fillClrLst meth="repeat">
+      <a:schemeClr val="accent1">
+        <a:tint val="60000"/>
+      </a:schemeClr>
+    </dgm:fillClrLst>
+    <dgm:linClrLst meth="repeat">
+      <a:schemeClr val="accent1">
+        <a:tint val="60000"/>
+      </a:schemeClr>
+    </dgm:linClrLst>
+    <dgm:effectClrLst/>
+    <dgm:txLinClrLst/>
+    <dgm:txFillClrLst/>
+    <dgm:txEffectClrLst/>
+  </dgm:styleLbl>
+  <dgm:styleLbl name="bgSibTrans2D1">
+    <dgm:fillClrLst meth="repeat">
+      <a:schemeClr val="accent1">
+        <a:tint val="60000"/>
+      </a:schemeClr>
+    </dgm:fillClrLst>
+    <dgm:linClrLst meth="repeat">
+      <a:schemeClr val="accent1">
+        <a:tint val="60000"/>
+      </a:schemeClr>
+    </dgm:linClrLst>
+    <dgm:effectClrLst/>
+    <dgm:txLinClrLst/>
+    <dgm:txFillClrLst/>
+    <dgm:txEffectClrLst/>
+  </dgm:styleLbl>
+  <dgm:styleLbl name="sibTrans1D1">
+    <dgm:fillClrLst meth="repeat">
+      <a:schemeClr val="accent1"/>
+    </dgm:fillClrLst>
+    <dgm:linClrLst meth="repeat">
+      <a:schemeClr val="accent1"/>
+    </dgm:linClrLst>
+    <dgm:effectClrLst/>
+    <dgm:txLinClrLst/>
+    <dgm:txFillClrLst meth="repeat">
+      <a:schemeClr val="tx1"/>
+    </dgm:txFillClrLst>
+    <dgm:txEffectClrLst/>
+  </dgm:styleLbl>
+  <dgm:styleLbl name="callout">
+    <dgm:fillClrLst meth="repeat">
+      <a:schemeClr val="accent1"/>
+    </dgm:fillClrLst>
+    <dgm:linClrLst meth="repeat">
+      <a:schemeClr val="accent1">
+        <a:tint val="50000"/>
+      </a:schemeClr>
+    </dgm:linClrLst>
+    <dgm:effectClrLst/>
+    <dgm:txLinClrLst/>
+    <dgm:txFillClrLst meth="repeat">
+      <a:schemeClr val="tx1"/>
+    </dgm:txFillClrLst>
+    <dgm:txEffectClrLst/>
+  </dgm:styleLbl>
+  <dgm:styleLbl name="asst0">
+    <dgm:fillClrLst meth="repeat">
+      <a:schemeClr val="accent1"/>
+    </dgm:fillClrLst>
+    <dgm:linClrLst meth="repeat">
+      <a:schemeClr val="lt1"/>
+    </dgm:linClrLst>
+    <dgm:effectClrLst/>
+    <dgm:txLinClrLst/>
+    <dgm:txFillClrLst/>
+    <dgm:txEffectClrLst/>
+  </dgm:styleLbl>
+  <dgm:styleLbl name="asst1">
+    <dgm:fillClrLst meth="repeat">
+      <a:schemeClr val="accent1"/>
+    </dgm:fillClrLst>
+    <dgm:linClrLst meth="repeat">
+      <a:schemeClr val="lt1"/>
+    </dgm:linClrLst>
+    <dgm:effectClrLst/>
+    <dgm:txLinClrLst/>
+    <dgm:txFillClrLst/>
+    <dgm:txEffectClrLst/>
+  </dgm:styleLbl>
+  <dgm:styleLbl name="asst2">
+    <dgm:fillClrLst meth="repeat">
+      <a:schemeClr val="accent1"/>
+    </dgm:fillClrLst>
+    <dgm:linClrLst meth="repeat">
+      <a:schemeClr val="lt1"/>
+    </dgm:linClrLst>
+    <dgm:effectClrLst/>
+    <dgm:txLinClrLst/>
+    <dgm:txFillClrLst/>
+    <dgm:txEffectClrLst/>
+  </dgm:styleLbl>
+  <dgm:styleLbl name="asst3">
+    <dgm:fillClrLst meth="repeat">
+      <a:schemeClr val="accent1"/>
+    </dgm:fillClrLst>
+    <dgm:linClrLst meth="repeat">
+      <a:schemeClr val="lt1"/>
+    </dgm:linClrLst>
+    <dgm:effectClrLst/>
+    <dgm:txLinClrLst/>
+    <dgm:txFillClrLst/>
+    <dgm:txEffectClrLst/>
+  </dgm:styleLbl>
+  <dgm:styleLbl name="asst4">
+    <dgm:fillClrLst meth="repeat">
+      <a:schemeClr val="accent1"/>
+    </dgm:fillClrLst>
+    <dgm:linClrLst meth="repeat">
+      <a:schemeClr val="lt1"/>
+    </dgm:linClrLst>
+    <dgm:effectClrLst/>
+    <dgm:txLinClrLst/>
+    <dgm:txFillClrLst/>
+    <dgm:txEffectClrLst/>
+  </dgm:styleLbl>
+  <dgm:styleLbl name="parChTrans2D1">
+    <dgm:fillClrLst meth="repeat">
+      <a:schemeClr val="accent1">
+        <a:tint val="60000"/>
+      </a:schemeClr>
+    </dgm:fillClrLst>
+    <dgm:linClrLst meth="repeat">
+      <a:schemeClr val="accent1">
+        <a:tint val="60000"/>
+      </a:schemeClr>
+    </dgm:linClrLst>
+    <dgm:effectClrLst/>
+    <dgm:txLinClrLst/>
+    <dgm:txFillClrLst meth="repeat">
+      <a:schemeClr val="lt1"/>
+    </dgm:txFillClrLst>
+    <dgm:txEffectClrLst/>
+  </dgm:styleLbl>
+  <dgm:styleLbl name="parChTrans2D2">
+    <dgm:fillClrLst meth="repeat">
+      <a:schemeClr val="accent1"/>
+    </dgm:fillClrLst>
+    <dgm:linClrLst meth="repeat">
+      <a:schemeClr val="accent1"/>
+    </dgm:linClrLst>
+    <dgm:effectClrLst/>
+    <dgm:txLinClrLst/>
+    <dgm:txFillClrLst meth="repeat">
+      <a:schemeClr val="lt1"/>
+    </dgm:txFillClrLst>
+    <dgm:txEffectClrLst/>
+  </dgm:styleLbl>
+  <dgm:styleLbl name="parChTrans2D3">
+    <dgm:fillClrLst meth="repeat">
+      <a:schemeClr val="accent1"/>
+    </dgm:fillClrLst>
+    <dgm:linClrLst meth="repeat">
+      <a:schemeClr val="accent1"/>
+    </dgm:linClrLst>
+    <dgm:effectClrLst/>
+    <dgm:txLinClrLst/>
+    <dgm:txFillClrLst meth="repeat">
+      <a:schemeClr val="lt1"/>
+    </dgm:txFillClrLst>
+    <dgm:txEffectClrLst/>
+  </dgm:styleLbl>
+  <dgm:styleLbl name="parChTrans2D4">
+    <dgm:fillClrLst meth="repeat">
+      <a:schemeClr val="accent1"/>
+    </dgm:fillClrLst>
+    <dgm:linClrLst meth="repeat">
+      <a:schemeClr val="accent1"/>
+    </dgm:linClrLst>
+    <dgm:effectClrLst/>
+    <dgm:txLinClrLst/>
+    <dgm:txFillClrLst meth="repeat">
+      <a:schemeClr val="lt1"/>
+    </dgm:txFillClrLst>
+    <dgm:txEffectClrLst/>
+  </dgm:styleLbl>
+  <dgm:styleLbl name="parChTrans1D1">
+    <dgm:fillClrLst meth="repeat">
+      <a:schemeClr val="accent1"/>
+    </dgm:fillClrLst>
+    <dgm:linClrLst meth="repeat">
+      <a:schemeClr val="accent1">
+        <a:shade val="60000"/>
+      </a:schemeClr>
+    </dgm:linClrLst>
+    <dgm:effectClrLst/>
+    <dgm:txLinClrLst/>
+    <dgm:txFillClrLst meth="repeat">
+      <a:schemeClr val="tx1"/>
+    </dgm:txFillClrLst>
+    <dgm:txEffectClrLst/>
+  </dgm:styleLbl>
+  <dgm:styleLbl name="parChTrans1D2">
+    <dgm:fillClrLst meth="repeat">
+      <a:schemeClr val="accent1"/>
+    </dgm:fillClrLst>
+    <dgm:linClrLst meth="repeat">
+      <a:schemeClr val="accent1">
+        <a:shade val="60000"/>
+      </a:schemeClr>
+    </dgm:linClrLst>
+    <dgm:effectClrLst/>
+    <dgm:txLinClrLst/>
+    <dgm:txFillClrLst meth="repeat">
+      <a:schemeClr val="tx1"/>
+    </dgm:txFillClrLst>
+    <dgm:txEffectClrLst/>
+  </dgm:styleLbl>
+  <dgm:styleLbl name="parChTrans1D3">
+    <dgm:fillClrLst meth="repeat">
+      <a:schemeClr val="accent1"/>
+    </dgm:fillClrLst>
+    <dgm:linClrLst meth="repeat">
+      <a:schemeClr val="accent1">
+        <a:shade val="80000"/>
+      </a:schemeClr>
+    </dgm:linClrLst>
+    <dgm:effectClrLst/>
+    <dgm:txLinClrLst/>
+    <dgm:txFillClrLst meth="repeat">
+      <a:schemeClr val="tx1"/>
+    </dgm:txFillClrLst>
+    <dgm:txEffectClrLst/>
+  </dgm:styleLbl>
+  <dgm:styleLbl name="parChTrans1D4">
+    <dgm:fillClrLst meth="repeat">
+      <a:schemeClr val="accent1"/>
+    </dgm:fillClrLst>
+    <dgm:linClrLst meth="repeat">
+      <a:schemeClr val="accent1">
+        <a:shade val="80000"/>
+      </a:schemeClr>
+    </dgm:linClrLst>
+    <dgm:effectClrLst/>
+    <dgm:txLinClrLst/>
+    <dgm:txFillClrLst meth="repeat">
+      <a:schemeClr val="tx1"/>
+    </dgm:txFillClrLst>
+    <dgm:txEffectClrLst/>
+  </dgm:styleLbl>
+  <dgm:styleLbl name="fgAcc1">
+    <dgm:fillClrLst meth="repeat">
+      <a:schemeClr val="lt1">
+        <a:alpha val="90000"/>
+      </a:schemeClr>
+    </dgm:fillClrLst>
+    <dgm:linClrLst meth="repeat">
+      <a:schemeClr val="accent1"/>
+    </dgm:linClrLst>
+    <dgm:effectClrLst/>
+    <dgm:txLinClrLst/>
+    <dgm:txFillClrLst meth="repeat">
+      <a:schemeClr val="dk1"/>
+    </dgm:txFillClrLst>
+    <dgm:txEffectClrLst/>
+  </dgm:styleLbl>
+  <dgm:styleLbl name="conFgAcc1">
+    <dgm:fillClrLst meth="repeat">
+      <a:schemeClr val="lt1">
+        <a:alpha val="90000"/>
+      </a:schemeClr>
+    </dgm:fillClrLst>
+    <dgm:linClrLst meth="repeat">
+      <a:schemeClr val="accent1"/>
+    </dgm:linClrLst>
+    <dgm:effectClrLst/>
+    <dgm:txLinClrLst/>
+    <dgm:txFillClrLst meth="repeat">
+      <a:schemeClr val="dk1"/>
+    </dgm:txFillClrLst>
+    <dgm:txEffectClrLst/>
+  </dgm:styleLbl>
+  <dgm:styleLbl name="alignAcc1">
+    <dgm:fillClrLst meth="repeat">
+      <a:schemeClr val="lt1">
+        <a:alpha val="90000"/>
+      </a:schemeClr>
+    </dgm:fillClrLst>
+    <dgm:linClrLst meth="repeat">
+      <a:schemeClr val="accent1"/>
+    </dgm:linClrLst>
+    <dgm:effectClrLst/>
+    <dgm:txLinClrLst/>
+    <dgm:txFillClrLst meth="repeat">
+      <a:schemeClr val="dk1"/>
+    </dgm:txFillClrLst>
+    <dgm:txEffectClrLst/>
+  </dgm:styleLbl>
+  <dgm:styleLbl name="trAlignAcc1">
+    <dgm:fillClrLst meth="repeat">
+      <a:schemeClr val="lt1">
+        <a:alpha val="40000"/>
+      </a:schemeClr>
+    </dgm:fillClrLst>
+    <dgm:linClrLst meth="repeat">
+      <a:schemeClr val="accent1"/>
+    </dgm:linClrLst>
+    <dgm:effectClrLst/>
+    <dgm:txLinClrLst/>
+    <dgm:txFillClrLst meth="repeat">
+      <a:schemeClr val="dk1"/>
+    </dgm:txFillClrLst>
+    <dgm:txEffectClrLst/>
+  </dgm:styleLbl>
+  <dgm:styleLbl name="bgAcc1">
+    <dgm:fillClrLst meth="repeat">
+      <a:schemeClr val="lt1">
+        <a:alpha val="90000"/>
+      </a:schemeClr>
+    </dgm:fillClrLst>
+    <dgm:linClrLst meth="repeat">
+      <a:schemeClr val="accent1"/>
+    </dgm:linClrLst>
+    <dgm:effectClrLst/>
+    <dgm:txLinClrLst/>
+    <dgm:txFillClrLst meth="repeat">
+      <a:schemeClr val="dk1"/>
+    </dgm:txFillClrLst>
+    <dgm:txEffectClrLst/>
+  </dgm:styleLbl>
+  <dgm:styleLbl name="solidFgAcc1">
+    <dgm:fillClrLst meth="repeat">
+      <a:schemeClr val="lt1"/>
+    </dgm:fillClrLst>
+    <dgm:linClrLst meth="repeat">
+      <a:schemeClr val="accent1"/>
+    </dgm:linClrLst>
+    <dgm:effectClrLst/>
+    <dgm:txLinClrLst/>
+    <dgm:txFillClrLst meth="repeat">
+      <a:schemeClr val="dk1"/>
+    </dgm:txFillClrLst>
+    <dgm:txEffectClrLst/>
+  </dgm:styleLbl>
+  <dgm:styleLbl name="solidAlignAcc1">
+    <dgm:fillClrLst meth="repeat">
+      <a:schemeClr val="lt1"/>
+    </dgm:fillClrLst>
+    <dgm:linClrLst meth="repeat">
+      <a:schemeClr val="accent1"/>
+    </dgm:linClrLst>
+    <dgm:effectClrLst/>
+    <dgm:txLinClrLst/>
+    <dgm:txFillClrLst meth="repeat">
+      <a:schemeClr val="dk1"/>
+    </dgm:txFillClrLst>
+    <dgm:txEffectClrLst/>
+  </dgm:styleLbl>
+  <dgm:styleLbl name="solidBgAcc1">
+    <dgm:fillClrLst meth="repeat">
+      <a:schemeClr val="lt1"/>
+    </dgm:fillClrLst>
+    <dgm:linClrLst meth="repeat">
+      <a:schemeClr val="accent1"/>
+    </dgm:linClrLst>
+    <dgm:effectClrLst/>
+    <dgm:txLinClrLst/>
+    <dgm:txFillClrLst meth="repeat">
+      <a:schemeClr val="dk1"/>
+    </dgm:txFillClrLst>
+    <dgm:txEffectClrLst/>
+  </dgm:styleLbl>
+  <dgm:styleLbl name="fgAccFollowNode1">
+    <dgm:fillClrLst meth="repeat">
+      <a:schemeClr val="accent1">
+        <a:alpha val="90000"/>
+        <a:tint val="40000"/>
+      </a:schemeClr>
+    </dgm:fillClrLst>
+    <dgm:linClrLst meth="repeat">
+      <a:schemeClr val="accent1">
+        <a:alpha val="90000"/>
+        <a:tint val="40000"/>
+      </a:schemeClr>
+    </dgm:linClrLst>
+    <dgm:effectClrLst/>
+    <dgm:txLinClrLst/>
+    <dgm:txFillClrLst meth="repeat">
+      <a:schemeClr val="dk1"/>
+    </dgm:txFillClrLst>
+    <dgm:txEffectClrLst/>
+  </dgm:styleLbl>
+  <dgm:styleLbl name="alignAccFollowNode1">
+    <dgm:fillClrLst meth="repeat">
+      <a:schemeClr val="accent1">
+        <a:alpha val="90000"/>
+        <a:tint val="40000"/>
+      </a:schemeClr>
+    </dgm:fillClrLst>
+    <dgm:linClrLst meth="repeat">
+      <a:schemeClr val="accent1">
+        <a:alpha val="90000"/>
+        <a:tint val="40000"/>
+      </a:schemeClr>
+    </dgm:linClrLst>
+    <dgm:effectClrLst/>
+    <dgm:txLinClrLst/>
+    <dgm:txFillClrLst meth="repeat">
+      <a:schemeClr val="dk1"/>
+    </dgm:txFillClrLst>
+    <dgm:txEffectClrLst/>
+  </dgm:styleLbl>
+  <dgm:styleLbl name="bgAccFollowNode1">
+    <dgm:fillClrLst meth="repeat">
+      <a:schemeClr val="accent1">
+        <a:alpha val="90000"/>
+        <a:tint val="40000"/>
+      </a:schemeClr>
+    </dgm:fillClrLst>
+    <dgm:linClrLst meth="repeat">
+      <a:schemeClr val="accent1">
+        <a:alpha val="90000"/>
+        <a:tint val="40000"/>
+      </a:schemeClr>
+    </dgm:linClrLst>
+    <dgm:effectClrLst/>
+    <dgm:txLinClrLst/>
+    <dgm:txFillClrLst meth="repeat">
+      <a:schemeClr val="dk1"/>
+    </dgm:txFillClrLst>
+    <dgm:txEffectClrLst/>
+  </dgm:styleLbl>
+  <dgm:styleLbl name="fgAcc0">
+    <dgm:fillClrLst meth="repeat">
+      <a:schemeClr val="lt1">
+        <a:alpha val="90000"/>
+      </a:schemeClr>
+    </dgm:fillClrLst>
+    <dgm:linClrLst meth="repeat">
+      <a:schemeClr val="accent1"/>
+    </dgm:linClrLst>
+    <dgm:effectClrLst/>
+    <dgm:txLinClrLst/>
+    <dgm:txFillClrLst meth="repeat">
+      <a:schemeClr val="dk1"/>
+    </dgm:txFillClrLst>
+    <dgm:txEffectClrLst/>
+  </dgm:styleLbl>
+  <dgm:styleLbl name="fgAcc2">
+    <dgm:fillClrLst meth="repeat">
+      <a:schemeClr val="lt1">
+        <a:alpha val="90000"/>
+      </a:schemeClr>
+    </dgm:fillClrLst>
+    <dgm:linClrLst meth="repeat">
+      <a:schemeClr val="accent1"/>
+    </dgm:linClrLst>
+    <dgm:effectClrLst/>
+    <dgm:txLinClrLst/>
+    <dgm:txFillClrLst meth="repeat">
+      <a:schemeClr val="dk1"/>
+    </dgm:txFillClrLst>
+    <dgm:txEffectClrLst/>
+  </dgm:styleLbl>
+  <dgm:styleLbl name="fgAcc3">
+    <dgm:fillClrLst meth="repeat">
+      <a:schemeClr val="lt1">
+        <a:alpha val="90000"/>
+      </a:schemeClr>
+    </dgm:fillClrLst>
+    <dgm:linClrLst meth="repeat">
+      <a:schemeClr val="accent1"/>
+    </dgm:linClrLst>
+    <dgm:effectClrLst/>
+    <dgm:txLinClrLst/>
+    <dgm:txFillClrLst meth="repeat">
+      <a:schemeClr val="dk1"/>
+    </dgm:txFillClrLst>
+    <dgm:txEffectClrLst/>
+  </dgm:styleLbl>
+  <dgm:styleLbl name="fgAcc4">
+    <dgm:fillClrLst meth="repeat">
+      <a:schemeClr val="lt1">
+        <a:alpha val="90000"/>
+      </a:schemeClr>
+    </dgm:fillClrLst>
+    <dgm:linClrLst meth="repeat">
+      <a:schemeClr val="accent1"/>
+    </dgm:linClrLst>
+    <dgm:effectClrLst/>
+    <dgm:txLinClrLst/>
+    <dgm:txFillClrLst meth="repeat">
+      <a:schemeClr val="dk1"/>
+    </dgm:txFillClrLst>
+    <dgm:txEffectClrLst/>
+  </dgm:styleLbl>
+  <dgm:styleLbl name="bgShp">
+    <dgm:fillClrLst meth="repeat">
+      <a:schemeClr val="accent1">
+        <a:tint val="40000"/>
+      </a:schemeClr>
+    </dgm:fillClrLst>
+    <dgm:linClrLst meth="repeat">
+      <a:schemeClr val="accent1"/>
+    </dgm:linClrLst>
+    <dgm:effectClrLst/>
+    <dgm:txLinClrLst/>
+    <dgm:txFillClrLst meth="repeat">
+      <a:schemeClr val="dk1"/>
+    </dgm:txFillClrLst>
+    <dgm:txEffectClrLst/>
+  </dgm:styleLbl>
+  <dgm:styleLbl name="dkBgShp">
+    <dgm:fillClrLst meth="repeat">
+      <a:schemeClr val="accent1">
+        <a:shade val="80000"/>
+      </a:schemeClr>
+    </dgm:fillClrLst>
+    <dgm:linClrLst meth="repeat">
+      <a:schemeClr val="accent1"/>
+    </dgm:linClrLst>
+    <dgm:effectClrLst/>
+    <dgm:txLinClrLst/>
+    <dgm:txFillClrLst meth="repeat">
+      <a:schemeClr val="lt1"/>
+    </dgm:txFillClrLst>
+    <dgm:txEffectClrLst/>
+  </dgm:styleLbl>
+  <dgm:styleLbl name="trBgShp">
+    <dgm:fillClrLst meth="repeat">
+      <a:schemeClr val="accent1">
+        <a:tint val="50000"/>
+        <a:alpha val="40000"/>
+      </a:schemeClr>
+    </dgm:fillClrLst>
+    <dgm:linClrLst meth="repeat">
+      <a:schemeClr val="accent1"/>
+    </dgm:linClrLst>
+    <dgm:effectClrLst/>
+    <dgm:txLinClrLst/>
+    <dgm:txFillClrLst meth="repeat">
+      <a:schemeClr val="lt1"/>
+    </dgm:txFillClrLst>
+    <dgm:txEffectClrLst/>
+  </dgm:styleLbl>
+  <dgm:styleLbl name="fgShp">
+    <dgm:fillClrLst meth="repeat">
+      <a:schemeClr val="accent1">
+        <a:tint val="60000"/>
+      </a:schemeClr>
+    </dgm:fillClrLst>
+    <dgm:linClrLst meth="repeat">
+      <a:schemeClr val="lt1"/>
+    </dgm:linClrLst>
+    <dgm:effectClrLst/>
+    <dgm:txLinClrLst/>
+    <dgm:txFillClrLst meth="repeat">
+      <a:schemeClr val="dk1"/>
+    </dgm:txFillClrLst>
+    <dgm:txEffectClrLst/>
+  </dgm:styleLbl>
+  <dgm:styleLbl name="revTx">
+    <dgm:fillClrLst meth="repeat">
+      <a:schemeClr val="lt1">
+        <a:alpha val="0"/>
+      </a:schemeClr>
+    </dgm:fillClrLst>
+    <dgm:linClrLst meth="repeat">
+      <a:schemeClr val="dk1">
+        <a:alpha val="0"/>
+      </a:schemeClr>
+    </dgm:linClrLst>
+    <dgm:effectClrLst/>
+    <dgm:txLinClrLst/>
+    <dgm:txFillClrLst meth="repeat">
+      <a:schemeClr val="tx1"/>
+    </dgm:txFillClrLst>
+    <dgm:txEffectClrLst/>
+  </dgm:styleLbl>
+</dgm:colorsDef>
+</file>
+
+<file path=ppt/diagrams/data1.xml><?xml version="1.0" encoding="utf-8"?>
+<dgm:dataModel xmlns:dgm="http://schemas.openxmlformats.org/drawingml/2006/diagram" xmlns:a="http://schemas.openxmlformats.org/drawingml/2006/main">
+  <dgm:ptLst>
+    <dgm:pt modelId="{1F3077D8-7A85-4811-847C-01EBA43F6D05}" type="doc">
+      <dgm:prSet loTypeId="urn:microsoft.com/office/officeart/2005/8/layout/process1" loCatId="process" qsTypeId="urn:microsoft.com/office/officeart/2005/8/quickstyle/simple1" qsCatId="simple" csTypeId="urn:microsoft.com/office/officeart/2005/8/colors/accent1_2" csCatId="accent1" phldr="1"/>
+      <dgm:spPr/>
+    </dgm:pt>
+    <dgm:pt modelId="{7D486A42-E5EE-4DB3-B0E4-1D15C85E9DCA}">
+      <dgm:prSet phldrT="[Text]"/>
+      <dgm:spPr/>
+      <dgm:t>
+        <a:bodyPr/>
+        <a:lstStyle/>
+        <a:p>
+          <a:r>
+            <a:rPr lang="pl-PL" dirty="0"/>
+            <a:t>Całkowicie połączona (256, relu)</a:t>
+          </a:r>
+          <a:endParaRPr lang="en-US" dirty="0"/>
+        </a:p>
+      </dgm:t>
+    </dgm:pt>
+    <dgm:pt modelId="{6EFFA57A-799C-4F52-A845-1F9A1444C3D7}" type="parTrans" cxnId="{69747904-2B0D-43A1-A615-A48D1000F68E}">
+      <dgm:prSet/>
+      <dgm:spPr/>
+      <dgm:t>
+        <a:bodyPr/>
+        <a:lstStyle/>
+        <a:p>
+          <a:endParaRPr lang="en-US"/>
+        </a:p>
+      </dgm:t>
+    </dgm:pt>
+    <dgm:pt modelId="{0D19E802-EFEE-42BF-B1B8-63E520388A19}" type="sibTrans" cxnId="{69747904-2B0D-43A1-A615-A48D1000F68E}">
+      <dgm:prSet/>
+      <dgm:spPr/>
+      <dgm:t>
+        <a:bodyPr/>
+        <a:lstStyle/>
+        <a:p>
+          <a:endParaRPr lang="en-US"/>
+        </a:p>
+      </dgm:t>
+    </dgm:pt>
+    <dgm:pt modelId="{5AE51BA8-5AD9-4A09-A7B1-A20DAB28664E}">
+      <dgm:prSet phldrT="[Text]"/>
+      <dgm:spPr/>
+      <dgm:t>
+        <a:bodyPr/>
+        <a:lstStyle/>
+        <a:p>
+          <a:r>
+            <a:rPr lang="pl-PL" dirty="0"/>
+            <a:t>Dropout (0.5)</a:t>
+          </a:r>
+          <a:endParaRPr lang="en-US" dirty="0"/>
+        </a:p>
+      </dgm:t>
+    </dgm:pt>
+    <dgm:pt modelId="{4DD4C5A3-8E7E-4B3F-ADB7-9D8BDF92B914}" type="parTrans" cxnId="{FA474D97-D86B-4EBF-9912-87A7E12AD30C}">
+      <dgm:prSet/>
+      <dgm:spPr/>
+      <dgm:t>
+        <a:bodyPr/>
+        <a:lstStyle/>
+        <a:p>
+          <a:endParaRPr lang="en-US"/>
+        </a:p>
+      </dgm:t>
+    </dgm:pt>
+    <dgm:pt modelId="{410CCDC7-EF17-4A09-91B7-7AE7B7B96AD7}" type="sibTrans" cxnId="{FA474D97-D86B-4EBF-9912-87A7E12AD30C}">
+      <dgm:prSet/>
+      <dgm:spPr/>
+      <dgm:t>
+        <a:bodyPr/>
+        <a:lstStyle/>
+        <a:p>
+          <a:endParaRPr lang="en-US"/>
+        </a:p>
+      </dgm:t>
+    </dgm:pt>
+    <dgm:pt modelId="{4A0317CA-EDB5-40AF-9068-BB7E8C7D4437}">
+      <dgm:prSet phldrT="[Text]"/>
+      <dgm:spPr/>
+      <dgm:t>
+        <a:bodyPr/>
+        <a:lstStyle/>
+        <a:p>
+          <a:r>
+            <a:rPr lang="pl-PL" dirty="0"/>
+            <a:t>Całkowicie połączona (256, relu)</a:t>
+          </a:r>
+          <a:endParaRPr lang="en-US" dirty="0"/>
+        </a:p>
+      </dgm:t>
+    </dgm:pt>
+    <dgm:pt modelId="{F662A56D-06D1-416E-A79F-B146E57DE0FB}" type="parTrans" cxnId="{C87803B7-B859-4709-B556-C4B9C4AF7BAA}">
+      <dgm:prSet/>
+      <dgm:spPr/>
+      <dgm:t>
+        <a:bodyPr/>
+        <a:lstStyle/>
+        <a:p>
+          <a:endParaRPr lang="en-US"/>
+        </a:p>
+      </dgm:t>
+    </dgm:pt>
+    <dgm:pt modelId="{94088224-1D89-47C8-8C27-8B0FD917CDE3}" type="sibTrans" cxnId="{C87803B7-B859-4709-B556-C4B9C4AF7BAA}">
+      <dgm:prSet/>
+      <dgm:spPr/>
+      <dgm:t>
+        <a:bodyPr/>
+        <a:lstStyle/>
+        <a:p>
+          <a:endParaRPr lang="en-US"/>
+        </a:p>
+      </dgm:t>
+    </dgm:pt>
+    <dgm:pt modelId="{18C43662-51F6-4DEF-83FE-C5FC7BC80BDE}">
+      <dgm:prSet phldrT="[Text]"/>
+      <dgm:spPr/>
+      <dgm:t>
+        <a:bodyPr/>
+        <a:lstStyle/>
+        <a:p>
+          <a:r>
+            <a:rPr lang="pl-PL" dirty="0"/>
+            <a:t>Dropout (0.5)</a:t>
+          </a:r>
+          <a:endParaRPr lang="en-US" dirty="0"/>
+        </a:p>
+      </dgm:t>
+    </dgm:pt>
+    <dgm:pt modelId="{8BBFF88A-A5AD-43E5-AFA5-8B14515D690B}" type="parTrans" cxnId="{0BF5B64F-7991-4C74-9F12-09142DE918D1}">
+      <dgm:prSet/>
+      <dgm:spPr/>
+      <dgm:t>
+        <a:bodyPr/>
+        <a:lstStyle/>
+        <a:p>
+          <a:endParaRPr lang="en-US"/>
+        </a:p>
+      </dgm:t>
+    </dgm:pt>
+    <dgm:pt modelId="{5664A5DC-8F42-49BE-810C-E4F7748C4AD7}" type="sibTrans" cxnId="{0BF5B64F-7991-4C74-9F12-09142DE918D1}">
+      <dgm:prSet/>
+      <dgm:spPr/>
+      <dgm:t>
+        <a:bodyPr/>
+        <a:lstStyle/>
+        <a:p>
+          <a:endParaRPr lang="en-US"/>
+        </a:p>
+      </dgm:t>
+    </dgm:pt>
+    <dgm:pt modelId="{4D7AE804-1128-4157-BEA2-B85B8CC68A20}">
+      <dgm:prSet phldrT="[Text]"/>
+      <dgm:spPr/>
+      <dgm:t>
+        <a:bodyPr/>
+        <a:lstStyle/>
+        <a:p>
+          <a:r>
+            <a:rPr lang="pl-PL" dirty="0"/>
+            <a:t>Całkowicie połączona (2, softmax)</a:t>
+          </a:r>
+          <a:endParaRPr lang="en-US" dirty="0"/>
+        </a:p>
+      </dgm:t>
+    </dgm:pt>
+    <dgm:pt modelId="{F678CF73-2537-45D6-A453-36457E032C56}" type="parTrans" cxnId="{AAD6CAD0-0FCC-4DF4-93E3-8AD4F6930C82}">
+      <dgm:prSet/>
+      <dgm:spPr/>
+      <dgm:t>
+        <a:bodyPr/>
+        <a:lstStyle/>
+        <a:p>
+          <a:endParaRPr lang="en-US"/>
+        </a:p>
+      </dgm:t>
+    </dgm:pt>
+    <dgm:pt modelId="{7F3F1DF0-EDB2-4F01-A78C-7369DE9296F7}" type="sibTrans" cxnId="{AAD6CAD0-0FCC-4DF4-93E3-8AD4F6930C82}">
+      <dgm:prSet/>
+      <dgm:spPr/>
+      <dgm:t>
+        <a:bodyPr/>
+        <a:lstStyle/>
+        <a:p>
+          <a:endParaRPr lang="en-US"/>
+        </a:p>
+      </dgm:t>
+    </dgm:pt>
+    <dgm:pt modelId="{18549CAF-7307-45B4-894F-F98C9CA03819}" type="pres">
+      <dgm:prSet presAssocID="{1F3077D8-7A85-4811-847C-01EBA43F6D05}" presName="Name0" presStyleCnt="0">
+        <dgm:presLayoutVars>
+          <dgm:dir/>
+          <dgm:resizeHandles val="exact"/>
+        </dgm:presLayoutVars>
+      </dgm:prSet>
+      <dgm:spPr/>
+    </dgm:pt>
+    <dgm:pt modelId="{D67BA510-20FE-43AE-8D35-DC93A29970FE}" type="pres">
+      <dgm:prSet presAssocID="{7D486A42-E5EE-4DB3-B0E4-1D15C85E9DCA}" presName="node" presStyleLbl="node1" presStyleIdx="0" presStyleCnt="5" custScaleY="212637">
+        <dgm:presLayoutVars>
+          <dgm:bulletEnabled val="1"/>
+        </dgm:presLayoutVars>
+      </dgm:prSet>
+      <dgm:spPr/>
+    </dgm:pt>
+    <dgm:pt modelId="{11D0D8B8-8541-44FC-960D-C2A1665203FE}" type="pres">
+      <dgm:prSet presAssocID="{0D19E802-EFEE-42BF-B1B8-63E520388A19}" presName="sibTrans" presStyleLbl="sibTrans2D1" presStyleIdx="0" presStyleCnt="4"/>
+      <dgm:spPr/>
+    </dgm:pt>
+    <dgm:pt modelId="{5AFCA654-E37F-45A9-9A1A-400DEAF65721}" type="pres">
+      <dgm:prSet presAssocID="{0D19E802-EFEE-42BF-B1B8-63E520388A19}" presName="connectorText" presStyleLbl="sibTrans2D1" presStyleIdx="0" presStyleCnt="4"/>
+      <dgm:spPr/>
+    </dgm:pt>
+    <dgm:pt modelId="{C1C0C7FE-C721-4A87-BA92-0675E33E5CD9}" type="pres">
+      <dgm:prSet presAssocID="{5AE51BA8-5AD9-4A09-A7B1-A20DAB28664E}" presName="node" presStyleLbl="node1" presStyleIdx="1" presStyleCnt="5" custScaleY="212637">
+        <dgm:presLayoutVars>
+          <dgm:bulletEnabled val="1"/>
+        </dgm:presLayoutVars>
+      </dgm:prSet>
+      <dgm:spPr/>
+    </dgm:pt>
+    <dgm:pt modelId="{C3CAAEE3-CF5F-4FE7-B3A8-E069A494CA22}" type="pres">
+      <dgm:prSet presAssocID="{410CCDC7-EF17-4A09-91B7-7AE7B7B96AD7}" presName="sibTrans" presStyleLbl="sibTrans2D1" presStyleIdx="1" presStyleCnt="4"/>
+      <dgm:spPr/>
+    </dgm:pt>
+    <dgm:pt modelId="{314D51E8-8730-4BE5-B126-BF2C799FB507}" type="pres">
+      <dgm:prSet presAssocID="{410CCDC7-EF17-4A09-91B7-7AE7B7B96AD7}" presName="connectorText" presStyleLbl="sibTrans2D1" presStyleIdx="1" presStyleCnt="4"/>
+      <dgm:spPr/>
+    </dgm:pt>
+    <dgm:pt modelId="{B21A59DC-EBB0-4B43-BCD4-F26B077D4B59}" type="pres">
+      <dgm:prSet presAssocID="{4A0317CA-EDB5-40AF-9068-BB7E8C7D4437}" presName="node" presStyleLbl="node1" presStyleIdx="2" presStyleCnt="5" custScaleY="212637" custLinFactNeighborX="0" custLinFactNeighborY="0">
+        <dgm:presLayoutVars>
+          <dgm:bulletEnabled val="1"/>
+        </dgm:presLayoutVars>
+      </dgm:prSet>
+      <dgm:spPr/>
+    </dgm:pt>
+    <dgm:pt modelId="{E6A76A47-1829-4D8C-9011-1EDE3DF2779E}" type="pres">
+      <dgm:prSet presAssocID="{94088224-1D89-47C8-8C27-8B0FD917CDE3}" presName="sibTrans" presStyleLbl="sibTrans2D1" presStyleIdx="2" presStyleCnt="4"/>
+      <dgm:spPr/>
+    </dgm:pt>
+    <dgm:pt modelId="{8FF570ED-A26D-49BB-A651-E9C0FC10496E}" type="pres">
+      <dgm:prSet presAssocID="{94088224-1D89-47C8-8C27-8B0FD917CDE3}" presName="connectorText" presStyleLbl="sibTrans2D1" presStyleIdx="2" presStyleCnt="4"/>
+      <dgm:spPr/>
+    </dgm:pt>
+    <dgm:pt modelId="{4B99ABAF-EDC0-443C-8EE2-54CACBE9343F}" type="pres">
+      <dgm:prSet presAssocID="{18C43662-51F6-4DEF-83FE-C5FC7BC80BDE}" presName="node" presStyleLbl="node1" presStyleIdx="3" presStyleCnt="5" custScaleY="212637">
+        <dgm:presLayoutVars>
+          <dgm:bulletEnabled val="1"/>
+        </dgm:presLayoutVars>
+      </dgm:prSet>
+      <dgm:spPr/>
+    </dgm:pt>
+    <dgm:pt modelId="{49C53366-DFA8-4BE4-8A37-9895C6F090B0}" type="pres">
+      <dgm:prSet presAssocID="{5664A5DC-8F42-49BE-810C-E4F7748C4AD7}" presName="sibTrans" presStyleLbl="sibTrans2D1" presStyleIdx="3" presStyleCnt="4"/>
+      <dgm:spPr/>
+    </dgm:pt>
+    <dgm:pt modelId="{3306A2A2-AA1C-49B9-B161-81436A8399E2}" type="pres">
+      <dgm:prSet presAssocID="{5664A5DC-8F42-49BE-810C-E4F7748C4AD7}" presName="connectorText" presStyleLbl="sibTrans2D1" presStyleIdx="3" presStyleCnt="4"/>
+      <dgm:spPr/>
+    </dgm:pt>
+    <dgm:pt modelId="{DDFB2086-1888-462E-8B94-A9846A0EB121}" type="pres">
+      <dgm:prSet presAssocID="{4D7AE804-1128-4157-BEA2-B85B8CC68A20}" presName="node" presStyleLbl="node1" presStyleIdx="4" presStyleCnt="5" custScaleY="196280">
+        <dgm:presLayoutVars>
+          <dgm:bulletEnabled val="1"/>
+        </dgm:presLayoutVars>
+      </dgm:prSet>
+      <dgm:spPr/>
+    </dgm:pt>
+  </dgm:ptLst>
+  <dgm:cxnLst>
+    <dgm:cxn modelId="{69747904-2B0D-43A1-A615-A48D1000F68E}" srcId="{1F3077D8-7A85-4811-847C-01EBA43F6D05}" destId="{7D486A42-E5EE-4DB3-B0E4-1D15C85E9DCA}" srcOrd="0" destOrd="0" parTransId="{6EFFA57A-799C-4F52-A845-1F9A1444C3D7}" sibTransId="{0D19E802-EFEE-42BF-B1B8-63E520388A19}"/>
+    <dgm:cxn modelId="{989DCF0A-B685-414F-9605-179442D1D815}" type="presOf" srcId="{4D7AE804-1128-4157-BEA2-B85B8CC68A20}" destId="{DDFB2086-1888-462E-8B94-A9846A0EB121}" srcOrd="0" destOrd="0" presId="urn:microsoft.com/office/officeart/2005/8/layout/process1"/>
+    <dgm:cxn modelId="{11601A22-5E4A-450E-9EE4-45253D643964}" type="presOf" srcId="{0D19E802-EFEE-42BF-B1B8-63E520388A19}" destId="{5AFCA654-E37F-45A9-9A1A-400DEAF65721}" srcOrd="1" destOrd="0" presId="urn:microsoft.com/office/officeart/2005/8/layout/process1"/>
+    <dgm:cxn modelId="{A4222C62-497D-4604-823F-F6E9D6734525}" type="presOf" srcId="{0D19E802-EFEE-42BF-B1B8-63E520388A19}" destId="{11D0D8B8-8541-44FC-960D-C2A1665203FE}" srcOrd="0" destOrd="0" presId="urn:microsoft.com/office/officeart/2005/8/layout/process1"/>
+    <dgm:cxn modelId="{A8422F62-2E26-4188-8360-1015829BF406}" type="presOf" srcId="{4A0317CA-EDB5-40AF-9068-BB7E8C7D4437}" destId="{B21A59DC-EBB0-4B43-BCD4-F26B077D4B59}" srcOrd="0" destOrd="0" presId="urn:microsoft.com/office/officeart/2005/8/layout/process1"/>
+    <dgm:cxn modelId="{34E88564-CB5D-4697-BB30-AC00A4F801E9}" type="presOf" srcId="{18C43662-51F6-4DEF-83FE-C5FC7BC80BDE}" destId="{4B99ABAF-EDC0-443C-8EE2-54CACBE9343F}" srcOrd="0" destOrd="0" presId="urn:microsoft.com/office/officeart/2005/8/layout/process1"/>
+    <dgm:cxn modelId="{F6B2C165-6CE5-4936-874B-56AC2A0BE270}" type="presOf" srcId="{5664A5DC-8F42-49BE-810C-E4F7748C4AD7}" destId="{3306A2A2-AA1C-49B9-B161-81436A8399E2}" srcOrd="1" destOrd="0" presId="urn:microsoft.com/office/officeart/2005/8/layout/process1"/>
+    <dgm:cxn modelId="{E1773168-28CA-4286-9991-A099B04152BD}" type="presOf" srcId="{94088224-1D89-47C8-8C27-8B0FD917CDE3}" destId="{E6A76A47-1829-4D8C-9011-1EDE3DF2779E}" srcOrd="0" destOrd="0" presId="urn:microsoft.com/office/officeart/2005/8/layout/process1"/>
+    <dgm:cxn modelId="{0BF5B64F-7991-4C74-9F12-09142DE918D1}" srcId="{1F3077D8-7A85-4811-847C-01EBA43F6D05}" destId="{18C43662-51F6-4DEF-83FE-C5FC7BC80BDE}" srcOrd="3" destOrd="0" parTransId="{8BBFF88A-A5AD-43E5-AFA5-8B14515D690B}" sibTransId="{5664A5DC-8F42-49BE-810C-E4F7748C4AD7}"/>
+    <dgm:cxn modelId="{998C1252-6BC9-4AB9-BE1E-28192ED06822}" type="presOf" srcId="{5AE51BA8-5AD9-4A09-A7B1-A20DAB28664E}" destId="{C1C0C7FE-C721-4A87-BA92-0675E33E5CD9}" srcOrd="0" destOrd="0" presId="urn:microsoft.com/office/officeart/2005/8/layout/process1"/>
+    <dgm:cxn modelId="{55218852-6EE9-42A1-BF24-06408BE7BE46}" type="presOf" srcId="{410CCDC7-EF17-4A09-91B7-7AE7B7B96AD7}" destId="{C3CAAEE3-CF5F-4FE7-B3A8-E069A494CA22}" srcOrd="0" destOrd="0" presId="urn:microsoft.com/office/officeart/2005/8/layout/process1"/>
+    <dgm:cxn modelId="{29530874-B358-45FE-B64C-94EC12198D49}" type="presOf" srcId="{94088224-1D89-47C8-8C27-8B0FD917CDE3}" destId="{8FF570ED-A26D-49BB-A651-E9C0FC10496E}" srcOrd="1" destOrd="0" presId="urn:microsoft.com/office/officeart/2005/8/layout/process1"/>
+    <dgm:cxn modelId="{1850EF56-BD42-4974-8950-1D79B6AC15A2}" type="presOf" srcId="{1F3077D8-7A85-4811-847C-01EBA43F6D05}" destId="{18549CAF-7307-45B4-894F-F98C9CA03819}" srcOrd="0" destOrd="0" presId="urn:microsoft.com/office/officeart/2005/8/layout/process1"/>
+    <dgm:cxn modelId="{FA474D97-D86B-4EBF-9912-87A7E12AD30C}" srcId="{1F3077D8-7A85-4811-847C-01EBA43F6D05}" destId="{5AE51BA8-5AD9-4A09-A7B1-A20DAB28664E}" srcOrd="1" destOrd="0" parTransId="{4DD4C5A3-8E7E-4B3F-ADB7-9D8BDF92B914}" sibTransId="{410CCDC7-EF17-4A09-91B7-7AE7B7B96AD7}"/>
+    <dgm:cxn modelId="{0961C7AC-BFDC-4DB8-9BFF-B59DA1756AC7}" type="presOf" srcId="{5664A5DC-8F42-49BE-810C-E4F7748C4AD7}" destId="{49C53366-DFA8-4BE4-8A37-9895C6F090B0}" srcOrd="0" destOrd="0" presId="urn:microsoft.com/office/officeart/2005/8/layout/process1"/>
+    <dgm:cxn modelId="{C87803B7-B859-4709-B556-C4B9C4AF7BAA}" srcId="{1F3077D8-7A85-4811-847C-01EBA43F6D05}" destId="{4A0317CA-EDB5-40AF-9068-BB7E8C7D4437}" srcOrd="2" destOrd="0" parTransId="{F662A56D-06D1-416E-A79F-B146E57DE0FB}" sibTransId="{94088224-1D89-47C8-8C27-8B0FD917CDE3}"/>
+    <dgm:cxn modelId="{866562CF-5B7B-4156-BB58-AE84BDDF6D06}" type="presOf" srcId="{410CCDC7-EF17-4A09-91B7-7AE7B7B96AD7}" destId="{314D51E8-8730-4BE5-B126-BF2C799FB507}" srcOrd="1" destOrd="0" presId="urn:microsoft.com/office/officeart/2005/8/layout/process1"/>
+    <dgm:cxn modelId="{AAD6CAD0-0FCC-4DF4-93E3-8AD4F6930C82}" srcId="{1F3077D8-7A85-4811-847C-01EBA43F6D05}" destId="{4D7AE804-1128-4157-BEA2-B85B8CC68A20}" srcOrd="4" destOrd="0" parTransId="{F678CF73-2537-45D6-A453-36457E032C56}" sibTransId="{7F3F1DF0-EDB2-4F01-A78C-7369DE9296F7}"/>
+    <dgm:cxn modelId="{DCEE02F5-DB39-4681-93A4-ECD36C04A35F}" type="presOf" srcId="{7D486A42-E5EE-4DB3-B0E4-1D15C85E9DCA}" destId="{D67BA510-20FE-43AE-8D35-DC93A29970FE}" srcOrd="0" destOrd="0" presId="urn:microsoft.com/office/officeart/2005/8/layout/process1"/>
+    <dgm:cxn modelId="{5E9386E1-E18E-444E-B3FA-694AD71A6586}" type="presParOf" srcId="{18549CAF-7307-45B4-894F-F98C9CA03819}" destId="{D67BA510-20FE-43AE-8D35-DC93A29970FE}" srcOrd="0" destOrd="0" presId="urn:microsoft.com/office/officeart/2005/8/layout/process1"/>
+    <dgm:cxn modelId="{90E80DC0-56CC-44DA-9B5B-9FD8126F6FA9}" type="presParOf" srcId="{18549CAF-7307-45B4-894F-F98C9CA03819}" destId="{11D0D8B8-8541-44FC-960D-C2A1665203FE}" srcOrd="1" destOrd="0" presId="urn:microsoft.com/office/officeart/2005/8/layout/process1"/>
+    <dgm:cxn modelId="{95D4EF42-86E8-4127-8EBC-29986AEE2F78}" type="presParOf" srcId="{11D0D8B8-8541-44FC-960D-C2A1665203FE}" destId="{5AFCA654-E37F-45A9-9A1A-400DEAF65721}" srcOrd="0" destOrd="0" presId="urn:microsoft.com/office/officeart/2005/8/layout/process1"/>
+    <dgm:cxn modelId="{BD02E8B7-AEF9-4BA8-93FB-E9F54FF47CCC}" type="presParOf" srcId="{18549CAF-7307-45B4-894F-F98C9CA03819}" destId="{C1C0C7FE-C721-4A87-BA92-0675E33E5CD9}" srcOrd="2" destOrd="0" presId="urn:microsoft.com/office/officeart/2005/8/layout/process1"/>
+    <dgm:cxn modelId="{F76D7BDD-F33D-4F6D-B279-873B9CAA1F0A}" type="presParOf" srcId="{18549CAF-7307-45B4-894F-F98C9CA03819}" destId="{C3CAAEE3-CF5F-4FE7-B3A8-E069A494CA22}" srcOrd="3" destOrd="0" presId="urn:microsoft.com/office/officeart/2005/8/layout/process1"/>
+    <dgm:cxn modelId="{7276C2CB-92EB-4122-A0E9-AA2520D5C317}" type="presParOf" srcId="{C3CAAEE3-CF5F-4FE7-B3A8-E069A494CA22}" destId="{314D51E8-8730-4BE5-B126-BF2C799FB507}" srcOrd="0" destOrd="0" presId="urn:microsoft.com/office/officeart/2005/8/layout/process1"/>
+    <dgm:cxn modelId="{68250D2B-5456-438C-B3C7-20C6D9F5B988}" type="presParOf" srcId="{18549CAF-7307-45B4-894F-F98C9CA03819}" destId="{B21A59DC-EBB0-4B43-BCD4-F26B077D4B59}" srcOrd="4" destOrd="0" presId="urn:microsoft.com/office/officeart/2005/8/layout/process1"/>
+    <dgm:cxn modelId="{138DF97D-3A7B-4E1B-9763-B2B95E120CA4}" type="presParOf" srcId="{18549CAF-7307-45B4-894F-F98C9CA03819}" destId="{E6A76A47-1829-4D8C-9011-1EDE3DF2779E}" srcOrd="5" destOrd="0" presId="urn:microsoft.com/office/officeart/2005/8/layout/process1"/>
+    <dgm:cxn modelId="{B38CED30-CCD0-49DB-B617-6DAAAA2EBB23}" type="presParOf" srcId="{E6A76A47-1829-4D8C-9011-1EDE3DF2779E}" destId="{8FF570ED-A26D-49BB-A651-E9C0FC10496E}" srcOrd="0" destOrd="0" presId="urn:microsoft.com/office/officeart/2005/8/layout/process1"/>
+    <dgm:cxn modelId="{5C909E53-3DED-4CD1-A4B0-F641FFED1CCE}" type="presParOf" srcId="{18549CAF-7307-45B4-894F-F98C9CA03819}" destId="{4B99ABAF-EDC0-443C-8EE2-54CACBE9343F}" srcOrd="6" destOrd="0" presId="urn:microsoft.com/office/officeart/2005/8/layout/process1"/>
+    <dgm:cxn modelId="{7BD3EA15-8E2F-4CAC-A34D-6CE491585FFC}" type="presParOf" srcId="{18549CAF-7307-45B4-894F-F98C9CA03819}" destId="{49C53366-DFA8-4BE4-8A37-9895C6F090B0}" srcOrd="7" destOrd="0" presId="urn:microsoft.com/office/officeart/2005/8/layout/process1"/>
+    <dgm:cxn modelId="{C29A4CD0-5F11-4087-9663-CCADA9A6F7C1}" type="presParOf" srcId="{49C53366-DFA8-4BE4-8A37-9895C6F090B0}" destId="{3306A2A2-AA1C-49B9-B161-81436A8399E2}" srcOrd="0" destOrd="0" presId="urn:microsoft.com/office/officeart/2005/8/layout/process1"/>
+    <dgm:cxn modelId="{68085BB5-849E-442E-8136-53D39ED32336}" type="presParOf" srcId="{18549CAF-7307-45B4-894F-F98C9CA03819}" destId="{DDFB2086-1888-462E-8B94-A9846A0EB121}" srcOrd="8" destOrd="0" presId="urn:microsoft.com/office/officeart/2005/8/layout/process1"/>
+  </dgm:cxnLst>
+  <dgm:bg/>
+  <dgm:whole/>
+  <dgm:extLst>
+    <a:ext uri="http://schemas.microsoft.com/office/drawing/2008/diagram">
+      <dsp:dataModelExt xmlns:dsp="http://schemas.microsoft.com/office/drawing/2008/diagram" relId="rId6" minVer="http://schemas.openxmlformats.org/drawingml/2006/diagram"/>
+    </a:ext>
+  </dgm:extLst>
+</dgm:dataModel>
+</file>
+
+<file path=ppt/diagrams/drawing1.xml><?xml version="1.0" encoding="utf-8"?>
+<dsp:drawing xmlns:dgm="http://schemas.openxmlformats.org/drawingml/2006/diagram" xmlns:dsp="http://schemas.microsoft.com/office/drawing/2008/diagram" xmlns:a="http://schemas.openxmlformats.org/drawingml/2006/main">
+  <dsp:spTree>
+    <dsp:nvGrpSpPr>
+      <dsp:cNvPr id="0" name=""/>
+      <dsp:cNvGrpSpPr/>
+    </dsp:nvGrpSpPr>
+    <dsp:grpSpPr/>
+    <dsp:sp modelId="{D67BA510-20FE-43AE-8D35-DC93A29970FE}">
+      <dsp:nvSpPr>
+        <dsp:cNvPr id="0" name=""/>
+        <dsp:cNvSpPr/>
+      </dsp:nvSpPr>
+      <dsp:spPr>
+        <a:xfrm>
+          <a:off x="2976" y="1095894"/>
+          <a:ext cx="922734" cy="1872210"/>
+        </a:xfrm>
+        <a:prstGeom prst="roundRect">
+          <a:avLst>
+            <a:gd name="adj" fmla="val 10000"/>
+          </a:avLst>
+        </a:prstGeom>
+        <a:solidFill>
+          <a:schemeClr val="accent1">
+            <a:hueOff val="0"/>
+            <a:satOff val="0"/>
+            <a:lumOff val="0"/>
+            <a:alphaOff val="0"/>
+          </a:schemeClr>
+        </a:solidFill>
+        <a:ln w="12700" cap="flat" cmpd="sng" algn="ctr">
+          <a:solidFill>
+            <a:schemeClr val="lt1">
+              <a:hueOff val="0"/>
+              <a:satOff val="0"/>
+              <a:lumOff val="0"/>
+              <a:alphaOff val="0"/>
+            </a:schemeClr>
+          </a:solidFill>
+          <a:prstDash val="solid"/>
+          <a:miter lim="800000"/>
+        </a:ln>
+        <a:effectLst/>
+      </dsp:spPr>
+      <dsp:style>
+        <a:lnRef idx="2">
+          <a:scrgbClr r="0" g="0" b="0"/>
+        </a:lnRef>
+        <a:fillRef idx="1">
+          <a:scrgbClr r="0" g="0" b="0"/>
+        </a:fillRef>
+        <a:effectRef idx="0">
+          <a:scrgbClr r="0" g="0" b="0"/>
+        </a:effectRef>
+        <a:fontRef idx="minor">
+          <a:schemeClr val="lt1"/>
+        </a:fontRef>
+      </dsp:style>
+      <dsp:txBody>
+        <a:bodyPr spcFirstLastPara="0" vert="horz" wrap="square" lIns="49530" tIns="49530" rIns="49530" bIns="49530" numCol="1" spcCol="1270" anchor="ctr" anchorCtr="0">
+          <a:noAutofit/>
+        </a:bodyPr>
+        <a:lstStyle/>
+        <a:p>
+          <a:pPr marL="0" lvl="0" indent="0" algn="ctr" defTabSz="577850">
+            <a:lnSpc>
+              <a:spcPct val="90000"/>
+            </a:lnSpc>
+            <a:spcBef>
+              <a:spcPct val="0"/>
+            </a:spcBef>
+            <a:spcAft>
+              <a:spcPct val="35000"/>
+            </a:spcAft>
+            <a:buNone/>
+          </a:pPr>
+          <a:r>
+            <a:rPr lang="pl-PL" sz="1300" kern="1200" dirty="0"/>
+            <a:t>Całkowicie połączona (256, relu)</a:t>
+          </a:r>
+          <a:endParaRPr lang="en-US" sz="1300" kern="1200" dirty="0"/>
+        </a:p>
+      </dsp:txBody>
+      <dsp:txXfrm>
+        <a:off x="30002" y="1122920"/>
+        <a:ext cx="868682" cy="1818158"/>
+      </dsp:txXfrm>
+    </dsp:sp>
+    <dsp:sp modelId="{11D0D8B8-8541-44FC-960D-C2A1665203FE}">
+      <dsp:nvSpPr>
+        <dsp:cNvPr id="0" name=""/>
+        <dsp:cNvSpPr/>
+      </dsp:nvSpPr>
+      <dsp:spPr>
+        <a:xfrm>
+          <a:off x="1017984" y="1917580"/>
+          <a:ext cx="195619" cy="228838"/>
+        </a:xfrm>
+        <a:prstGeom prst="rightArrow">
+          <a:avLst>
+            <a:gd name="adj1" fmla="val 60000"/>
+            <a:gd name="adj2" fmla="val 50000"/>
+          </a:avLst>
+        </a:prstGeom>
+        <a:solidFill>
+          <a:schemeClr val="accent1">
+            <a:tint val="60000"/>
+            <a:hueOff val="0"/>
+            <a:satOff val="0"/>
+            <a:lumOff val="0"/>
+            <a:alphaOff val="0"/>
+          </a:schemeClr>
+        </a:solidFill>
+        <a:ln>
+          <a:noFill/>
+        </a:ln>
+        <a:effectLst/>
+      </dsp:spPr>
+      <dsp:style>
+        <a:lnRef idx="0">
+          <a:scrgbClr r="0" g="0" b="0"/>
+        </a:lnRef>
+        <a:fillRef idx="1">
+          <a:scrgbClr r="0" g="0" b="0"/>
+        </a:fillRef>
+        <a:effectRef idx="0">
+          <a:scrgbClr r="0" g="0" b="0"/>
+        </a:effectRef>
+        <a:fontRef idx="minor">
+          <a:schemeClr val="lt1"/>
+        </a:fontRef>
+      </dsp:style>
+      <dsp:txBody>
+        <a:bodyPr spcFirstLastPara="0" vert="horz" wrap="square" lIns="0" tIns="0" rIns="0" bIns="0" numCol="1" spcCol="1270" anchor="ctr" anchorCtr="0">
+          <a:noAutofit/>
+        </a:bodyPr>
+        <a:lstStyle/>
+        <a:p>
+          <a:pPr marL="0" lvl="0" indent="0" algn="ctr" defTabSz="400050">
+            <a:lnSpc>
+              <a:spcPct val="90000"/>
+            </a:lnSpc>
+            <a:spcBef>
+              <a:spcPct val="0"/>
+            </a:spcBef>
+            <a:spcAft>
+              <a:spcPct val="35000"/>
+            </a:spcAft>
+            <a:buNone/>
+          </a:pPr>
+          <a:endParaRPr lang="en-US" sz="900" kern="1200"/>
+        </a:p>
+      </dsp:txBody>
+      <dsp:txXfrm>
+        <a:off x="1017984" y="1963348"/>
+        <a:ext cx="136933" cy="137302"/>
+      </dsp:txXfrm>
+    </dsp:sp>
+    <dsp:sp modelId="{C1C0C7FE-C721-4A87-BA92-0675E33E5CD9}">
+      <dsp:nvSpPr>
+        <dsp:cNvPr id="0" name=""/>
+        <dsp:cNvSpPr/>
+      </dsp:nvSpPr>
+      <dsp:spPr>
+        <a:xfrm>
+          <a:off x="1294804" y="1095894"/>
+          <a:ext cx="922734" cy="1872210"/>
+        </a:xfrm>
+        <a:prstGeom prst="roundRect">
+          <a:avLst>
+            <a:gd name="adj" fmla="val 10000"/>
+          </a:avLst>
+        </a:prstGeom>
+        <a:solidFill>
+          <a:schemeClr val="accent1">
+            <a:hueOff val="0"/>
+            <a:satOff val="0"/>
+            <a:lumOff val="0"/>
+            <a:alphaOff val="0"/>
+          </a:schemeClr>
+        </a:solidFill>
+        <a:ln w="12700" cap="flat" cmpd="sng" algn="ctr">
+          <a:solidFill>
+            <a:schemeClr val="lt1">
+              <a:hueOff val="0"/>
+              <a:satOff val="0"/>
+              <a:lumOff val="0"/>
+              <a:alphaOff val="0"/>
+            </a:schemeClr>
+          </a:solidFill>
+          <a:prstDash val="solid"/>
+          <a:miter lim="800000"/>
+        </a:ln>
+        <a:effectLst/>
+      </dsp:spPr>
+      <dsp:style>
+        <a:lnRef idx="2">
+          <a:scrgbClr r="0" g="0" b="0"/>
+        </a:lnRef>
+        <a:fillRef idx="1">
+          <a:scrgbClr r="0" g="0" b="0"/>
+        </a:fillRef>
+        <a:effectRef idx="0">
+          <a:scrgbClr r="0" g="0" b="0"/>
+        </a:effectRef>
+        <a:fontRef idx="minor">
+          <a:schemeClr val="lt1"/>
+        </a:fontRef>
+      </dsp:style>
+      <dsp:txBody>
+        <a:bodyPr spcFirstLastPara="0" vert="horz" wrap="square" lIns="49530" tIns="49530" rIns="49530" bIns="49530" numCol="1" spcCol="1270" anchor="ctr" anchorCtr="0">
+          <a:noAutofit/>
+        </a:bodyPr>
+        <a:lstStyle/>
+        <a:p>
+          <a:pPr marL="0" lvl="0" indent="0" algn="ctr" defTabSz="577850">
+            <a:lnSpc>
+              <a:spcPct val="90000"/>
+            </a:lnSpc>
+            <a:spcBef>
+              <a:spcPct val="0"/>
+            </a:spcBef>
+            <a:spcAft>
+              <a:spcPct val="35000"/>
+            </a:spcAft>
+            <a:buNone/>
+          </a:pPr>
+          <a:r>
+            <a:rPr lang="pl-PL" sz="1300" kern="1200" dirty="0"/>
+            <a:t>Dropout (0.5)</a:t>
+          </a:r>
+          <a:endParaRPr lang="en-US" sz="1300" kern="1200" dirty="0"/>
+        </a:p>
+      </dsp:txBody>
+      <dsp:txXfrm>
+        <a:off x="1321830" y="1122920"/>
+        <a:ext cx="868682" cy="1818158"/>
+      </dsp:txXfrm>
+    </dsp:sp>
+    <dsp:sp modelId="{C3CAAEE3-CF5F-4FE7-B3A8-E069A494CA22}">
+      <dsp:nvSpPr>
+        <dsp:cNvPr id="0" name=""/>
+        <dsp:cNvSpPr/>
+      </dsp:nvSpPr>
+      <dsp:spPr>
+        <a:xfrm>
+          <a:off x="2309812" y="1917580"/>
+          <a:ext cx="195619" cy="228838"/>
+        </a:xfrm>
+        <a:prstGeom prst="rightArrow">
+          <a:avLst>
+            <a:gd name="adj1" fmla="val 60000"/>
+            <a:gd name="adj2" fmla="val 50000"/>
+          </a:avLst>
+        </a:prstGeom>
+        <a:solidFill>
+          <a:schemeClr val="accent1">
+            <a:tint val="60000"/>
+            <a:hueOff val="0"/>
+            <a:satOff val="0"/>
+            <a:lumOff val="0"/>
+            <a:alphaOff val="0"/>
+          </a:schemeClr>
+        </a:solidFill>
+        <a:ln>
+          <a:noFill/>
+        </a:ln>
+        <a:effectLst/>
+      </dsp:spPr>
+      <dsp:style>
+        <a:lnRef idx="0">
+          <a:scrgbClr r="0" g="0" b="0"/>
+        </a:lnRef>
+        <a:fillRef idx="1">
+          <a:scrgbClr r="0" g="0" b="0"/>
+        </a:fillRef>
+        <a:effectRef idx="0">
+          <a:scrgbClr r="0" g="0" b="0"/>
+        </a:effectRef>
+        <a:fontRef idx="minor">
+          <a:schemeClr val="lt1"/>
+        </a:fontRef>
+      </dsp:style>
+      <dsp:txBody>
+        <a:bodyPr spcFirstLastPara="0" vert="horz" wrap="square" lIns="0" tIns="0" rIns="0" bIns="0" numCol="1" spcCol="1270" anchor="ctr" anchorCtr="0">
+          <a:noAutofit/>
+        </a:bodyPr>
+        <a:lstStyle/>
+        <a:p>
+          <a:pPr marL="0" lvl="0" indent="0" algn="ctr" defTabSz="400050">
+            <a:lnSpc>
+              <a:spcPct val="90000"/>
+            </a:lnSpc>
+            <a:spcBef>
+              <a:spcPct val="0"/>
+            </a:spcBef>
+            <a:spcAft>
+              <a:spcPct val="35000"/>
+            </a:spcAft>
+            <a:buNone/>
+          </a:pPr>
+          <a:endParaRPr lang="en-US" sz="900" kern="1200"/>
+        </a:p>
+      </dsp:txBody>
+      <dsp:txXfrm>
+        <a:off x="2309812" y="1963348"/>
+        <a:ext cx="136933" cy="137302"/>
+      </dsp:txXfrm>
+    </dsp:sp>
+    <dsp:sp modelId="{B21A59DC-EBB0-4B43-BCD4-F26B077D4B59}">
+      <dsp:nvSpPr>
+        <dsp:cNvPr id="0" name=""/>
+        <dsp:cNvSpPr/>
+      </dsp:nvSpPr>
+      <dsp:spPr>
+        <a:xfrm>
+          <a:off x="2586632" y="1095894"/>
+          <a:ext cx="922734" cy="1872210"/>
+        </a:xfrm>
+        <a:prstGeom prst="roundRect">
+          <a:avLst>
+            <a:gd name="adj" fmla="val 10000"/>
+          </a:avLst>
+        </a:prstGeom>
+        <a:solidFill>
+          <a:schemeClr val="accent1">
+            <a:hueOff val="0"/>
+            <a:satOff val="0"/>
+            <a:lumOff val="0"/>
+            <a:alphaOff val="0"/>
+          </a:schemeClr>
+        </a:solidFill>
+        <a:ln w="12700" cap="flat" cmpd="sng" algn="ctr">
+          <a:solidFill>
+            <a:schemeClr val="lt1">
+              <a:hueOff val="0"/>
+              <a:satOff val="0"/>
+              <a:lumOff val="0"/>
+              <a:alphaOff val="0"/>
+            </a:schemeClr>
+          </a:solidFill>
+          <a:prstDash val="solid"/>
+          <a:miter lim="800000"/>
+        </a:ln>
+        <a:effectLst/>
+      </dsp:spPr>
+      <dsp:style>
+        <a:lnRef idx="2">
+          <a:scrgbClr r="0" g="0" b="0"/>
+        </a:lnRef>
+        <a:fillRef idx="1">
+          <a:scrgbClr r="0" g="0" b="0"/>
+        </a:fillRef>
+        <a:effectRef idx="0">
+          <a:scrgbClr r="0" g="0" b="0"/>
+        </a:effectRef>
+        <a:fontRef idx="minor">
+          <a:schemeClr val="lt1"/>
+        </a:fontRef>
+      </dsp:style>
+      <dsp:txBody>
+        <a:bodyPr spcFirstLastPara="0" vert="horz" wrap="square" lIns="49530" tIns="49530" rIns="49530" bIns="49530" numCol="1" spcCol="1270" anchor="ctr" anchorCtr="0">
+          <a:noAutofit/>
+        </a:bodyPr>
+        <a:lstStyle/>
+        <a:p>
+          <a:pPr marL="0" lvl="0" indent="0" algn="ctr" defTabSz="577850">
+            <a:lnSpc>
+              <a:spcPct val="90000"/>
+            </a:lnSpc>
+            <a:spcBef>
+              <a:spcPct val="0"/>
+            </a:spcBef>
+            <a:spcAft>
+              <a:spcPct val="35000"/>
+            </a:spcAft>
+            <a:buNone/>
+          </a:pPr>
+          <a:r>
+            <a:rPr lang="pl-PL" sz="1300" kern="1200" dirty="0"/>
+            <a:t>Całkowicie połączona (256, relu)</a:t>
+          </a:r>
+          <a:endParaRPr lang="en-US" sz="1300" kern="1200" dirty="0"/>
+        </a:p>
+      </dsp:txBody>
+      <dsp:txXfrm>
+        <a:off x="2613658" y="1122920"/>
+        <a:ext cx="868682" cy="1818158"/>
+      </dsp:txXfrm>
+    </dsp:sp>
+    <dsp:sp modelId="{E6A76A47-1829-4D8C-9011-1EDE3DF2779E}">
+      <dsp:nvSpPr>
+        <dsp:cNvPr id="0" name=""/>
+        <dsp:cNvSpPr/>
+      </dsp:nvSpPr>
+      <dsp:spPr>
+        <a:xfrm>
+          <a:off x="3601640" y="1917580"/>
+          <a:ext cx="195619" cy="228838"/>
+        </a:xfrm>
+        <a:prstGeom prst="rightArrow">
+          <a:avLst>
+            <a:gd name="adj1" fmla="val 60000"/>
+            <a:gd name="adj2" fmla="val 50000"/>
+          </a:avLst>
+        </a:prstGeom>
+        <a:solidFill>
+          <a:schemeClr val="accent1">
+            <a:tint val="60000"/>
+            <a:hueOff val="0"/>
+            <a:satOff val="0"/>
+            <a:lumOff val="0"/>
+            <a:alphaOff val="0"/>
+          </a:schemeClr>
+        </a:solidFill>
+        <a:ln>
+          <a:noFill/>
+        </a:ln>
+        <a:effectLst/>
+      </dsp:spPr>
+      <dsp:style>
+        <a:lnRef idx="0">
+          <a:scrgbClr r="0" g="0" b="0"/>
+        </a:lnRef>
+        <a:fillRef idx="1">
+          <a:scrgbClr r="0" g="0" b="0"/>
+        </a:fillRef>
+        <a:effectRef idx="0">
+          <a:scrgbClr r="0" g="0" b="0"/>
+        </a:effectRef>
+        <a:fontRef idx="minor">
+          <a:schemeClr val="lt1"/>
+        </a:fontRef>
+      </dsp:style>
+      <dsp:txBody>
+        <a:bodyPr spcFirstLastPara="0" vert="horz" wrap="square" lIns="0" tIns="0" rIns="0" bIns="0" numCol="1" spcCol="1270" anchor="ctr" anchorCtr="0">
+          <a:noAutofit/>
+        </a:bodyPr>
+        <a:lstStyle/>
+        <a:p>
+          <a:pPr marL="0" lvl="0" indent="0" algn="ctr" defTabSz="400050">
+            <a:lnSpc>
+              <a:spcPct val="90000"/>
+            </a:lnSpc>
+            <a:spcBef>
+              <a:spcPct val="0"/>
+            </a:spcBef>
+            <a:spcAft>
+              <a:spcPct val="35000"/>
+            </a:spcAft>
+            <a:buNone/>
+          </a:pPr>
+          <a:endParaRPr lang="en-US" sz="900" kern="1200"/>
+        </a:p>
+      </dsp:txBody>
+      <dsp:txXfrm>
+        <a:off x="3601640" y="1963348"/>
+        <a:ext cx="136933" cy="137302"/>
+      </dsp:txXfrm>
+    </dsp:sp>
+    <dsp:sp modelId="{4B99ABAF-EDC0-443C-8EE2-54CACBE9343F}">
+      <dsp:nvSpPr>
+        <dsp:cNvPr id="0" name=""/>
+        <dsp:cNvSpPr/>
+      </dsp:nvSpPr>
+      <dsp:spPr>
+        <a:xfrm>
+          <a:off x="3878460" y="1095894"/>
+          <a:ext cx="922734" cy="1872210"/>
+        </a:xfrm>
+        <a:prstGeom prst="roundRect">
+          <a:avLst>
+            <a:gd name="adj" fmla="val 10000"/>
+          </a:avLst>
+        </a:prstGeom>
+        <a:solidFill>
+          <a:schemeClr val="accent1">
+            <a:hueOff val="0"/>
+            <a:satOff val="0"/>
+            <a:lumOff val="0"/>
+            <a:alphaOff val="0"/>
+          </a:schemeClr>
+        </a:solidFill>
+        <a:ln w="12700" cap="flat" cmpd="sng" algn="ctr">
+          <a:solidFill>
+            <a:schemeClr val="lt1">
+              <a:hueOff val="0"/>
+              <a:satOff val="0"/>
+              <a:lumOff val="0"/>
+              <a:alphaOff val="0"/>
+            </a:schemeClr>
+          </a:solidFill>
+          <a:prstDash val="solid"/>
+          <a:miter lim="800000"/>
+        </a:ln>
+        <a:effectLst/>
+      </dsp:spPr>
+      <dsp:style>
+        <a:lnRef idx="2">
+          <a:scrgbClr r="0" g="0" b="0"/>
+        </a:lnRef>
+        <a:fillRef idx="1">
+          <a:scrgbClr r="0" g="0" b="0"/>
+        </a:fillRef>
+        <a:effectRef idx="0">
+          <a:scrgbClr r="0" g="0" b="0"/>
+        </a:effectRef>
+        <a:fontRef idx="minor">
+          <a:schemeClr val="lt1"/>
+        </a:fontRef>
+      </dsp:style>
+      <dsp:txBody>
+        <a:bodyPr spcFirstLastPara="0" vert="horz" wrap="square" lIns="49530" tIns="49530" rIns="49530" bIns="49530" numCol="1" spcCol="1270" anchor="ctr" anchorCtr="0">
+          <a:noAutofit/>
+        </a:bodyPr>
+        <a:lstStyle/>
+        <a:p>
+          <a:pPr marL="0" lvl="0" indent="0" algn="ctr" defTabSz="577850">
+            <a:lnSpc>
+              <a:spcPct val="90000"/>
+            </a:lnSpc>
+            <a:spcBef>
+              <a:spcPct val="0"/>
+            </a:spcBef>
+            <a:spcAft>
+              <a:spcPct val="35000"/>
+            </a:spcAft>
+            <a:buNone/>
+          </a:pPr>
+          <a:r>
+            <a:rPr lang="pl-PL" sz="1300" kern="1200" dirty="0"/>
+            <a:t>Dropout (0.5)</a:t>
+          </a:r>
+          <a:endParaRPr lang="en-US" sz="1300" kern="1200" dirty="0"/>
+        </a:p>
+      </dsp:txBody>
+      <dsp:txXfrm>
+        <a:off x="3905486" y="1122920"/>
+        <a:ext cx="868682" cy="1818158"/>
+      </dsp:txXfrm>
+    </dsp:sp>
+    <dsp:sp modelId="{49C53366-DFA8-4BE4-8A37-9895C6F090B0}">
+      <dsp:nvSpPr>
+        <dsp:cNvPr id="0" name=""/>
+        <dsp:cNvSpPr/>
+      </dsp:nvSpPr>
+      <dsp:spPr>
+        <a:xfrm>
+          <a:off x="4893468" y="1917580"/>
+          <a:ext cx="195619" cy="228838"/>
+        </a:xfrm>
+        <a:prstGeom prst="rightArrow">
+          <a:avLst>
+            <a:gd name="adj1" fmla="val 60000"/>
+            <a:gd name="adj2" fmla="val 50000"/>
+          </a:avLst>
+        </a:prstGeom>
+        <a:solidFill>
+          <a:schemeClr val="accent1">
+            <a:tint val="60000"/>
+            <a:hueOff val="0"/>
+            <a:satOff val="0"/>
+            <a:lumOff val="0"/>
+            <a:alphaOff val="0"/>
+          </a:schemeClr>
+        </a:solidFill>
+        <a:ln>
+          <a:noFill/>
+        </a:ln>
+        <a:effectLst/>
+      </dsp:spPr>
+      <dsp:style>
+        <a:lnRef idx="0">
+          <a:scrgbClr r="0" g="0" b="0"/>
+        </a:lnRef>
+        <a:fillRef idx="1">
+          <a:scrgbClr r="0" g="0" b="0"/>
+        </a:fillRef>
+        <a:effectRef idx="0">
+          <a:scrgbClr r="0" g="0" b="0"/>
+        </a:effectRef>
+        <a:fontRef idx="minor">
+          <a:schemeClr val="lt1"/>
+        </a:fontRef>
+      </dsp:style>
+      <dsp:txBody>
+        <a:bodyPr spcFirstLastPara="0" vert="horz" wrap="square" lIns="0" tIns="0" rIns="0" bIns="0" numCol="1" spcCol="1270" anchor="ctr" anchorCtr="0">
+          <a:noAutofit/>
+        </a:bodyPr>
+        <a:lstStyle/>
+        <a:p>
+          <a:pPr marL="0" lvl="0" indent="0" algn="ctr" defTabSz="400050">
+            <a:lnSpc>
+              <a:spcPct val="90000"/>
+            </a:lnSpc>
+            <a:spcBef>
+              <a:spcPct val="0"/>
+            </a:spcBef>
+            <a:spcAft>
+              <a:spcPct val="35000"/>
+            </a:spcAft>
+            <a:buNone/>
+          </a:pPr>
+          <a:endParaRPr lang="en-US" sz="900" kern="1200"/>
+        </a:p>
+      </dsp:txBody>
+      <dsp:txXfrm>
+        <a:off x="4893468" y="1963348"/>
+        <a:ext cx="136933" cy="137302"/>
+      </dsp:txXfrm>
+    </dsp:sp>
+    <dsp:sp modelId="{DDFB2086-1888-462E-8B94-A9846A0EB121}">
+      <dsp:nvSpPr>
+        <dsp:cNvPr id="0" name=""/>
+        <dsp:cNvSpPr/>
+      </dsp:nvSpPr>
+      <dsp:spPr>
+        <a:xfrm>
+          <a:off x="5170289" y="1167904"/>
+          <a:ext cx="922734" cy="1728191"/>
+        </a:xfrm>
+        <a:prstGeom prst="roundRect">
+          <a:avLst>
+            <a:gd name="adj" fmla="val 10000"/>
+          </a:avLst>
+        </a:prstGeom>
+        <a:solidFill>
+          <a:schemeClr val="accent1">
+            <a:hueOff val="0"/>
+            <a:satOff val="0"/>
+            <a:lumOff val="0"/>
+            <a:alphaOff val="0"/>
+          </a:schemeClr>
+        </a:solidFill>
+        <a:ln w="12700" cap="flat" cmpd="sng" algn="ctr">
+          <a:solidFill>
+            <a:schemeClr val="lt1">
+              <a:hueOff val="0"/>
+              <a:satOff val="0"/>
+              <a:lumOff val="0"/>
+              <a:alphaOff val="0"/>
+            </a:schemeClr>
+          </a:solidFill>
+          <a:prstDash val="solid"/>
+          <a:miter lim="800000"/>
+        </a:ln>
+        <a:effectLst/>
+      </dsp:spPr>
+      <dsp:style>
+        <a:lnRef idx="2">
+          <a:scrgbClr r="0" g="0" b="0"/>
+        </a:lnRef>
+        <a:fillRef idx="1">
+          <a:scrgbClr r="0" g="0" b="0"/>
+        </a:fillRef>
+        <a:effectRef idx="0">
+          <a:scrgbClr r="0" g="0" b="0"/>
+        </a:effectRef>
+        <a:fontRef idx="minor">
+          <a:schemeClr val="lt1"/>
+        </a:fontRef>
+      </dsp:style>
+      <dsp:txBody>
+        <a:bodyPr spcFirstLastPara="0" vert="horz" wrap="square" lIns="49530" tIns="49530" rIns="49530" bIns="49530" numCol="1" spcCol="1270" anchor="ctr" anchorCtr="0">
+          <a:noAutofit/>
+        </a:bodyPr>
+        <a:lstStyle/>
+        <a:p>
+          <a:pPr marL="0" lvl="0" indent="0" algn="ctr" defTabSz="577850">
+            <a:lnSpc>
+              <a:spcPct val="90000"/>
+            </a:lnSpc>
+            <a:spcBef>
+              <a:spcPct val="0"/>
+            </a:spcBef>
+            <a:spcAft>
+              <a:spcPct val="35000"/>
+            </a:spcAft>
+            <a:buNone/>
+          </a:pPr>
+          <a:r>
+            <a:rPr lang="pl-PL" sz="1300" kern="1200" dirty="0"/>
+            <a:t>Całkowicie połączona (2, softmax)</a:t>
+          </a:r>
+          <a:endParaRPr lang="en-US" sz="1300" kern="1200" dirty="0"/>
+        </a:p>
+      </dsp:txBody>
+      <dsp:txXfrm>
+        <a:off x="5197315" y="1194930"/>
+        <a:ext cx="868682" cy="1674139"/>
+      </dsp:txXfrm>
+    </dsp:sp>
+  </dsp:spTree>
+</dsp:drawing>
+</file>
+
+<file path=ppt/diagrams/layout1.xml><?xml version="1.0" encoding="utf-8"?>
+<dgm:layoutDef xmlns:dgm="http://schemas.openxmlformats.org/drawingml/2006/diagram" xmlns:a="http://schemas.openxmlformats.org/drawingml/2006/main" uniqueId="urn:microsoft.com/office/officeart/2005/8/layout/process1">
+  <dgm:title val=""/>
+  <dgm:desc val=""/>
+  <dgm:catLst>
+    <dgm:cat type="process" pri="1000"/>
+    <dgm:cat type="convert" pri="15000"/>
+  </dgm:catLst>
+  <dgm:sampData useDef="1">
+    <dgm:dataModel>
+      <dgm:ptLst/>
+      <dgm:bg/>
+      <dgm:whole/>
+    </dgm:dataModel>
+  </dgm:sampData>
+  <dgm:styleData>
+    <dgm:dataModel>
+      <dgm:ptLst>
+        <dgm:pt modelId="0" type="doc"/>
+        <dgm:pt modelId="1"/>
+        <dgm:pt modelId="2"/>
+      </dgm:ptLst>
+      <dgm:cxnLst>
+        <dgm:cxn modelId="3" srcId="0" destId="1" srcOrd="0" destOrd="0"/>
+        <dgm:cxn modelId="4" srcId="0" destId="2" srcOrd="1" destOrd="0"/>
+      </dgm:cxnLst>
+      <dgm:bg/>
+      <dgm:whole/>
+    </dgm:dataModel>
+  </dgm:styleData>
+  <dgm:clrData>
+    <dgm:dataModel>
+      <dgm:ptLst>
+        <dgm:pt modelId="0" type="doc"/>
+        <dgm:pt modelId="1"/>
+        <dgm:pt modelId="2"/>
+        <dgm:pt modelId="3"/>
+        <dgm:pt modelId="4"/>
+      </dgm:ptLst>
+      <dgm:cxnLst>
+        <dgm:cxn modelId="5" srcId="0" destId="1" srcOrd="0" destOrd="0"/>
+        <dgm:cxn modelId="6" srcId="0" destId="2" srcOrd="1" destOrd="0"/>
+        <dgm:cxn modelId="7" srcId="0" destId="3" srcOrd="2" destOrd="0"/>
+        <dgm:cxn modelId="8" srcId="0" destId="4" srcOrd="3" destOrd="0"/>
+      </dgm:cxnLst>
+      <dgm:bg/>
+      <dgm:whole/>
+    </dgm:dataModel>
+  </dgm:clrData>
+  <dgm:layoutNode name="Name0">
+    <dgm:varLst>
+      <dgm:dir/>
+      <dgm:resizeHandles val="exact"/>
+    </dgm:varLst>
+    <dgm:choose name="Name1">
+      <dgm:if name="Name2" func="var" arg="dir" op="equ" val="norm">
+        <dgm:alg type="lin"/>
+      </dgm:if>
+      <dgm:else name="Name3">
+        <dgm:alg type="lin">
+          <dgm:param type="linDir" val="fromR"/>
+        </dgm:alg>
+      </dgm:else>
+    </dgm:choose>
+    <dgm:shape xmlns:r="http://schemas.openxmlformats.org/officeDocument/2006/relationships" r:blip="">
+      <dgm:adjLst/>
+    </dgm:shape>
+    <dgm:presOf/>
+    <dgm:constrLst>
+      <dgm:constr type="w" for="ch" ptType="node" refType="w"/>
+      <dgm:constr type="h" for="ch" ptType="node" op="equ"/>
+      <dgm:constr type="primFontSz" for="ch" ptType="node" op="equ" val="65"/>
+      <dgm:constr type="w" for="ch" ptType="sibTrans" refType="w" refFor="ch" refPtType="node" op="equ" fact="0.4"/>
+      <dgm:constr type="h" for="ch" ptType="sibTrans" op="equ"/>
+      <dgm:constr type="primFontSz" for="des" forName="connectorText" op="equ" val="55"/>
+      <dgm:constr type="primFontSz" for="des" forName="connectorText" refType="primFontSz" refFor="ch" refPtType="node" op="lte" fact="0.8"/>
+    </dgm:constrLst>
+    <dgm:ruleLst/>
+    <dgm:forEach name="nodesForEach" axis="ch" ptType="node">
+      <dgm:layoutNode name="node">
+        <dgm:varLst>
+          <dgm:bulletEnabled val="1"/>
+        </dgm:varLst>
+        <dgm:alg type="tx"/>
+        <dgm:shape xmlns:r="http://schemas.openxmlformats.org/officeDocument/2006/relationships" type="roundRect" r:blip="">
+          <dgm:adjLst>
+            <dgm:adj idx="1" val="0.1"/>
+          </dgm:adjLst>
+        </dgm:shape>
+        <dgm:presOf axis="desOrSelf" ptType="node"/>
+        <dgm:constrLst>
+          <dgm:constr type="h" refType="w" fact="0.6"/>
+          <dgm:constr type="tMarg" refType="primFontSz" fact="0.3"/>
+          <dgm:constr type="bMarg" refType="primFontSz" fact="0.3"/>
+          <dgm:constr type="lMarg" refType="primFontSz" fact="0.3"/>
+          <dgm:constr type="rMarg" refType="primFontSz" fact="0.3"/>
+        </dgm:constrLst>
+        <dgm:ruleLst>
+          <dgm:rule type="primFontSz" val="18" fact="NaN" max="NaN"/>
+          <dgm:rule type="h" val="NaN" fact="1.5" max="NaN"/>
+          <dgm:rule type="primFontSz" val="5" fact="NaN" max="NaN"/>
+          <dgm:rule type="h" val="INF" fact="NaN" max="NaN"/>
+        </dgm:ruleLst>
+      </dgm:layoutNode>
+      <dgm:forEach name="sibTransForEach" axis="followSib" ptType="sibTrans" cnt="1">
+        <dgm:layoutNode name="sibTrans">
+          <dgm:alg type="conn">
+            <dgm:param type="begPts" val="auto"/>
+            <dgm:param type="endPts" val="auto"/>
+          </dgm:alg>
+          <dgm:shape xmlns:r="http://schemas.openxmlformats.org/officeDocument/2006/relationships" type="conn" r:blip="">
+            <dgm:adjLst/>
+          </dgm:shape>
+          <dgm:presOf axis="self"/>
+          <dgm:constrLst>
+            <dgm:constr type="h" refType="w" fact="0.62"/>
+            <dgm:constr type="connDist"/>
+            <dgm:constr type="begPad" refType="connDist" fact="0.25"/>
+            <dgm:constr type="endPad" refType="connDist" fact="0.22"/>
+          </dgm:constrLst>
+          <dgm:ruleLst/>
+          <dgm:layoutNode name="connectorText">
+            <dgm:alg type="tx">
+              <dgm:param type="autoTxRot" val="grav"/>
+            </dgm:alg>
+            <dgm:shape xmlns:r="http://schemas.openxmlformats.org/officeDocument/2006/relationships" type="conn" r:blip="" hideGeom="1">
+              <dgm:adjLst/>
+            </dgm:shape>
+            <dgm:presOf axis="self"/>
+            <dgm:constrLst>
+              <dgm:constr type="lMarg"/>
+              <dgm:constr type="rMarg"/>
+              <dgm:constr type="tMarg"/>
+              <dgm:constr type="bMarg"/>
+            </dgm:constrLst>
+            <dgm:ruleLst>
+              <dgm:rule type="primFontSz" val="5" fact="NaN" max="NaN"/>
+            </dgm:ruleLst>
+          </dgm:layoutNode>
+        </dgm:layoutNode>
+      </dgm:forEach>
+    </dgm:forEach>
+  </dgm:layoutNode>
+</dgm:layoutDef>
+</file>
+
+<file path=ppt/diagrams/quickStyle1.xml><?xml version="1.0" encoding="utf-8"?>
+<dgm:styleDef xmlns:dgm="http://schemas.openxmlformats.org/drawingml/2006/diagram" xmlns:a="http://schemas.openxmlformats.org/drawingml/2006/main" uniqueId="urn:microsoft.com/office/officeart/2005/8/quickstyle/simple1">
+  <dgm:title val=""/>
+  <dgm:desc val=""/>
+  <dgm:catLst>
+    <dgm:cat type="simple" pri="10100"/>
+  </dgm:catLst>
+  <dgm:scene3d>
+    <a:camera prst="orthographicFront"/>
+    <a:lightRig rig="threePt" dir="t"/>
+  </dgm:scene3d>
+  <dgm:styleLbl name="node0">
+    <dgm:scene3d>
+      <a:camera prst="orthographicFront"/>
+      <a:lightRig rig="threePt" dir="t"/>
+    </dgm:scene3d>
+    <dgm:sp3d/>
+    <dgm:txPr/>
+    <dgm:style>
+      <a:lnRef idx="2">
+        <a:scrgbClr r="0" g="0" b="0"/>
+      </a:lnRef>
+      <a:fillRef idx="1">
+        <a:scrgbClr r="0" g="0" b="0"/>
+      </a:fillRef>
+      <a:effectRef idx="0">
+        <a:scrgbClr r="0" g="0" b="0"/>
+      </a:effectRef>
+      <a:fontRef idx="minor">
+        <a:schemeClr val="lt1"/>
+      </a:fontRef>
+    </dgm:style>
+  </dgm:styleLbl>
+  <dgm:styleLbl name="lnNode1">
+    <dgm:scene3d>
+      <a:camera prst="orthographicFront"/>
+      <a:lightRig rig="threePt" dir="t"/>
+    </dgm:scene3d>
+    <dgm:sp3d/>
+    <dgm:txPr/>
+    <dgm:style>
+      <a:lnRef idx="2">
+        <a:scrgbClr r="0" g="0" b="0"/>
+      </a:lnRef>
+      <a:fillRef idx="1">
+        <a:scrgbClr r="0" g="0" b="0"/>
+      </a:fillRef>
+      <a:effectRef idx="0">
+        <a:scrgbClr r="0" g="0" b="0"/>
+      </a:effectRef>
+      <a:fontRef idx="minor">
+        <a:schemeClr val="lt1"/>
+      </a:fontRef>
+    </dgm:style>
+  </dgm:styleLbl>
+  <dgm:styleLbl name="vennNode1">
+    <dgm:scene3d>
+      <a:camera prst="orthographicFront"/>
+      <a:lightRig rig="threePt" dir="t"/>
+    </dgm:scene3d>
+    <dgm:sp3d/>
+    <dgm:txPr/>
+    <dgm:style>
+      <a:lnRef idx="2">
+        <a:scrgbClr r="0" g="0" b="0"/>
+      </a:lnRef>
+      <a:fillRef idx="1">
+        <a:scrgbClr r="0" g="0" b="0"/>
+      </a:fillRef>
+      <a:effectRef idx="0">
+        <a:scrgbClr r="0" g="0" b="0"/>
+      </a:effectRef>
+      <a:fontRef idx="minor">
+        <a:schemeClr val="tx1"/>
+      </a:fontRef>
+    </dgm:style>
+  </dgm:styleLbl>
+  <dgm:styleLbl name="alignNode1">
+    <dgm:scene3d>
+      <a:camera prst="orthographicFront"/>
+      <a:lightRig rig="threePt" dir="t"/>
+    </dgm:scene3d>
+    <dgm:sp3d/>
+    <dgm:txPr/>
+    <dgm:style>
+      <a:lnRef idx="2">
+        <a:scrgbClr r="0" g="0" b="0"/>
+      </a:lnRef>
+      <a:fillRef idx="1">
+        <a:scrgbClr r="0" g="0" b="0"/>
+      </a:fillRef>
+      <a:effectRef idx="0">
+        <a:scrgbClr r="0" g="0" b="0"/>
+      </a:effectRef>
+      <a:fontRef idx="minor">
+        <a:schemeClr val="lt1"/>
+      </a:fontRef>
+    </dgm:style>
+  </dgm:styleLbl>
+  <dgm:styleLbl name="node1">
+    <dgm:scene3d>
+      <a:camera prst="orthographicFront"/>
+      <a:lightRig rig="threePt" dir="t"/>
+    </dgm:scene3d>
+    <dgm:sp3d/>
+    <dgm:txPr/>
+    <dgm:style>
+      <a:lnRef idx="2">
+        <a:scrgbClr r="0" g="0" b="0"/>
+      </a:lnRef>
+      <a:fillRef idx="1">
+        <a:scrgbClr r="0" g="0" b="0"/>
+      </a:fillRef>
+      <a:effectRef idx="0">
+        <a:scrgbClr r="0" g="0" b="0"/>
+      </a:effectRef>
+      <a:fontRef idx="minor">
+        <a:schemeClr val="lt1"/>
+      </a:fontRef>
+    </dgm:style>
+  </dgm:styleLbl>
+  <dgm:styleLbl name="node2">
+    <dgm:scene3d>
+      <a:camera prst="orthographicFront"/>
+      <a:lightRig rig="threePt" dir="t"/>
+    </dgm:scene3d>
+    <dgm:sp3d/>
+    <dgm:txPr/>
+    <dgm:style>
+      <a:lnRef idx="2">
+        <a:scrgbClr r="0" g="0" b="0"/>
+      </a:lnRef>
+      <a:fillRef idx="1">
+        <a:scrgbClr r="0" g="0" b="0"/>
+      </a:fillRef>
+      <a:effectRef idx="0">
+        <a:scrgbClr r="0" g="0" b="0"/>
+      </a:effectRef>
+      <a:fontRef idx="minor">
+        <a:schemeClr val="lt1"/>
+      </a:fontRef>
+    </dgm:style>
+  </dgm:styleLbl>
+  <dgm:styleLbl name="node3">
+    <dgm:scene3d>
+      <a:camera prst="orthographicFront"/>
+      <a:lightRig rig="threePt" dir="t"/>
+    </dgm:scene3d>
+    <dgm:sp3d/>
+    <dgm:txPr/>
+    <dgm:style>
+      <a:lnRef idx="2">
+        <a:scrgbClr r="0" g="0" b="0"/>
+      </a:lnRef>
+      <a:fillRef idx="1">
+        <a:scrgbClr r="0" g="0" b="0"/>
+      </a:fillRef>
+      <a:effectRef idx="0">
+        <a:scrgbClr r="0" g="0" b="0"/>
+      </a:effectRef>
+      <a:fontRef idx="minor">
+        <a:schemeClr val="lt1"/>
+      </a:fontRef>
+    </dgm:style>
+  </dgm:styleLbl>
+  <dgm:styleLbl name="node4">
+    <dgm:scene3d>
+      <a:camera prst="orthographicFront"/>
+      <a:lightRig rig="threePt" dir="t"/>
+    </dgm:scene3d>
+    <dgm:sp3d/>
+    <dgm:txPr/>
+    <dgm:style>
+      <a:lnRef idx="2">
+        <a:scrgbClr r="0" g="0" b="0"/>
+      </a:lnRef>
+      <a:fillRef idx="1">
+        <a:scrgbClr r="0" g="0" b="0"/>
+      </a:fillRef>
+      <a:effectRef idx="0">
+        <a:scrgbClr r="0" g="0" b="0"/>
+      </a:effectRef>
+      <a:fontRef idx="minor">
+        <a:schemeClr val="lt1"/>
+      </a:fontRef>
+    </dgm:style>
+  </dgm:styleLbl>
+  <dgm:styleLbl name="fgImgPlace1">
+    <dgm:scene3d>
+      <a:camera prst="orthographicFront"/>
+      <a:lightRig rig="threePt" dir="t"/>
+    </dgm:scene3d>
+    <dgm:sp3d/>
+    <dgm:txPr/>
+    <dgm:style>
+      <a:lnRef idx="2">
+        <a:scrgbClr r="0" g="0" b="0"/>
+      </a:lnRef>
+      <a:fillRef idx="1">
+        <a:scrgbClr r="0" g="0" b="0"/>
+      </a:fillRef>
+      <a:effectRef idx="0">
+        <a:scrgbClr r="0" g="0" b="0"/>
+      </a:effectRef>
+      <a:fontRef idx="minor"/>
+    </dgm:style>
+  </dgm:styleLbl>
+  <dgm:styleLbl name="alignImgPlace1">
+    <dgm:scene3d>
+      <a:camera prst="orthographicFront"/>
+      <a:lightRig rig="threePt" dir="t"/>
+    </dgm:scene3d>
+    <dgm:sp3d/>
+    <dgm:txPr/>
+    <dgm:style>
+      <a:lnRef idx="2">
+        <a:scrgbClr r="0" g="0" b="0"/>
+      </a:lnRef>
+      <a:fillRef idx="1">
+        <a:scrgbClr r="0" g="0" b="0"/>
+      </a:fillRef>
+      <a:effectRef idx="0">
+        <a:scrgbClr r="0" g="0" b="0"/>
+      </a:effectRef>
+      <a:fontRef idx="minor"/>
+    </dgm:style>
+  </dgm:styleLbl>
+  <dgm:styleLbl name="bgImgPlace1">
+    <dgm:scene3d>
+      <a:camera prst="orthographicFront"/>
+      <a:lightRig rig="threePt" dir="t"/>
+    </dgm:scene3d>
+    <dgm:sp3d/>
+    <dgm:txPr/>
+    <dgm:style>
+      <a:lnRef idx="2">
+        <a:scrgbClr r="0" g="0" b="0"/>
+      </a:lnRef>
+      <a:fillRef idx="1">
+        <a:scrgbClr r="0" g="0" b="0"/>
+      </a:fillRef>
+      <a:effectRef idx="0">
+        <a:scrgbClr r="0" g="0" b="0"/>
+      </a:effectRef>
+      <a:fontRef idx="minor"/>
+    </dgm:style>
+  </dgm:styleLbl>
+  <dgm:styleLbl name="sibTrans2D1">
+    <dgm:scene3d>
+      <a:camera prst="orthographicFront"/>
+      <a:lightRig rig="threePt" dir="t"/>
+    </dgm:scene3d>
+    <dgm:sp3d/>
+    <dgm:txPr/>
+    <dgm:style>
+      <a:lnRef idx="0">
+        <a:scrgbClr r="0" g="0" b="0"/>
+      </a:lnRef>
+      <a:fillRef idx="1">
+        <a:scrgbClr r="0" g="0" b="0"/>
+      </a:fillRef>
+      <a:effectRef idx="0">
+        <a:scrgbClr r="0" g="0" b="0"/>
+      </a:effectRef>
+      <a:fontRef idx="minor">
+        <a:schemeClr val="lt1"/>
+      </a:fontRef>
+    </dgm:style>
+  </dgm:styleLbl>
+  <dgm:styleLbl name="fgSibTrans2D1">
+    <dgm:scene3d>
+      <a:camera prst="orthographicFront"/>
+      <a:lightRig rig="threePt" dir="t"/>
+    </dgm:scene3d>
+    <dgm:sp3d/>
+    <dgm:txPr/>
+    <dgm:style>
+      <a:lnRef idx="0">
+        <a:scrgbClr r="0" g="0" b="0"/>
+      </a:lnRef>
+      <a:fillRef idx="1">
+        <a:scrgbClr r="0" g="0" b="0"/>
+      </a:fillRef>
+      <a:effectRef idx="0">
+        <a:scrgbClr r="0" g="0" b="0"/>
+      </a:effectRef>
+      <a:fontRef idx="minor">
+        <a:schemeClr val="lt1"/>
+      </a:fontRef>
+    </dgm:style>
+  </dgm:styleLbl>
+  <dgm:styleLbl name="bgSibTrans2D1">
+    <dgm:scene3d>
+      <a:camera prst="orthographicFront"/>
+      <a:lightRig rig="threePt" dir="t"/>
+    </dgm:scene3d>
+    <dgm:sp3d/>
+    <dgm:txPr/>
+    <dgm:style>
+      <a:lnRef idx="0">
+        <a:scrgbClr r="0" g="0" b="0"/>
+      </a:lnRef>
+      <a:fillRef idx="1">
+        <a:scrgbClr r="0" g="0" b="0"/>
+      </a:fillRef>
+      <a:effectRef idx="0">
+        <a:scrgbClr r="0" g="0" b="0"/>
+      </a:effectRef>
+      <a:fontRef idx="minor">
+        <a:schemeClr val="lt1"/>
+      </a:fontRef>
+    </dgm:style>
+  </dgm:styleLbl>
+  <dgm:styleLbl name="sibTrans1D1">
+    <dgm:scene3d>
+      <a:camera prst="orthographicFront"/>
+      <a:lightRig rig="threePt" dir="t"/>
+    </dgm:scene3d>
+    <dgm:sp3d/>
+    <dgm:txPr/>
+    <dgm:style>
+      <a:lnRef idx="1">
+        <a:scrgbClr r="0" g="0" b="0"/>
+      </a:lnRef>
+      <a:fillRef idx="0">
+        <a:scrgbClr r="0" g="0" b="0"/>
+      </a:fillRef>
+      <a:effectRef idx="0">
+        <a:scrgbClr r="0" g="0" b="0"/>
+      </a:effectRef>
+      <a:fontRef idx="minor"/>
+    </dgm:style>
+  </dgm:styleLbl>
+  <dgm:styleLbl name="callout">
+    <dgm:scene3d>
+      <a:camera prst="orthographicFront"/>
+      <a:lightRig rig="threePt" dir="t"/>
+    </dgm:scene3d>
+    <dgm:sp3d/>
+    <dgm:txPr/>
+    <dgm:style>
+      <a:lnRef idx="2">
+        <a:scrgbClr r="0" g="0" b="0"/>
+      </a:lnRef>
+      <a:fillRef idx="1">
+        <a:scrgbClr r="0" g="0" b="0"/>
+      </a:fillRef>
+      <a:effectRef idx="0">
+        <a:scrgbClr r="0" g="0" b="0"/>
+      </a:effectRef>
+      <a:fontRef idx="minor"/>
+    </dgm:style>
+  </dgm:styleLbl>
+  <dgm:styleLbl name="asst0">
+    <dgm:scene3d>
+      <a:camera prst="orthographicFront"/>
+      <a:lightRig rig="threePt" dir="t"/>
+    </dgm:scene3d>
+    <dgm:sp3d/>
+    <dgm:txPr/>
+    <dgm:style>
+      <a:lnRef idx="2">
+        <a:scrgbClr r="0" g="0" b="0"/>
+      </a:lnRef>
+      <a:fillRef idx="1">
+        <a:scrgbClr r="0" g="0" b="0"/>
+      </a:fillRef>
+      <a:effectRef idx="0">
+        <a:scrgbClr r="0" g="0" b="0"/>
+      </a:effectRef>
+      <a:fontRef idx="minor">
+        <a:schemeClr val="lt1"/>
+      </a:fontRef>
+    </dgm:style>
+  </dgm:styleLbl>
+  <dgm:styleLbl name="asst1">
+    <dgm:scene3d>
+      <a:camera prst="orthographicFront"/>
+      <a:lightRig rig="threePt" dir="t"/>
+    </dgm:scene3d>
+    <dgm:sp3d/>
+    <dgm:txPr/>
+    <dgm:style>
+      <a:lnRef idx="2">
+        <a:scrgbClr r="0" g="0" b="0"/>
+      </a:lnRef>
+      <a:fillRef idx="1">
+        <a:scrgbClr r="0" g="0" b="0"/>
+      </a:fillRef>
+      <a:effectRef idx="0">
+        <a:scrgbClr r="0" g="0" b="0"/>
+      </a:effectRef>
+      <a:fontRef idx="minor">
+        <a:schemeClr val="lt1"/>
+      </a:fontRef>
+    </dgm:style>
+  </dgm:styleLbl>
+  <dgm:styleLbl name="asst2">
+    <dgm:scene3d>
+      <a:camera prst="orthographicFront"/>
+      <a:lightRig rig="threePt" dir="t"/>
+    </dgm:scene3d>
+    <dgm:sp3d/>
+    <dgm:txPr/>
+    <dgm:style>
+      <a:lnRef idx="2">
+        <a:scrgbClr r="0" g="0" b="0"/>
+      </a:lnRef>
+      <a:fillRef idx="1">
+        <a:scrgbClr r="0" g="0" b="0"/>
+      </a:fillRef>
+      <a:effectRef idx="0">
+        <a:scrgbClr r="0" g="0" b="0"/>
+      </a:effectRef>
+      <a:fontRef idx="minor">
+        <a:schemeClr val="lt1"/>
+      </a:fontRef>
+    </dgm:style>
+  </dgm:styleLbl>
+  <dgm:styleLbl name="asst3">
+    <dgm:scene3d>
+      <a:camera prst="orthographicFront"/>
+      <a:lightRig rig="threePt" dir="t"/>
+    </dgm:scene3d>
+    <dgm:sp3d/>
+    <dgm:txPr/>
+    <dgm:style>
+      <a:lnRef idx="2">
+        <a:scrgbClr r="0" g="0" b="0"/>
+      </a:lnRef>
+      <a:fillRef idx="1">
+        <a:scrgbClr r="0" g="0" b="0"/>
+      </a:fillRef>
+      <a:effectRef idx="0">
+        <a:scrgbClr r="0" g="0" b="0"/>
+      </a:effectRef>
+      <a:fontRef idx="minor">
+        <a:schemeClr val="lt1"/>
+      </a:fontRef>
+    </dgm:style>
+  </dgm:styleLbl>
+  <dgm:styleLbl name="asst4">
+    <dgm:scene3d>
+      <a:camera prst="orthographicFront"/>
+      <a:lightRig rig="threePt" dir="t"/>
+    </dgm:scene3d>
+    <dgm:sp3d/>
+    <dgm:txPr/>
+    <dgm:style>
+      <a:lnRef idx="2">
+        <a:scrgbClr r="0" g="0" b="0"/>
+      </a:lnRef>
+      <a:fillRef idx="1">
+        <a:scrgbClr r="0" g="0" b="0"/>
+      </a:fillRef>
+      <a:effectRef idx="0">
+        <a:scrgbClr r="0" g="0" b="0"/>
+      </a:effectRef>
+      <a:fontRef idx="minor">
+        <a:schemeClr val="lt1"/>
+      </a:fontRef>
+    </dgm:style>
+  </dgm:styleLbl>
+  <dgm:styleLbl name="parChTrans2D1">
+    <dgm:scene3d>
+      <a:camera prst="orthographicFront"/>
+      <a:lightRig rig="threePt" dir="t"/>
+    </dgm:scene3d>
+    <dgm:sp3d/>
+    <dgm:txPr/>
+    <dgm:style>
+      <a:lnRef idx="2">
+        <a:scrgbClr r="0" g="0" b="0"/>
+      </a:lnRef>
+      <a:fillRef idx="1">
+        <a:scrgbClr r="0" g="0" b="0"/>
+      </a:fillRef>
+      <a:effectRef idx="0">
+        <a:scrgbClr r="0" g="0" b="0"/>
+      </a:effectRef>
+      <a:fontRef idx="minor">
+        <a:schemeClr val="lt1"/>
+      </a:fontRef>
+    </dgm:style>
+  </dgm:styleLbl>
+  <dgm:styleLbl name="parChTrans2D2">
+    <dgm:scene3d>
+      <a:camera prst="orthographicFront"/>
+      <a:lightRig rig="threePt" dir="t"/>
+    </dgm:scene3d>
+    <dgm:sp3d/>
+    <dgm:txPr/>
+    <dgm:style>
+      <a:lnRef idx="2">
+        <a:scrgbClr r="0" g="0" b="0"/>
+      </a:lnRef>
+      <a:fillRef idx="1">
+        <a:scrgbClr r="0" g="0" b="0"/>
+      </a:fillRef>
+      <a:effectRef idx="0">
+        <a:scrgbClr r="0" g="0" b="0"/>
+      </a:effectRef>
+      <a:fontRef idx="minor">
+        <a:schemeClr val="lt1"/>
+      </a:fontRef>
+    </dgm:style>
+  </dgm:styleLbl>
+  <dgm:styleLbl name="parChTrans2D3">
+    <dgm:scene3d>
+      <a:camera prst="orthographicFront"/>
+      <a:lightRig rig="threePt" dir="t"/>
+    </dgm:scene3d>
+    <dgm:sp3d/>
+    <dgm:txPr/>
+    <dgm:style>
+      <a:lnRef idx="2">
+        <a:scrgbClr r="0" g="0" b="0"/>
+      </a:lnRef>
+      <a:fillRef idx="1">
+        <a:scrgbClr r="0" g="0" b="0"/>
+      </a:fillRef>
+      <a:effectRef idx="0">
+        <a:scrgbClr r="0" g="0" b="0"/>
+      </a:effectRef>
+      <a:fontRef idx="minor">
+        <a:schemeClr val="lt1"/>
+      </a:fontRef>
+    </dgm:style>
+  </dgm:styleLbl>
+  <dgm:styleLbl name="parChTrans2D4">
+    <dgm:scene3d>
+      <a:camera prst="orthographicFront"/>
+      <a:lightRig rig="threePt" dir="t"/>
+    </dgm:scene3d>
+    <dgm:sp3d/>
+    <dgm:txPr/>
+    <dgm:style>
+      <a:lnRef idx="2">
+        <a:scrgbClr r="0" g="0" b="0"/>
+      </a:lnRef>
+      <a:fillRef idx="1">
+        <a:scrgbClr r="0" g="0" b="0"/>
+      </a:fillRef>
+      <a:effectRef idx="0">
+        <a:scrgbClr r="0" g="0" b="0"/>
+      </a:effectRef>
+      <a:fontRef idx="minor">
+        <a:schemeClr val="lt1"/>
+      </a:fontRef>
+    </dgm:style>
+  </dgm:styleLbl>
+  <dgm:styleLbl name="parChTrans1D1">
+    <dgm:scene3d>
+      <a:camera prst="orthographicFront"/>
+      <a:lightRig rig="threePt" dir="t"/>
+    </dgm:scene3d>
+    <dgm:sp3d/>
+    <dgm:txPr/>
+    <dgm:style>
+      <a:lnRef idx="2">
+        <a:scrgbClr r="0" g="0" b="0"/>
+      </a:lnRef>
+      <a:fillRef idx="0">
+        <a:scrgbClr r="0" g="0" b="0"/>
+      </a:fillRef>
+      <a:effectRef idx="0">
+        <a:scrgbClr r="0" g="0" b="0"/>
+      </a:effectRef>
+      <a:fontRef idx="minor"/>
+    </dgm:style>
+  </dgm:styleLbl>
+  <dgm:styleLbl name="parChTrans1D2">
+    <dgm:scene3d>
+      <a:camera prst="orthographicFront"/>
+      <a:lightRig rig="threePt" dir="t"/>
+    </dgm:scene3d>
+    <dgm:sp3d/>
+    <dgm:txPr/>
+    <dgm:style>
+      <a:lnRef idx="2">
+        <a:scrgbClr r="0" g="0" b="0"/>
+      </a:lnRef>
+      <a:fillRef idx="0">
+        <a:scrgbClr r="0" g="0" b="0"/>
+      </a:fillRef>
+      <a:effectRef idx="0">
+        <a:scrgbClr r="0" g="0" b="0"/>
+      </a:effectRef>
+      <a:fontRef idx="minor"/>
+    </dgm:style>
+  </dgm:styleLbl>
+  <dgm:styleLbl name="parChTrans1D3">
+    <dgm:scene3d>
+      <a:camera prst="orthographicFront"/>
+      <a:lightRig rig="threePt" dir="t"/>
+    </dgm:scene3d>
+    <dgm:sp3d/>
+    <dgm:txPr/>
+    <dgm:style>
+      <a:lnRef idx="2">
+        <a:scrgbClr r="0" g="0" b="0"/>
+      </a:lnRef>
+      <a:fillRef idx="0">
+        <a:scrgbClr r="0" g="0" b="0"/>
+      </a:fillRef>
+      <a:effectRef idx="0">
+        <a:scrgbClr r="0" g="0" b="0"/>
+      </a:effectRef>
+      <a:fontRef idx="minor"/>
+    </dgm:style>
+  </dgm:styleLbl>
+  <dgm:styleLbl name="parChTrans1D4">
+    <dgm:scene3d>
+      <a:camera prst="orthographicFront"/>
+      <a:lightRig rig="threePt" dir="t"/>
+    </dgm:scene3d>
+    <dgm:sp3d/>
+    <dgm:txPr/>
+    <dgm:style>
+      <a:lnRef idx="2">
+        <a:scrgbClr r="0" g="0" b="0"/>
+      </a:lnRef>
+      <a:fillRef idx="0">
+        <a:scrgbClr r="0" g="0" b="0"/>
+      </a:fillRef>
+      <a:effectRef idx="0">
+        <a:scrgbClr r="0" g="0" b="0"/>
+      </a:effectRef>
+      <a:fontRef idx="minor"/>
+    </dgm:style>
+  </dgm:styleLbl>
+  <dgm:styleLbl name="fgAcc1">
+    <dgm:scene3d>
+      <a:camera prst="orthographicFront"/>
+      <a:lightRig rig="threePt" dir="t"/>
+    </dgm:scene3d>
+    <dgm:sp3d/>
+    <dgm:txPr/>
+    <dgm:style>
+      <a:lnRef idx="2">
+        <a:scrgbClr r="0" g="0" b="0"/>
+      </a:lnRef>
+      <a:fillRef idx="1">
+        <a:scrgbClr r="0" g="0" b="0"/>
+      </a:fillRef>
+      <a:effectRef idx="0">
+        <a:scrgbClr r="0" g="0" b="0"/>
+      </a:effectRef>
+      <a:fontRef idx="minor"/>
+    </dgm:style>
+  </dgm:styleLbl>
+  <dgm:styleLbl name="conFgAcc1">
+    <dgm:scene3d>
+      <a:camera prst="orthographicFront"/>
+      <a:lightRig rig="threePt" dir="t"/>
+    </dgm:scene3d>
+    <dgm:sp3d/>
+    <dgm:txPr/>
+    <dgm:style>
+      <a:lnRef idx="2">
+        <a:scrgbClr r="0" g="0" b="0"/>
+      </a:lnRef>
+      <a:fillRef idx="1">
+        <a:scrgbClr r="0" g="0" b="0"/>
+      </a:fillRef>
+      <a:effectRef idx="0">
+        <a:scrgbClr r="0" g="0" b="0"/>
+      </a:effectRef>
+      <a:fontRef idx="minor"/>
+    </dgm:style>
+  </dgm:styleLbl>
+  <dgm:styleLbl name="alignAcc1">
+    <dgm:scene3d>
+      <a:camera prst="orthographicFront"/>
+      <a:lightRig rig="threePt" dir="t"/>
+    </dgm:scene3d>
+    <dgm:sp3d/>
+    <dgm:txPr/>
+    <dgm:style>
+      <a:lnRef idx="2">
+        <a:scrgbClr r="0" g="0" b="0"/>
+      </a:lnRef>
+      <a:fillRef idx="1">
+        <a:scrgbClr r="0" g="0" b="0"/>
+      </a:fillRef>
+      <a:effectRef idx="0">
+        <a:scrgbClr r="0" g="0" b="0"/>
+      </a:effectRef>
+      <a:fontRef idx="minor"/>
+    </dgm:style>
+  </dgm:styleLbl>
+  <dgm:styleLbl name="trAlignAcc1">
+    <dgm:scene3d>
+      <a:camera prst="orthographicFront"/>
+      <a:lightRig rig="threePt" dir="t"/>
+    </dgm:scene3d>
+    <dgm:sp3d/>
+    <dgm:txPr/>
+    <dgm:style>
+      <a:lnRef idx="1">
+        <a:scrgbClr r="0" g="0" b="0"/>
+      </a:lnRef>
+      <a:fillRef idx="1">
+        <a:scrgbClr r="0" g="0" b="0"/>
+      </a:fillRef>
+      <a:effectRef idx="0">
+        <a:scrgbClr r="0" g="0" b="0"/>
+      </a:effectRef>
+      <a:fontRef idx="minor"/>
+    </dgm:style>
+  </dgm:styleLbl>
+  <dgm:styleLbl name="bgAcc1">
+    <dgm:scene3d>
+      <a:camera prst="orthographicFront"/>
+      <a:lightRig rig="threePt" dir="t"/>
+    </dgm:scene3d>
+    <dgm:sp3d/>
+    <dgm:txPr/>
+    <dgm:style>
+      <a:lnRef idx="2">
+        <a:scrgbClr r="0" g="0" b="0"/>
+      </a:lnRef>
+      <a:fillRef idx="1">
+        <a:scrgbClr r="0" g="0" b="0"/>
+      </a:fillRef>
+      <a:effectRef idx="0">
+        <a:scrgbClr r="0" g="0" b="0"/>
+      </a:effectRef>
+      <a:fontRef idx="minor"/>
+    </dgm:style>
+  </dgm:styleLbl>
+  <dgm:styleLbl name="solidFgAcc1">
+    <dgm:scene3d>
+      <a:camera prst="orthographicFront"/>
+      <a:lightRig rig="threePt" dir="t"/>
+    </dgm:scene3d>
+    <dgm:sp3d/>
+    <dgm:txPr/>
+    <dgm:style>
+      <a:lnRef idx="2">
+        <a:scrgbClr r="0" g="0" b="0"/>
+      </a:lnRef>
+      <a:fillRef idx="1">
+        <a:scrgbClr r="0" g="0" b="0"/>
+      </a:fillRef>
+      <a:effectRef idx="0">
+        <a:scrgbClr r="0" g="0" b="0"/>
+      </a:effectRef>
+      <a:fontRef idx="minor"/>
+    </dgm:style>
+  </dgm:styleLbl>
+  <dgm:styleLbl name="solidAlignAcc1">
+    <dgm:scene3d>
+      <a:camera prst="orthographicFront"/>
+      <a:lightRig rig="threePt" dir="t"/>
+    </dgm:scene3d>
+    <dgm:sp3d/>
+    <dgm:txPr/>
+    <dgm:style>
+      <a:lnRef idx="2">
+        <a:scrgbClr r="0" g="0" b="0"/>
+      </a:lnRef>
+      <a:fillRef idx="1">
+        <a:scrgbClr r="0" g="0" b="0"/>
+      </a:fillRef>
+      <a:effectRef idx="0">
+        <a:scrgbClr r="0" g="0" b="0"/>
+      </a:effectRef>
+      <a:fontRef idx="minor"/>
+    </dgm:style>
+  </dgm:styleLbl>
+  <dgm:styleLbl name="solidBgAcc1">
+    <dgm:scene3d>
+      <a:camera prst="orthographicFront"/>
+      <a:lightRig rig="threePt" dir="t"/>
+    </dgm:scene3d>
+    <dgm:sp3d/>
+    <dgm:txPr/>
+    <dgm:style>
+      <a:lnRef idx="2">
+        <a:scrgbClr r="0" g="0" b="0"/>
+      </a:lnRef>
+      <a:fillRef idx="1">
+        <a:scrgbClr r="0" g="0" b="0"/>
+      </a:fillRef>
+      <a:effectRef idx="0">
+        <a:scrgbClr r="0" g="0" b="0"/>
+      </a:effectRef>
+      <a:fontRef idx="minor"/>
+    </dgm:style>
+  </dgm:styleLbl>
+  <dgm:styleLbl name="fgAccFollowNode1">
+    <dgm:scene3d>
+      <a:camera prst="orthographicFront"/>
+      <a:lightRig rig="threePt" dir="t"/>
+    </dgm:scene3d>
+    <dgm:sp3d/>
+    <dgm:txPr/>
+    <dgm:style>
+      <a:lnRef idx="2">
+        <a:scrgbClr r="0" g="0" b="0"/>
+      </a:lnRef>
+      <a:fillRef idx="1">
+        <a:scrgbClr r="0" g="0" b="0"/>
+      </a:fillRef>
+      <a:effectRef idx="0">
+        <a:scrgbClr r="0" g="0" b="0"/>
+      </a:effectRef>
+      <a:fontRef idx="minor"/>
+    </dgm:style>
+  </dgm:styleLbl>
+  <dgm:styleLbl name="alignAccFollowNode1">
+    <dgm:scene3d>
+      <a:camera prst="orthographicFront"/>
+      <a:lightRig rig="threePt" dir="t"/>
+    </dgm:scene3d>
+    <dgm:sp3d/>
+    <dgm:txPr/>
+    <dgm:style>
+      <a:lnRef idx="2">
+        <a:scrgbClr r="0" g="0" b="0"/>
+      </a:lnRef>
+      <a:fillRef idx="1">
+        <a:scrgbClr r="0" g="0" b="0"/>
+      </a:fillRef>
+      <a:effectRef idx="0">
+        <a:scrgbClr r="0" g="0" b="0"/>
+      </a:effectRef>
+      <a:fontRef idx="minor"/>
+    </dgm:style>
+  </dgm:styleLbl>
+  <dgm:styleLbl name="bgAccFollowNode1">
+    <dgm:scene3d>
+      <a:camera prst="orthographicFront"/>
+      <a:lightRig rig="threePt" dir="t"/>
+    </dgm:scene3d>
+    <dgm:sp3d/>
+    <dgm:txPr/>
+    <dgm:style>
+      <a:lnRef idx="2">
+        <a:scrgbClr r="0" g="0" b="0"/>
+      </a:lnRef>
+      <a:fillRef idx="1">
+        <a:scrgbClr r="0" g="0" b="0"/>
+      </a:fillRef>
+      <a:effectRef idx="0">
+        <a:scrgbClr r="0" g="0" b="0"/>
+      </a:effectRef>
+      <a:fontRef idx="minor"/>
+    </dgm:style>
+  </dgm:styleLbl>
+  <dgm:styleLbl name="fgAcc0">
+    <dgm:scene3d>
+      <a:camera prst="orthographicFront"/>
+      <a:lightRig rig="threePt" dir="t"/>
+    </dgm:scene3d>
+    <dgm:sp3d/>
+    <dgm:txPr/>
+    <dgm:style>
+      <a:lnRef idx="2">
+        <a:scrgbClr r="0" g="0" b="0"/>
+      </a:lnRef>
+      <a:fillRef idx="1">
+        <a:scrgbClr r="0" g="0" b="0"/>
+      </a:fillRef>
+      <a:effectRef idx="0">
+        <a:scrgbClr r="0" g="0" b="0"/>
+      </a:effectRef>
+      <a:fontRef idx="minor"/>
+    </dgm:style>
+  </dgm:styleLbl>
+  <dgm:styleLbl name="fgAcc2">
+    <dgm:scene3d>
+      <a:camera prst="orthographicFront"/>
+      <a:lightRig rig="threePt" dir="t"/>
+    </dgm:scene3d>
+    <dgm:sp3d/>
+    <dgm:txPr/>
+    <dgm:style>
+      <a:lnRef idx="2">
+        <a:scrgbClr r="0" g="0" b="0"/>
+      </a:lnRef>
+      <a:fillRef idx="1">
+        <a:scrgbClr r="0" g="0" b="0"/>
+      </a:fillRef>
+      <a:effectRef idx="0">
+        <a:scrgbClr r="0" g="0" b="0"/>
+      </a:effectRef>
+      <a:fontRef idx="minor"/>
+    </dgm:style>
+  </dgm:styleLbl>
+  <dgm:styleLbl name="fgAcc3">
+    <dgm:scene3d>
+      <a:camera prst="orthographicFront"/>
+      <a:lightRig rig="threePt" dir="t"/>
+    </dgm:scene3d>
+    <dgm:sp3d/>
+    <dgm:txPr/>
+    <dgm:style>
+      <a:lnRef idx="2">
+        <a:scrgbClr r="0" g="0" b="0"/>
+      </a:lnRef>
+      <a:fillRef idx="1">
+        <a:scrgbClr r="0" g="0" b="0"/>
+      </a:fillRef>
+      <a:effectRef idx="0">
+        <a:scrgbClr r="0" g="0" b="0"/>
+      </a:effectRef>
+      <a:fontRef idx="minor"/>
+    </dgm:style>
+  </dgm:styleLbl>
+  <dgm:styleLbl name="fgAcc4">
+    <dgm:scene3d>
+      <a:camera prst="orthographicFront"/>
+      <a:lightRig rig="threePt" dir="t"/>
+    </dgm:scene3d>
+    <dgm:sp3d/>
+    <dgm:txPr/>
+    <dgm:style>
+      <a:lnRef idx="2">
+        <a:scrgbClr r="0" g="0" b="0"/>
+      </a:lnRef>
+      <a:fillRef idx="1">
+        <a:scrgbClr r="0" g="0" b="0"/>
+      </a:fillRef>
+      <a:effectRef idx="0">
+        <a:scrgbClr r="0" g="0" b="0"/>
+      </a:effectRef>
+      <a:fontRef idx="minor"/>
+    </dgm:style>
+  </dgm:styleLbl>
+  <dgm:styleLbl name="bgShp">
+    <dgm:scene3d>
+      <a:camera prst="orthographicFront"/>
+      <a:lightRig rig="threePt" dir="t"/>
+    </dgm:scene3d>
+    <dgm:sp3d/>
+    <dgm:txPr/>
+    <dgm:style>
+      <a:lnRef idx="0">
+        <a:scrgbClr r="0" g="0" b="0"/>
+      </a:lnRef>
+      <a:fillRef idx="1">
+        <a:scrgbClr r="0" g="0" b="0"/>
+      </a:fillRef>
+      <a:effectRef idx="0">
+        <a:scrgbClr r="0" g="0" b="0"/>
+      </a:effectRef>
+      <a:fontRef idx="minor"/>
+    </dgm:style>
+  </dgm:styleLbl>
+  <dgm:styleLbl name="dkBgShp">
+    <dgm:scene3d>
+      <a:camera prst="orthographicFront"/>
+      <a:lightRig rig="threePt" dir="t"/>
+    </dgm:scene3d>
+    <dgm:sp3d/>
+    <dgm:txPr/>
+    <dgm:style>
+      <a:lnRef idx="0">
+        <a:scrgbClr r="0" g="0" b="0"/>
+      </a:lnRef>
+      <a:fillRef idx="1">
+        <a:scrgbClr r="0" g="0" b="0"/>
+      </a:fillRef>
+      <a:effectRef idx="0">
+        <a:scrgbClr r="0" g="0" b="0"/>
+      </a:effectRef>
+      <a:fontRef idx="minor"/>
+    </dgm:style>
+  </dgm:styleLbl>
+  <dgm:styleLbl name="trBgShp">
+    <dgm:scene3d>
+      <a:camera prst="orthographicFront"/>
+      <a:lightRig rig="threePt" dir="t"/>
+    </dgm:scene3d>
+    <dgm:sp3d/>
+    <dgm:txPr/>
+    <dgm:style>
+      <a:lnRef idx="0">
+        <a:scrgbClr r="0" g="0" b="0"/>
+      </a:lnRef>
+      <a:fillRef idx="1">
+        <a:scrgbClr r="0" g="0" b="0"/>
+      </a:fillRef>
+      <a:effectRef idx="0">
+        <a:scrgbClr r="0" g="0" b="0"/>
+      </a:effectRef>
+      <a:fontRef idx="minor"/>
+    </dgm:style>
+  </dgm:styleLbl>
+  <dgm:styleLbl name="fgShp">
+    <dgm:scene3d>
+      <a:camera prst="orthographicFront"/>
+      <a:lightRig rig="threePt" dir="t"/>
+    </dgm:scene3d>
+    <dgm:sp3d/>
+    <dgm:txPr/>
+    <dgm:style>
+      <a:lnRef idx="2">
+        <a:scrgbClr r="0" g="0" b="0"/>
+      </a:lnRef>
+      <a:fillRef idx="1">
+        <a:scrgbClr r="0" g="0" b="0"/>
+      </a:fillRef>
+      <a:effectRef idx="0">
+        <a:scrgbClr r="0" g="0" b="0"/>
+      </a:effectRef>
+      <a:fontRef idx="minor"/>
+    </dgm:style>
+  </dgm:styleLbl>
+  <dgm:styleLbl name="revTx">
+    <dgm:scene3d>
+      <a:camera prst="orthographicFront"/>
+      <a:lightRig rig="threePt" dir="t"/>
+    </dgm:scene3d>
+    <dgm:sp3d/>
+    <dgm:txPr/>
+    <dgm:style>
+      <a:lnRef idx="0">
+        <a:scrgbClr r="0" g="0" b="0"/>
+      </a:lnRef>
+      <a:fillRef idx="0">
+        <a:scrgbClr r="0" g="0" b="0"/>
+      </a:fillRef>
+      <a:effectRef idx="0">
+        <a:scrgbClr r="0" g="0" b="0"/>
+      </a:effectRef>
+      <a:fontRef idx="minor"/>
+    </dgm:style>
+  </dgm:styleLbl>
+</dgm:styleDef>
 </file>
 
 <file path=ppt/slideLayouts/slideLayout1.xml><?xml version="1.0" encoding="utf-8"?>
@@ -407,7 +3351,7 @@
           <a:p>
             <a:fld id="{E0A2B525-4DC4-4D80-9B28-8E8A85A06424}" type="datetimeFigureOut">
               <a:rPr lang="ru-RU" smtClean="0"/>
-              <a:t>27.01.2020</a:t>
+              <a:t>31.01.2020</a:t>
             </a:fld>
             <a:endParaRPr lang="ru-RU"/>
           </a:p>
@@ -708,7 +3652,7 @@
           <a:p>
             <a:fld id="{E0A2B525-4DC4-4D80-9B28-8E8A85A06424}" type="datetimeFigureOut">
               <a:rPr lang="ru-RU" smtClean="0"/>
-              <a:t>27.01.2020</a:t>
+              <a:t>31.01.2020</a:t>
             </a:fld>
             <a:endParaRPr lang="ru-RU"/>
           </a:p>
@@ -989,7 +3933,7 @@
           <a:p>
             <a:fld id="{E0A2B525-4DC4-4D80-9B28-8E8A85A06424}" type="datetimeFigureOut">
               <a:rPr lang="ru-RU" smtClean="0"/>
-              <a:t>27.01.2020</a:t>
+              <a:t>31.01.2020</a:t>
             </a:fld>
             <a:endParaRPr lang="ru-RU"/>
           </a:p>
@@ -1188,7 +4132,7 @@
           <a:p>
             <a:fld id="{E0A2B525-4DC4-4D80-9B28-8E8A85A06424}" type="datetimeFigureOut">
               <a:rPr lang="ru-RU" smtClean="0"/>
-              <a:t>27.01.2020</a:t>
+              <a:t>31.01.2020</a:t>
             </a:fld>
             <a:endParaRPr lang="ru-RU"/>
           </a:p>
@@ -1411,7 +4355,7 @@
           <a:p>
             <a:fld id="{E0A2B525-4DC4-4D80-9B28-8E8A85A06424}" type="datetimeFigureOut">
               <a:rPr lang="ru-RU" smtClean="0"/>
-              <a:t>27.01.2020</a:t>
+              <a:t>31.01.2020</a:t>
             </a:fld>
             <a:endParaRPr lang="ru-RU"/>
           </a:p>
@@ -1608,7 +4552,7 @@
           <a:p>
             <a:fld id="{E0A2B525-4DC4-4D80-9B28-8E8A85A06424}" type="datetimeFigureOut">
               <a:rPr lang="ru-RU" smtClean="0"/>
-              <a:t>27.01.2020</a:t>
+              <a:t>31.01.2020</a:t>
             </a:fld>
             <a:endParaRPr lang="ru-RU"/>
           </a:p>
@@ -1855,7 +4799,7 @@
           <a:p>
             <a:fld id="{E0A2B525-4DC4-4D80-9B28-8E8A85A06424}" type="datetimeFigureOut">
               <a:rPr lang="ru-RU" smtClean="0"/>
-              <a:t>27.01.2020</a:t>
+              <a:t>31.01.2020</a:t>
             </a:fld>
             <a:endParaRPr lang="ru-RU"/>
           </a:p>
@@ -2102,7 +5046,7 @@
           <a:p>
             <a:fld id="{E0A2B525-4DC4-4D80-9B28-8E8A85A06424}" type="datetimeFigureOut">
               <a:rPr lang="ru-RU" smtClean="0"/>
-              <a:t>27.01.2020</a:t>
+              <a:t>31.01.2020</a:t>
             </a:fld>
             <a:endParaRPr lang="ru-RU"/>
           </a:p>
@@ -2349,7 +5293,7 @@
           <a:p>
             <a:fld id="{E0A2B525-4DC4-4D80-9B28-8E8A85A06424}" type="datetimeFigureOut">
               <a:rPr lang="ru-RU" smtClean="0"/>
-              <a:t>27.01.2020</a:t>
+              <a:t>31.01.2020</a:t>
             </a:fld>
             <a:endParaRPr lang="ru-RU"/>
           </a:p>
@@ -2596,7 +5540,7 @@
           <a:p>
             <a:fld id="{E0A2B525-4DC4-4D80-9B28-8E8A85A06424}" type="datetimeFigureOut">
               <a:rPr lang="ru-RU" smtClean="0"/>
-              <a:t>27.01.2020</a:t>
+              <a:t>31.01.2020</a:t>
             </a:fld>
             <a:endParaRPr lang="ru-RU"/>
           </a:p>
@@ -2867,7 +5811,7 @@
           <a:p>
             <a:fld id="{E0A2B525-4DC4-4D80-9B28-8E8A85A06424}" type="datetimeFigureOut">
               <a:rPr lang="ru-RU" smtClean="0"/>
-              <a:t>27.01.2020</a:t>
+              <a:t>31.01.2020</a:t>
             </a:fld>
             <a:endParaRPr lang="ru-RU"/>
           </a:p>
@@ -3304,7 +6248,7 @@
             <a:fld id="{FA74725E-9BBD-400D-9BC6-C17F4312B59B}" type="datetime1">
               <a:rPr lang="pl-PL" smtClean="0"/>
               <a:pPr/>
-              <a:t>27.01.2020</a:t>
+              <a:t>31.01.2020</a:t>
             </a:fld>
             <a:endParaRPr lang="pl-PL"/>
           </a:p>
@@ -3977,7 +6921,7 @@
             <a:fld id="{F317DF22-5C92-4FF1-A01C-A0CD364556D9}" type="datetime1">
               <a:rPr lang="pl-PL" smtClean="0"/>
               <a:pPr/>
-              <a:t>27.01.2020</a:t>
+              <a:t>31.01.2020</a:t>
             </a:fld>
             <a:endParaRPr lang="pl-PL"/>
           </a:p>
@@ -4274,7 +7218,7 @@
             <a:fld id="{034BFD8B-8FC8-4F4A-B5F7-5717190F435F}" type="datetime1">
               <a:rPr lang="pl-PL" smtClean="0"/>
               <a:pPr/>
-              <a:t>27.01.2020</a:t>
+              <a:t>31.01.2020</a:t>
             </a:fld>
             <a:endParaRPr lang="pl-PL"/>
           </a:p>
@@ -4672,7 +7616,7 @@
             <a:fld id="{66AE723E-EAE5-4335-92DD-06D87F82E55F}" type="datetime1">
               <a:rPr lang="pl-PL" smtClean="0"/>
               <a:pPr/>
-              <a:t>27.01.2020</a:t>
+              <a:t>31.01.2020</a:t>
             </a:fld>
             <a:endParaRPr lang="pl-PL"/>
           </a:p>
@@ -4816,7 +7760,7 @@
             <a:fld id="{38D5FE76-9559-491F-B605-0D9B04EE9DE6}" type="datetime1">
               <a:rPr lang="pl-PL" smtClean="0"/>
               <a:pPr/>
-              <a:t>27.01.2020</a:t>
+              <a:t>31.01.2020</a:t>
             </a:fld>
             <a:endParaRPr lang="pl-PL"/>
           </a:p>
@@ -6377,7 +9321,7 @@
             <a:fld id="{CF03277E-5176-4437-BE75-1B9436FABD5E}" type="datetime1">
               <a:rPr lang="pl-PL" smtClean="0"/>
               <a:pPr/>
-              <a:t>27.01.2020</a:t>
+              <a:t>31.01.2020</a:t>
             </a:fld>
             <a:endParaRPr lang="pl-PL"/>
           </a:p>
@@ -6498,7 +9442,7 @@
             <a:fld id="{86CDFF25-1611-478C-925A-E740B0D667B2}" type="datetime1">
               <a:rPr lang="pl-PL" smtClean="0"/>
               <a:pPr/>
-              <a:t>27.01.2020</a:t>
+              <a:t>31.01.2020</a:t>
             </a:fld>
             <a:endParaRPr lang="pl-PL"/>
           </a:p>
@@ -7040,7 +9984,7 @@
             <a:fld id="{60276E08-4478-416B-B2F0-E483D383A9AC}" type="datetime1">
               <a:rPr lang="pl-PL" smtClean="0"/>
               <a:pPr/>
-              <a:t>27.01.2020</a:t>
+              <a:t>31.01.2020</a:t>
             </a:fld>
             <a:endParaRPr lang="pl-PL"/>
           </a:p>
@@ -7323,7 +10267,7 @@
             <a:fld id="{0CD773E7-2378-4EFB-8159-99C69053EDF7}" type="datetime1">
               <a:rPr lang="pl-PL" smtClean="0"/>
               <a:pPr/>
-              <a:t>27.01.2020</a:t>
+              <a:t>31.01.2020</a:t>
             </a:fld>
             <a:endParaRPr lang="pl-PL"/>
           </a:p>
@@ -7548,7 +10492,7 @@
             <a:fld id="{19EA7272-7C86-4C61-A8D1-42B38A9F41FA}" type="datetime1">
               <a:rPr lang="pl-PL" smtClean="0"/>
               <a:pPr/>
-              <a:t>27.01.2020</a:t>
+              <a:t>31.01.2020</a:t>
             </a:fld>
             <a:endParaRPr lang="pl-PL" dirty="0"/>
           </a:p>
@@ -7773,7 +10717,7 @@
             <a:fld id="{346FA071-7161-4BEC-938E-7B7DA67F8CEF}" type="datetime1">
               <a:rPr lang="pl-PL" smtClean="0"/>
               <a:pPr/>
-              <a:t>27.01.2020</a:t>
+              <a:t>31.01.2020</a:t>
             </a:fld>
             <a:endParaRPr lang="pl-PL" dirty="0"/>
           </a:p>
@@ -7948,7 +10892,7 @@
             <a:fld id="{D535FD4E-F1C3-4B4E-BCF3-0BBE06B1D104}" type="datetime1">
               <a:rPr lang="pl-PL" smtClean="0"/>
               <a:pPr/>
-              <a:t>27.01.2020</a:t>
+              <a:t>31.01.2020</a:t>
             </a:fld>
             <a:endParaRPr lang="pl-PL"/>
           </a:p>
@@ -8196,7 +11140,7 @@
             <a:fld id="{D319A22D-69A8-4F72-9A6F-9452D918D22C}" type="datetime1">
               <a:rPr lang="pl-PL" smtClean="0"/>
               <a:pPr/>
-              <a:t>27.01.2020</a:t>
+              <a:t>31.01.2020</a:t>
             </a:fld>
             <a:endParaRPr lang="pl-PL"/>
           </a:p>
@@ -8444,7 +11388,7 @@
             <a:fld id="{658DBF10-0C31-4D0E-A3AE-23BBC08849A0}" type="datetime1">
               <a:rPr lang="pl-PL" smtClean="0"/>
               <a:pPr/>
-              <a:t>27.01.2020</a:t>
+              <a:t>31.01.2020</a:t>
             </a:fld>
             <a:endParaRPr lang="pl-PL"/>
           </a:p>
@@ -8692,7 +11636,7 @@
             <a:fld id="{D97F7A4A-4302-472B-B494-B11FE5488642}" type="datetime1">
               <a:rPr lang="pl-PL" smtClean="0"/>
               <a:pPr/>
-              <a:t>27.01.2020</a:t>
+              <a:t>31.01.2020</a:t>
             </a:fld>
             <a:endParaRPr lang="pl-PL"/>
           </a:p>
@@ -8940,7 +11884,7 @@
             <a:fld id="{51968386-BB2C-47E0-AF1D-B94F15444D88}" type="datetime1">
               <a:rPr lang="pl-PL" smtClean="0"/>
               <a:pPr/>
-              <a:t>27.01.2020</a:t>
+              <a:t>31.01.2020</a:t>
             </a:fld>
             <a:endParaRPr lang="pl-PL"/>
           </a:p>
@@ -9446,7 +12390,7 @@
           <a:p>
             <a:fld id="{E0A2B525-4DC4-4D80-9B28-8E8A85A06424}" type="datetimeFigureOut">
               <a:rPr lang="ru-RU" smtClean="0"/>
-              <a:t>27.01.2020</a:t>
+              <a:t>31.01.2020</a:t>
             </a:fld>
             <a:endParaRPr lang="ru-RU"/>
           </a:p>
@@ -9740,7 +12684,7 @@
           <a:p>
             <a:fld id="{E0A2B525-4DC4-4D80-9B28-8E8A85A06424}" type="datetimeFigureOut">
               <a:rPr lang="ru-RU" smtClean="0"/>
-              <a:t>27.01.2020</a:t>
+              <a:t>31.01.2020</a:t>
             </a:fld>
             <a:endParaRPr lang="ru-RU"/>
           </a:p>
@@ -10131,7 +13075,7 @@
           <a:p>
             <a:fld id="{E0A2B525-4DC4-4D80-9B28-8E8A85A06424}" type="datetimeFigureOut">
               <a:rPr lang="ru-RU" smtClean="0"/>
-              <a:t>27.01.2020</a:t>
+              <a:t>31.01.2020</a:t>
             </a:fld>
             <a:endParaRPr lang="ru-RU"/>
           </a:p>
@@ -10273,7 +13217,7 @@
           <a:p>
             <a:fld id="{E0A2B525-4DC4-4D80-9B28-8E8A85A06424}" type="datetimeFigureOut">
               <a:rPr lang="ru-RU" smtClean="0"/>
-              <a:t>27.01.2020</a:t>
+              <a:t>31.01.2020</a:t>
             </a:fld>
             <a:endParaRPr lang="ru-RU"/>
           </a:p>
@@ -11838,7 +14782,7 @@
           <a:p>
             <a:fld id="{E0A2B525-4DC4-4D80-9B28-8E8A85A06424}" type="datetimeFigureOut">
               <a:rPr lang="ru-RU" smtClean="0"/>
-              <a:t>27.01.2020</a:t>
+              <a:t>31.01.2020</a:t>
             </a:fld>
             <a:endParaRPr lang="ru-RU"/>
           </a:p>
@@ -12059,7 +15003,7 @@
           <a:p>
             <a:fld id="{E0A2B525-4DC4-4D80-9B28-8E8A85A06424}" type="datetimeFigureOut">
               <a:rPr lang="ru-RU" smtClean="0"/>
-              <a:t>27.01.2020</a:t>
+              <a:t>31.01.2020</a:t>
             </a:fld>
             <a:endParaRPr lang="ru-RU"/>
           </a:p>
@@ -12592,7 +15536,7 @@
             <a:fld id="{9187ACAA-BA05-403C-B094-06E99B1B296A}" type="datetime1">
               <a:rPr lang="pl-PL" smtClean="0"/>
               <a:pPr/>
-              <a:t>27.01.2020</a:t>
+              <a:t>31.01.2020</a:t>
             </a:fld>
             <a:endParaRPr lang="pl-PL"/>
           </a:p>
@@ -13155,6 +16099,237 @@
         </p:spPr>
       </p:pic>
     </p:spTree>
+  </p:cSld>
+  <p:clrMapOvr>
+    <a:masterClrMapping/>
+  </p:clrMapOvr>
+</p:sld>
+</file>
+
+<file path=ppt/slides/slide3.xml><?xml version="1.0" encoding="utf-8"?>
+<p:sld xmlns:a="http://schemas.openxmlformats.org/drawingml/2006/main" xmlns:r="http://schemas.openxmlformats.org/officeDocument/2006/relationships" xmlns:p="http://schemas.openxmlformats.org/presentationml/2006/main">
+  <p:cSld>
+    <p:spTree>
+      <p:nvGrpSpPr>
+        <p:cNvPr id="1" name=""/>
+        <p:cNvGrpSpPr/>
+        <p:nvPr/>
+      </p:nvGrpSpPr>
+      <p:grpSpPr>
+        <a:xfrm>
+          <a:off x="0" y="0"/>
+          <a:ext cx="0" cy="0"/>
+          <a:chOff x="0" y="0"/>
+          <a:chExt cx="0" cy="0"/>
+        </a:xfrm>
+      </p:grpSpPr>
+      <p:sp>
+        <p:nvSpPr>
+          <p:cNvPr id="4" name="Title 3">
+            <a:extLst>
+              <a:ext uri="{FF2B5EF4-FFF2-40B4-BE49-F238E27FC236}">
+                <a16:creationId xmlns:a16="http://schemas.microsoft.com/office/drawing/2014/main" id="{ADF3CFB5-5AAE-4DD1-B7D6-5E37AD34B832}"/>
+              </a:ext>
+            </a:extLst>
+          </p:cNvPr>
+          <p:cNvSpPr>
+            <a:spLocks noGrp="1"/>
+          </p:cNvSpPr>
+          <p:nvPr>
+            <p:ph type="title"/>
+          </p:nvPr>
+        </p:nvSpPr>
+        <p:spPr/>
+        <p:txBody>
+          <a:bodyPr/>
+          <a:lstStyle/>
+          <a:p>
+            <a:r>
+              <a:rPr lang="en-US" dirty="0"/>
+              <a:t>Mel Frequency Cepstral Coefficient</a:t>
+            </a:r>
+            <a:r>
+              <a:rPr lang="pl-PL" dirty="0"/>
+              <a:t>s</a:t>
+            </a:r>
+            <a:endParaRPr lang="en-US" dirty="0"/>
+          </a:p>
+        </p:txBody>
+      </p:sp>
+      <p:pic>
+        <p:nvPicPr>
+          <p:cNvPr id="1026" name="Picture 2" descr="Image result for mfcc">
+            <a:extLst>
+              <a:ext uri="{FF2B5EF4-FFF2-40B4-BE49-F238E27FC236}">
+                <a16:creationId xmlns:a16="http://schemas.microsoft.com/office/drawing/2014/main" id="{F8FDFC5C-51C5-46F0-9420-CB80211E99BF}"/>
+              </a:ext>
+            </a:extLst>
+          </p:cNvPr>
+          <p:cNvPicPr>
+            <a:picLocks noChangeAspect="1" noChangeArrowheads="1"/>
+          </p:cNvPicPr>
+          <p:nvPr/>
+        </p:nvPicPr>
+        <p:blipFill>
+          <a:blip r:embed="rId2">
+            <a:extLst>
+              <a:ext uri="{28A0092B-C50C-407E-A947-70E740481C1C}">
+                <a14:useLocalDpi xmlns:a14="http://schemas.microsoft.com/office/drawing/2010/main" val="0"/>
+              </a:ext>
+            </a:extLst>
+          </a:blip>
+          <a:srcRect/>
+          <a:stretch>
+            <a:fillRect/>
+          </a:stretch>
+        </p:blipFill>
+        <p:spPr bwMode="auto">
+          <a:xfrm>
+            <a:off x="1909762" y="1772816"/>
+            <a:ext cx="5324475" cy="4038600"/>
+          </a:xfrm>
+          <a:prstGeom prst="rect">
+            <a:avLst/>
+          </a:prstGeom>
+          <a:noFill/>
+          <a:extLst>
+            <a:ext uri="{909E8E84-426E-40DD-AFC4-6F175D3DCCD1}">
+              <a14:hiddenFill xmlns:a14="http://schemas.microsoft.com/office/drawing/2010/main">
+                <a:solidFill>
+                  <a:srgbClr val="FFFFFF"/>
+                </a:solidFill>
+              </a14:hiddenFill>
+            </a:ext>
+          </a:extLst>
+        </p:spPr>
+      </p:pic>
+      <p:sp>
+        <p:nvSpPr>
+          <p:cNvPr id="5" name="Rectangle 4">
+            <a:extLst>
+              <a:ext uri="{FF2B5EF4-FFF2-40B4-BE49-F238E27FC236}">
+                <a16:creationId xmlns:a16="http://schemas.microsoft.com/office/drawing/2014/main" id="{00D93D3E-D369-4B72-AFE6-393464224A29}"/>
+              </a:ext>
+            </a:extLst>
+          </p:cNvPr>
+          <p:cNvSpPr/>
+          <p:nvPr/>
+        </p:nvSpPr>
+        <p:spPr>
+          <a:xfrm>
+            <a:off x="2662237" y="5811416"/>
+            <a:ext cx="4572000" cy="430887"/>
+          </a:xfrm>
+          <a:prstGeom prst="rect">
+            <a:avLst/>
+          </a:prstGeom>
+        </p:spPr>
+        <p:txBody>
+          <a:bodyPr>
+            <a:spAutoFit/>
+          </a:bodyPr>
+          <a:lstStyle/>
+          <a:p>
+            <a:r>
+              <a:rPr lang="en-US" sz="1100" dirty="0"/>
+              <a:t>https://dsp.stackexchange.com/questions/27417/comparing-mfcc-features-what-do-they-represent</a:t>
+            </a:r>
+          </a:p>
+        </p:txBody>
+      </p:sp>
+    </p:spTree>
+    <p:extLst>
+      <p:ext uri="{BB962C8B-B14F-4D97-AF65-F5344CB8AC3E}">
+        <p14:creationId xmlns:p14="http://schemas.microsoft.com/office/powerpoint/2010/main" val="4065568409"/>
+      </p:ext>
+    </p:extLst>
+  </p:cSld>
+  <p:clrMapOvr>
+    <a:masterClrMapping/>
+  </p:clrMapOvr>
+</p:sld>
+</file>
+
+<file path=ppt/slides/slide4.xml><?xml version="1.0" encoding="utf-8"?>
+<p:sld xmlns:a="http://schemas.openxmlformats.org/drawingml/2006/main" xmlns:r="http://schemas.openxmlformats.org/officeDocument/2006/relationships" xmlns:p="http://schemas.openxmlformats.org/presentationml/2006/main">
+  <p:cSld>
+    <p:spTree>
+      <p:nvGrpSpPr>
+        <p:cNvPr id="1" name=""/>
+        <p:cNvGrpSpPr/>
+        <p:nvPr/>
+      </p:nvGrpSpPr>
+      <p:grpSpPr>
+        <a:xfrm>
+          <a:off x="0" y="0"/>
+          <a:ext cx="0" cy="0"/>
+          <a:chOff x="0" y="0"/>
+          <a:chExt cx="0" cy="0"/>
+        </a:xfrm>
+      </p:grpSpPr>
+      <p:sp>
+        <p:nvSpPr>
+          <p:cNvPr id="2" name="Title 1">
+            <a:extLst>
+              <a:ext uri="{FF2B5EF4-FFF2-40B4-BE49-F238E27FC236}">
+                <a16:creationId xmlns:a16="http://schemas.microsoft.com/office/drawing/2014/main" id="{D55A6C7D-9A4F-44EA-9942-BF1E9F8C7F8F}"/>
+              </a:ext>
+            </a:extLst>
+          </p:cNvPr>
+          <p:cNvSpPr>
+            <a:spLocks noGrp="1"/>
+          </p:cNvSpPr>
+          <p:nvPr>
+            <p:ph type="title"/>
+          </p:nvPr>
+        </p:nvSpPr>
+        <p:spPr/>
+        <p:txBody>
+          <a:bodyPr/>
+          <a:lstStyle/>
+          <a:p>
+            <a:r>
+              <a:rPr lang="pl-PL" dirty="0"/>
+              <a:t>Struktura sieci</a:t>
+            </a:r>
+            <a:endParaRPr lang="en-US" dirty="0"/>
+          </a:p>
+        </p:txBody>
+      </p:sp>
+      <p:graphicFrame>
+        <p:nvGraphicFramePr>
+          <p:cNvPr id="3" name="Diagram 2">
+            <a:extLst>
+              <a:ext uri="{FF2B5EF4-FFF2-40B4-BE49-F238E27FC236}">
+                <a16:creationId xmlns:a16="http://schemas.microsoft.com/office/drawing/2014/main" id="{6090CB6D-CD12-4CCC-AB6F-E76642A14C2B}"/>
+              </a:ext>
+            </a:extLst>
+          </p:cNvPr>
+          <p:cNvGraphicFramePr/>
+          <p:nvPr>
+            <p:extLst>
+              <p:ext uri="{D42A27DB-BD31-4B8C-83A1-F6EECF244321}">
+                <p14:modId xmlns:p14="http://schemas.microsoft.com/office/powerpoint/2010/main" val="697433073"/>
+              </p:ext>
+            </p:extLst>
+          </p:nvPr>
+        </p:nvGraphicFramePr>
+        <p:xfrm>
+          <a:off x="1524000" y="1397000"/>
+          <a:ext cx="6096000" cy="4064000"/>
+        </p:xfrm>
+        <a:graphic>
+          <a:graphicData uri="http://schemas.openxmlformats.org/drawingml/2006/diagram">
+            <dgm:relIds xmlns:dgm="http://schemas.openxmlformats.org/drawingml/2006/diagram" xmlns:r="http://schemas.openxmlformats.org/officeDocument/2006/relationships" r:dm="rId2" r:lo="rId3" r:qs="rId4" r:cs="rId5"/>
+          </a:graphicData>
+        </a:graphic>
+      </p:graphicFrame>
+    </p:spTree>
+    <p:extLst>
+      <p:ext uri="{BB962C8B-B14F-4D97-AF65-F5344CB8AC3E}">
+        <p14:creationId xmlns:p14="http://schemas.microsoft.com/office/powerpoint/2010/main" val="2380669125"/>
+      </p:ext>
+    </p:extLst>
   </p:cSld>
   <p:clrMapOvr>
     <a:masterClrMapping/>
